--- a/otmm_decimal/result_colab/result_novelty_1000_1.0_15_102_ColabPP/result_novelty_1000_1.0_15_102_parsing.pptx
+++ b/otmm_decimal/result_colab/result_novelty_1000_1.0_15_102_ColabPP/result_novelty_1000_1.0_15_102_parsing.pptx
@@ -264,7 +264,7 @@
           <a:p>
             <a:fld id="{A1CCF42C-534B-4F17-84EB-3026585EF5A2}" type="datetimeFigureOut">
               <a:rPr kumimoji="1" lang="ja-JP" altLang="en-US" smtClean="0"/>
-              <a:t>2023/1/3</a:t>
+              <a:t>2023/1/12</a:t>
             </a:fld>
             <a:endParaRPr kumimoji="1" lang="ja-JP" altLang="en-US"/>
           </a:p>
@@ -494,7 +494,7 @@
           <a:p>
             <a:fld id="{A1CCF42C-534B-4F17-84EB-3026585EF5A2}" type="datetimeFigureOut">
               <a:rPr kumimoji="1" lang="ja-JP" altLang="en-US" smtClean="0"/>
-              <a:t>2023/1/3</a:t>
+              <a:t>2023/1/12</a:t>
             </a:fld>
             <a:endParaRPr kumimoji="1" lang="ja-JP" altLang="en-US"/>
           </a:p>
@@ -734,7 +734,7 @@
           <a:p>
             <a:fld id="{A1CCF42C-534B-4F17-84EB-3026585EF5A2}" type="datetimeFigureOut">
               <a:rPr kumimoji="1" lang="ja-JP" altLang="en-US" smtClean="0"/>
-              <a:t>2023/1/3</a:t>
+              <a:t>2023/1/12</a:t>
             </a:fld>
             <a:endParaRPr kumimoji="1" lang="ja-JP" altLang="en-US"/>
           </a:p>
@@ -964,7 +964,7 @@
           <a:p>
             <a:fld id="{A1CCF42C-534B-4F17-84EB-3026585EF5A2}" type="datetimeFigureOut">
               <a:rPr kumimoji="1" lang="ja-JP" altLang="en-US" smtClean="0"/>
-              <a:t>2023/1/3</a:t>
+              <a:t>2023/1/12</a:t>
             </a:fld>
             <a:endParaRPr kumimoji="1" lang="ja-JP" altLang="en-US"/>
           </a:p>
@@ -1239,7 +1239,7 @@
           <a:p>
             <a:fld id="{A1CCF42C-534B-4F17-84EB-3026585EF5A2}" type="datetimeFigureOut">
               <a:rPr kumimoji="1" lang="ja-JP" altLang="en-US" smtClean="0"/>
-              <a:t>2023/1/3</a:t>
+              <a:t>2023/1/12</a:t>
             </a:fld>
             <a:endParaRPr kumimoji="1" lang="ja-JP" altLang="en-US"/>
           </a:p>
@@ -1568,7 +1568,7 @@
           <a:p>
             <a:fld id="{A1CCF42C-534B-4F17-84EB-3026585EF5A2}" type="datetimeFigureOut">
               <a:rPr kumimoji="1" lang="ja-JP" altLang="en-US" smtClean="0"/>
-              <a:t>2023/1/3</a:t>
+              <a:t>2023/1/12</a:t>
             </a:fld>
             <a:endParaRPr kumimoji="1" lang="ja-JP" altLang="en-US"/>
           </a:p>
@@ -2044,7 +2044,7 @@
           <a:p>
             <a:fld id="{A1CCF42C-534B-4F17-84EB-3026585EF5A2}" type="datetimeFigureOut">
               <a:rPr kumimoji="1" lang="ja-JP" altLang="en-US" smtClean="0"/>
-              <a:t>2023/1/3</a:t>
+              <a:t>2023/1/12</a:t>
             </a:fld>
             <a:endParaRPr kumimoji="1" lang="ja-JP" altLang="en-US"/>
           </a:p>
@@ -2185,7 +2185,7 @@
           <a:p>
             <a:fld id="{A1CCF42C-534B-4F17-84EB-3026585EF5A2}" type="datetimeFigureOut">
               <a:rPr kumimoji="1" lang="ja-JP" altLang="en-US" smtClean="0"/>
-              <a:t>2023/1/3</a:t>
+              <a:t>2023/1/12</a:t>
             </a:fld>
             <a:endParaRPr kumimoji="1" lang="ja-JP" altLang="en-US"/>
           </a:p>
@@ -2298,7 +2298,7 @@
           <a:p>
             <a:fld id="{A1CCF42C-534B-4F17-84EB-3026585EF5A2}" type="datetimeFigureOut">
               <a:rPr kumimoji="1" lang="ja-JP" altLang="en-US" smtClean="0"/>
-              <a:t>2023/1/3</a:t>
+              <a:t>2023/1/12</a:t>
             </a:fld>
             <a:endParaRPr kumimoji="1" lang="ja-JP" altLang="en-US"/>
           </a:p>
@@ -2641,7 +2641,7 @@
           <a:p>
             <a:fld id="{A1CCF42C-534B-4F17-84EB-3026585EF5A2}" type="datetimeFigureOut">
               <a:rPr kumimoji="1" lang="ja-JP" altLang="en-US" smtClean="0"/>
-              <a:t>2023/1/3</a:t>
+              <a:t>2023/1/12</a:t>
             </a:fld>
             <a:endParaRPr kumimoji="1" lang="ja-JP" altLang="en-US"/>
           </a:p>
@@ -2929,7 +2929,7 @@
           <a:p>
             <a:fld id="{A1CCF42C-534B-4F17-84EB-3026585EF5A2}" type="datetimeFigureOut">
               <a:rPr kumimoji="1" lang="ja-JP" altLang="en-US" smtClean="0"/>
-              <a:t>2023/1/3</a:t>
+              <a:t>2023/1/12</a:t>
             </a:fld>
             <a:endParaRPr kumimoji="1" lang="ja-JP" altLang="en-US"/>
           </a:p>
@@ -3202,7 +3202,7 @@
           <a:p>
             <a:fld id="{A1CCF42C-534B-4F17-84EB-3026585EF5A2}" type="datetimeFigureOut">
               <a:rPr kumimoji="1" lang="ja-JP" altLang="en-US" smtClean="0"/>
-              <a:t>2023/1/3</a:t>
+              <a:t>2023/1/12</a:t>
             </a:fld>
             <a:endParaRPr kumimoji="1" lang="ja-JP" altLang="en-US"/>
           </a:p>
@@ -8938,8 +8938,12 @@
           <a:lstStyle/>
           <a:p>
             <a:r>
+              <a:rPr lang="en-US" altLang="ja-JP" dirty="0"/>
+              <a:t>12</a:t>
+            </a:r>
+            <a:r>
               <a:rPr lang="ja-JP" altLang="en-US" dirty="0"/>
-              <a:t>同じ</a:t>
+              <a:t>で同じ</a:t>
             </a:r>
             <a:r>
               <a:rPr lang="en-US" altLang="ja-JP" dirty="0" err="1"/>
@@ -8991,7 +8995,7 @@
             </a:r>
             <a:r>
               <a:rPr lang="ja-JP" altLang="en-US" dirty="0"/>
-              <a:t>が来ているのは生物学的にも正しい。</a:t>
+              <a:t>が来ているのは生物学的にも妥当な遷移。</a:t>
             </a:r>
             <a:endParaRPr kumimoji="1" lang="ja-JP" altLang="en-US" dirty="0"/>
           </a:p>
@@ -9011,7 +9015,7 @@
         </p:nvSpPr>
         <p:spPr>
           <a:xfrm>
-            <a:off x="146316" y="2270209"/>
+            <a:off x="209751" y="1448350"/>
             <a:ext cx="1718992" cy="3139321"/>
           </a:xfrm>
           <a:prstGeom prst="rect">
@@ -9155,7 +9159,7 @@
         </p:nvSpPr>
         <p:spPr>
           <a:xfrm>
-            <a:off x="10531586" y="234455"/>
+            <a:off x="10567329" y="164171"/>
             <a:ext cx="1510171" cy="523220"/>
           </a:xfrm>
           <a:prstGeom prst="rect">
@@ -9338,9 +9342,9 @@
           </a:xfrm>
           <a:prstGeom prst="curvedConnector5">
             <a:avLst>
-              <a:gd name="adj1" fmla="val -53272"/>
-              <a:gd name="adj2" fmla="val 5857913"/>
-              <a:gd name="adj3" fmla="val 153272"/>
+              <a:gd name="adj1" fmla="val -20739"/>
+              <a:gd name="adj2" fmla="val 4703701"/>
+              <a:gd name="adj3" fmla="val 127245"/>
             </a:avLst>
           </a:prstGeom>
           <a:ln w="12700">
@@ -9380,7 +9384,7 @@
         </p:nvSpPr>
         <p:spPr>
           <a:xfrm>
-            <a:off x="5541032" y="2556589"/>
+            <a:off x="5635755" y="2514338"/>
             <a:ext cx="746970" cy="369332"/>
           </a:xfrm>
           <a:prstGeom prst="rect">
@@ -9437,7 +9441,7 @@
               <a:gd name="adj1" fmla="val 5014071"/>
             </a:avLst>
           </a:prstGeom>
-          <a:ln>
+          <a:ln w="12700">
             <a:solidFill>
               <a:schemeClr val="accent1"/>
             </a:solidFill>
@@ -12929,18 +12933,18 @@
           </p:cNvPr>
           <p:cNvCxnSpPr>
             <a:cxnSpLocks/>
-            <a:stCxn id="110" idx="0"/>
+            <a:stCxn id="110" idx="7"/>
           </p:cNvCxnSpPr>
           <p:nvPr/>
         </p:nvCxnSpPr>
         <p:spPr>
           <a:xfrm rot="5400000" flipH="1" flipV="1">
-            <a:off x="4842200" y="1360630"/>
-            <a:ext cx="3155702" cy="2432716"/>
+            <a:off x="4904497" y="1511801"/>
+            <a:ext cx="3244574" cy="2219248"/>
           </a:xfrm>
           <a:prstGeom prst="curvedConnector3">
             <a:avLst>
-              <a:gd name="adj1" fmla="val 100134"/>
+              <a:gd name="adj1" fmla="val 100341"/>
             </a:avLst>
           </a:prstGeom>
           <a:ln w="12700">
@@ -12980,7 +12984,7 @@
         </p:nvSpPr>
         <p:spPr>
           <a:xfrm>
-            <a:off x="6520991" y="618899"/>
+            <a:off x="6523883" y="999138"/>
             <a:ext cx="746970" cy="369332"/>
           </a:xfrm>
           <a:prstGeom prst="rect">
@@ -13396,13 +13400,13 @@
         </p:nvCxnSpPr>
         <p:spPr>
           <a:xfrm rot="16200000" flipH="1" flipV="1">
-            <a:off x="4165228" y="-332592"/>
-            <a:ext cx="2757472" cy="4934195"/>
+            <a:off x="4165230" y="-332594"/>
+            <a:ext cx="2757468" cy="4934195"/>
           </a:xfrm>
           <a:prstGeom prst="curvedConnector4">
             <a:avLst>
-              <a:gd name="adj1" fmla="val -13554"/>
-              <a:gd name="adj2" fmla="val 63649"/>
+              <a:gd name="adj1" fmla="val -3987"/>
+              <a:gd name="adj2" fmla="val 56879"/>
             </a:avLst>
           </a:prstGeom>
           <a:ln w="12700">
@@ -13442,7 +13446,7 @@
         </p:nvSpPr>
         <p:spPr>
           <a:xfrm>
-            <a:off x="4172613" y="1597888"/>
+            <a:off x="4569858" y="1736772"/>
             <a:ext cx="746970" cy="369332"/>
           </a:xfrm>
           <a:prstGeom prst="rect">
@@ -13717,8 +13721,8 @@
         </p:nvSpPr>
         <p:spPr>
           <a:xfrm>
-            <a:off x="9499562" y="4808527"/>
-            <a:ext cx="1758885" cy="738664"/>
+            <a:off x="9645223" y="4701763"/>
+            <a:ext cx="1758885" cy="954107"/>
           </a:xfrm>
           <a:prstGeom prst="rect">
             <a:avLst/>
@@ -13752,6 +13756,12 @@
               <a:t>(b1-3) 0.11</a:t>
             </a:r>
           </a:p>
+          <a:p>
+            <a:r>
+              <a:rPr lang="en-US" altLang="ja-JP" sz="1400" dirty="0"/>
+              <a:t>Gal(b1-4) 0.005</a:t>
+            </a:r>
+          </a:p>
         </p:txBody>
       </p:sp>
       <p:sp>
@@ -14107,7 +14117,7 @@
         </p:nvSpPr>
         <p:spPr>
           <a:xfrm>
-            <a:off x="7975494" y="471007"/>
+            <a:off x="6973449" y="375179"/>
             <a:ext cx="1510171" cy="307777"/>
           </a:xfrm>
           <a:prstGeom prst="rect">
@@ -14126,6 +14136,245 @@
               <a:t>Man(a1-3) 0.97</a:t>
             </a:r>
             <a:endParaRPr kumimoji="1" lang="ja-JP" altLang="en-US" sz="1400" dirty="0"/>
+          </a:p>
+        </p:txBody>
+      </p:sp>
+      <p:sp>
+        <p:nvSpPr>
+          <p:cNvPr id="7" name="テキスト ボックス 6">
+            <a:extLst>
+              <a:ext uri="{FF2B5EF4-FFF2-40B4-BE49-F238E27FC236}">
+                <a16:creationId xmlns:a16="http://schemas.microsoft.com/office/drawing/2014/main" id="{96B9CFFF-E6C0-A46B-F2A9-E6F1D9A5E543}"/>
+              </a:ext>
+            </a:extLst>
+          </p:cNvPr>
+          <p:cNvSpPr txBox="1"/>
+          <p:nvPr/>
+        </p:nvSpPr>
+        <p:spPr>
+          <a:xfrm>
+            <a:off x="3312370" y="2136112"/>
+            <a:ext cx="1257488" cy="338554"/>
+          </a:xfrm>
+          <a:prstGeom prst="rect">
+            <a:avLst/>
+          </a:prstGeom>
+        </p:spPr>
+        <p:style>
+          <a:lnRef idx="2">
+            <a:schemeClr val="accent1"/>
+          </a:lnRef>
+          <a:fillRef idx="1">
+            <a:schemeClr val="lt1"/>
+          </a:fillRef>
+          <a:effectRef idx="0">
+            <a:schemeClr val="accent1"/>
+          </a:effectRef>
+          <a:fontRef idx="minor">
+            <a:schemeClr val="dk1"/>
+          </a:fontRef>
+        </p:style>
+        <p:txBody>
+          <a:bodyPr wrap="square" rtlCol="0">
+            <a:spAutoFit/>
+          </a:bodyPr>
+          <a:lstStyle/>
+          <a:p>
+            <a:r>
+              <a:rPr lang="en-US" altLang="ja-JP" sz="1600" dirty="0"/>
+              <a:t>f</a:t>
+            </a:r>
+            <a:r>
+              <a:rPr kumimoji="1" lang="en-US" altLang="ja-JP" sz="1600" dirty="0"/>
+              <a:t>or state 13</a:t>
+            </a:r>
+            <a:endParaRPr kumimoji="1" lang="ja-JP" altLang="en-US" sz="1600" dirty="0"/>
+          </a:p>
+        </p:txBody>
+      </p:sp>
+      <p:cxnSp>
+        <p:nvCxnSpPr>
+          <p:cNvPr id="12" name="コネクタ: 曲線 11">
+            <a:extLst>
+              <a:ext uri="{FF2B5EF4-FFF2-40B4-BE49-F238E27FC236}">
+                <a16:creationId xmlns:a16="http://schemas.microsoft.com/office/drawing/2014/main" id="{6F4DDB38-FE60-701E-F555-6A49E57BC996}"/>
+              </a:ext>
+            </a:extLst>
+          </p:cNvPr>
+          <p:cNvCxnSpPr>
+            <a:cxnSpLocks/>
+            <a:stCxn id="110" idx="0"/>
+            <a:endCxn id="7" idx="2"/>
+          </p:cNvCxnSpPr>
+          <p:nvPr/>
+        </p:nvCxnSpPr>
+        <p:spPr>
+          <a:xfrm rot="16200000" flipV="1">
+            <a:off x="3732318" y="2683463"/>
+            <a:ext cx="1680173" cy="1262579"/>
+          </a:xfrm>
+          <a:prstGeom prst="curvedConnector3">
+            <a:avLst>
+              <a:gd name="adj1" fmla="val 50000"/>
+            </a:avLst>
+          </a:prstGeom>
+          <a:ln w="12700">
+            <a:solidFill>
+              <a:schemeClr val="accent1"/>
+            </a:solidFill>
+            <a:tailEnd type="triangle"/>
+          </a:ln>
+        </p:spPr>
+        <p:style>
+          <a:lnRef idx="1">
+            <a:schemeClr val="dk1"/>
+          </a:lnRef>
+          <a:fillRef idx="0">
+            <a:schemeClr val="dk1"/>
+          </a:fillRef>
+          <a:effectRef idx="0">
+            <a:schemeClr val="dk1"/>
+          </a:effectRef>
+          <a:fontRef idx="minor">
+            <a:schemeClr val="tx1"/>
+          </a:fontRef>
+        </p:style>
+      </p:cxnSp>
+      <p:sp>
+        <p:nvSpPr>
+          <p:cNvPr id="17" name="テキスト ボックス 16">
+            <a:extLst>
+              <a:ext uri="{FF2B5EF4-FFF2-40B4-BE49-F238E27FC236}">
+                <a16:creationId xmlns:a16="http://schemas.microsoft.com/office/drawing/2014/main" id="{AEE6D0B9-3C6D-5188-A90B-8D20FA665998}"/>
+              </a:ext>
+            </a:extLst>
+          </p:cNvPr>
+          <p:cNvSpPr txBox="1"/>
+          <p:nvPr/>
+        </p:nvSpPr>
+        <p:spPr>
+          <a:xfrm>
+            <a:off x="4569858" y="3053703"/>
+            <a:ext cx="746970" cy="369332"/>
+          </a:xfrm>
+          <a:prstGeom prst="rect">
+            <a:avLst/>
+          </a:prstGeom>
+          <a:noFill/>
+        </p:spPr>
+        <p:txBody>
+          <a:bodyPr wrap="square" rtlCol="0">
+            <a:spAutoFit/>
+          </a:bodyPr>
+          <a:lstStyle/>
+          <a:p>
+            <a:pPr algn="ctr"/>
+            <a:r>
+              <a:rPr lang="en-US" altLang="ja-JP" dirty="0">
+                <a:solidFill>
+                  <a:schemeClr val="accent1"/>
+                </a:solidFill>
+              </a:rPr>
+              <a:t>0.14</a:t>
+            </a:r>
+            <a:endParaRPr kumimoji="1" lang="ja-JP" altLang="en-US" dirty="0">
+              <a:solidFill>
+                <a:schemeClr val="accent1"/>
+              </a:solidFill>
+            </a:endParaRPr>
+          </a:p>
+        </p:txBody>
+      </p:sp>
+      <p:cxnSp>
+        <p:nvCxnSpPr>
+          <p:cNvPr id="34" name="コネクタ: 曲線 33">
+            <a:extLst>
+              <a:ext uri="{FF2B5EF4-FFF2-40B4-BE49-F238E27FC236}">
+                <a16:creationId xmlns:a16="http://schemas.microsoft.com/office/drawing/2014/main" id="{D2EFF180-9B9C-62BC-D630-6E72868AC217}"/>
+              </a:ext>
+            </a:extLst>
+          </p:cNvPr>
+          <p:cNvCxnSpPr>
+            <a:cxnSpLocks/>
+            <a:stCxn id="121" idx="7"/>
+            <a:endCxn id="131" idx="1"/>
+          </p:cNvCxnSpPr>
+          <p:nvPr/>
+        </p:nvCxnSpPr>
+        <p:spPr>
+          <a:xfrm rot="5400000" flipH="1" flipV="1">
+            <a:off x="9645041" y="-583520"/>
+            <a:ext cx="7651" cy="2848677"/>
+          </a:xfrm>
+          <a:prstGeom prst="curvedConnector3">
+            <a:avLst>
+              <a:gd name="adj1" fmla="val 4249431"/>
+            </a:avLst>
+          </a:prstGeom>
+          <a:ln w="12700">
+            <a:solidFill>
+              <a:schemeClr val="accent1"/>
+            </a:solidFill>
+            <a:tailEnd type="triangle"/>
+          </a:ln>
+        </p:spPr>
+        <p:style>
+          <a:lnRef idx="1">
+            <a:schemeClr val="dk1"/>
+          </a:lnRef>
+          <a:fillRef idx="0">
+            <a:schemeClr val="dk1"/>
+          </a:fillRef>
+          <a:effectRef idx="0">
+            <a:schemeClr val="dk1"/>
+          </a:effectRef>
+          <a:fontRef idx="minor">
+            <a:schemeClr val="tx1"/>
+          </a:fontRef>
+        </p:style>
+      </p:cxnSp>
+      <p:sp>
+        <p:nvSpPr>
+          <p:cNvPr id="37" name="テキスト ボックス 36">
+            <a:extLst>
+              <a:ext uri="{FF2B5EF4-FFF2-40B4-BE49-F238E27FC236}">
+                <a16:creationId xmlns:a16="http://schemas.microsoft.com/office/drawing/2014/main" id="{E190D201-4CE4-EECD-3E3A-FA4574FB244F}"/>
+              </a:ext>
+            </a:extLst>
+          </p:cNvPr>
+          <p:cNvSpPr txBox="1"/>
+          <p:nvPr/>
+        </p:nvSpPr>
+        <p:spPr>
+          <a:xfrm>
+            <a:off x="9271738" y="161969"/>
+            <a:ext cx="746970" cy="369332"/>
+          </a:xfrm>
+          <a:prstGeom prst="rect">
+            <a:avLst/>
+          </a:prstGeom>
+          <a:noFill/>
+        </p:spPr>
+        <p:txBody>
+          <a:bodyPr wrap="square" rtlCol="0">
+            <a:spAutoFit/>
+          </a:bodyPr>
+          <a:lstStyle/>
+          <a:p>
+            <a:pPr algn="ctr"/>
+            <a:r>
+              <a:rPr lang="en-US" altLang="ja-JP" dirty="0">
+                <a:solidFill>
+                  <a:schemeClr val="accent1"/>
+                </a:solidFill>
+              </a:rPr>
+              <a:t>0.11</a:t>
+            </a:r>
+            <a:endParaRPr kumimoji="1" lang="ja-JP" altLang="en-US" dirty="0">
+              <a:solidFill>
+                <a:schemeClr val="accent1"/>
+              </a:solidFill>
+            </a:endParaRPr>
           </a:p>
         </p:txBody>
       </p:sp>
@@ -16945,14 +17194,14 @@
           <a:p>
             <a:pPr algn="ctr"/>
             <a:r>
-              <a:rPr kumimoji="1" lang="en-US" altLang="ja-JP" dirty="0">
+              <a:rPr kumimoji="1" lang="en-US" altLang="ja-JP" b="1" dirty="0">
                 <a:solidFill>
                   <a:schemeClr val="tx1"/>
                 </a:solidFill>
               </a:rPr>
               <a:t>10</a:t>
             </a:r>
-            <a:endParaRPr kumimoji="1" lang="ja-JP" altLang="en-US" dirty="0">
+            <a:endParaRPr kumimoji="1" lang="ja-JP" altLang="en-US" b="1" dirty="0">
               <a:solidFill>
                 <a:schemeClr val="tx1"/>
               </a:solidFill>
@@ -17009,16 +17258,16 @@
           <a:p>
             <a:pPr algn="ctr"/>
             <a:r>
-              <a:rPr kumimoji="1" lang="en-US" altLang="ja-JP" dirty="0">
+              <a:rPr kumimoji="1" lang="en-US" altLang="ja-JP" b="1" dirty="0">
                 <a:solidFill>
-                  <a:schemeClr val="tx1"/>
+                  <a:srgbClr val="FF0000"/>
                 </a:solidFill>
               </a:rPr>
               <a:t>9</a:t>
             </a:r>
-            <a:endParaRPr kumimoji="1" lang="ja-JP" altLang="en-US" dirty="0">
+            <a:endParaRPr kumimoji="1" lang="ja-JP" altLang="en-US" b="1" dirty="0">
               <a:solidFill>
-                <a:schemeClr val="tx1"/>
+                <a:srgbClr val="FF0000"/>
               </a:solidFill>
             </a:endParaRPr>
           </a:p>
@@ -17265,14 +17514,14 @@
           <a:p>
             <a:pPr algn="ctr"/>
             <a:r>
-              <a:rPr kumimoji="1" lang="en-US" altLang="ja-JP" dirty="0">
+              <a:rPr kumimoji="1" lang="en-US" altLang="ja-JP" b="1" dirty="0">
                 <a:solidFill>
                   <a:schemeClr val="tx1"/>
                 </a:solidFill>
               </a:rPr>
               <a:t>14</a:t>
             </a:r>
-            <a:endParaRPr kumimoji="1" lang="ja-JP" altLang="en-US" dirty="0">
+            <a:endParaRPr kumimoji="1" lang="ja-JP" altLang="en-US" b="1" dirty="0">
               <a:solidFill>
                 <a:schemeClr val="tx1"/>
               </a:solidFill>
@@ -17329,16 +17578,16 @@
           <a:p>
             <a:pPr algn="ctr"/>
             <a:r>
-              <a:rPr kumimoji="1" lang="en-US" altLang="ja-JP" dirty="0">
+              <a:rPr kumimoji="1" lang="en-US" altLang="ja-JP" b="1" dirty="0">
                 <a:solidFill>
-                  <a:schemeClr val="tx1"/>
+                  <a:srgbClr val="FF0000"/>
                 </a:solidFill>
               </a:rPr>
               <a:t>7</a:t>
             </a:r>
-            <a:endParaRPr kumimoji="1" lang="ja-JP" altLang="en-US" dirty="0">
+            <a:endParaRPr kumimoji="1" lang="ja-JP" altLang="en-US" b="1" dirty="0">
               <a:solidFill>
-                <a:schemeClr val="tx1"/>
+                <a:srgbClr val="FF0000"/>
               </a:solidFill>
             </a:endParaRPr>
           </a:p>
@@ -17725,6 +17974,106 @@
                 <a:schemeClr val="tx1"/>
               </a:solidFill>
             </a:endParaRPr>
+          </a:p>
+        </p:txBody>
+      </p:sp>
+      <p:sp>
+        <p:nvSpPr>
+          <p:cNvPr id="2" name="楕円 1">
+            <a:extLst>
+              <a:ext uri="{FF2B5EF4-FFF2-40B4-BE49-F238E27FC236}">
+                <a16:creationId xmlns:a16="http://schemas.microsoft.com/office/drawing/2014/main" id="{52888777-0572-0807-CAC5-41272FD64DC0}"/>
+              </a:ext>
+            </a:extLst>
+          </p:cNvPr>
+          <p:cNvSpPr/>
+          <p:nvPr/>
+        </p:nvSpPr>
+        <p:spPr>
+          <a:xfrm>
+            <a:off x="3136453" y="1091943"/>
+            <a:ext cx="2198748" cy="2008950"/>
+          </a:xfrm>
+          <a:prstGeom prst="ellipse">
+            <a:avLst/>
+          </a:prstGeom>
+          <a:noFill/>
+        </p:spPr>
+        <p:style>
+          <a:lnRef idx="2">
+            <a:schemeClr val="accent1">
+              <a:shade val="50000"/>
+            </a:schemeClr>
+          </a:lnRef>
+          <a:fillRef idx="1">
+            <a:schemeClr val="accent1"/>
+          </a:fillRef>
+          <a:effectRef idx="0">
+            <a:schemeClr val="accent1"/>
+          </a:effectRef>
+          <a:fontRef idx="minor">
+            <a:schemeClr val="lt1"/>
+          </a:fontRef>
+        </p:style>
+        <p:txBody>
+          <a:bodyPr rtlCol="0" anchor="ctr"/>
+          <a:lstStyle/>
+          <a:p>
+            <a:pPr algn="ctr"/>
+            <a:endParaRPr kumimoji="1" lang="ja-JP" altLang="en-US"/>
+          </a:p>
+        </p:txBody>
+      </p:sp>
+      <p:sp>
+        <p:nvSpPr>
+          <p:cNvPr id="4" name="楕円 3">
+            <a:extLst>
+              <a:ext uri="{FF2B5EF4-FFF2-40B4-BE49-F238E27FC236}">
+                <a16:creationId xmlns:a16="http://schemas.microsoft.com/office/drawing/2014/main" id="{D7831431-5A23-8312-FD43-0576E3A08342}"/>
+              </a:ext>
+            </a:extLst>
+          </p:cNvPr>
+          <p:cNvSpPr/>
+          <p:nvPr/>
+        </p:nvSpPr>
+        <p:spPr>
+          <a:xfrm>
+            <a:off x="3119412" y="3101077"/>
+            <a:ext cx="2198748" cy="2008950"/>
+          </a:xfrm>
+          <a:prstGeom prst="ellipse">
+            <a:avLst/>
+          </a:prstGeom>
+          <a:noFill/>
+          <a:ln>
+            <a:solidFill>
+              <a:schemeClr val="accent2"/>
+            </a:solidFill>
+            <a:prstDash val="sysDot"/>
+          </a:ln>
+        </p:spPr>
+        <p:style>
+          <a:lnRef idx="2">
+            <a:schemeClr val="accent1">
+              <a:shade val="50000"/>
+            </a:schemeClr>
+          </a:lnRef>
+          <a:fillRef idx="1">
+            <a:schemeClr val="accent1"/>
+          </a:fillRef>
+          <a:effectRef idx="0">
+            <a:schemeClr val="accent1"/>
+          </a:effectRef>
+          <a:fontRef idx="minor">
+            <a:schemeClr val="lt1"/>
+          </a:fontRef>
+        </p:style>
+        <p:txBody>
+          <a:bodyPr rtlCol="0" anchor="ctr"/>
+          <a:lstStyle/>
+          <a:p>
+            <a:pPr algn="ctr"/>
+            <a:endParaRPr kumimoji="1" lang="ja-JP" altLang="en-US"/>
           </a:p>
         </p:txBody>
       </p:sp>

--- a/otmm_decimal/result_colab/result_novelty_1000_1.0_15_102_ColabPP/result_novelty_1000_1.0_15_102_parsing.pptx
+++ b/otmm_decimal/result_colab/result_novelty_1000_1.0_15_102_ColabPP/result_novelty_1000_1.0_15_102_parsing.pptx
@@ -8,9 +8,12 @@
     <p:sldId id="264" r:id="rId2"/>
     <p:sldId id="265" r:id="rId3"/>
     <p:sldId id="261" r:id="rId4"/>
-    <p:sldId id="262" r:id="rId5"/>
-    <p:sldId id="263" r:id="rId6"/>
-    <p:sldId id="266" r:id="rId7"/>
+    <p:sldId id="267" r:id="rId5"/>
+    <p:sldId id="269" r:id="rId6"/>
+    <p:sldId id="268" r:id="rId7"/>
+    <p:sldId id="262" r:id="rId8"/>
+    <p:sldId id="263" r:id="rId9"/>
+    <p:sldId id="266" r:id="rId10"/>
   </p:sldIdLst>
   <p:sldSz cx="12192000" cy="6858000"/>
   <p:notesSz cx="6858000" cy="9144000"/>
@@ -117,6 +120,18 @@
 </p:presentation>
 </file>
 
+<file path=ppt/commentAuthors.xml><?xml version="1.0" encoding="utf-8"?>
+<p:cmAuthorLst xmlns:a="http://schemas.openxmlformats.org/drawingml/2006/main" xmlns:r="http://schemas.openxmlformats.org/officeDocument/2006/relationships" xmlns:p="http://schemas.openxmlformats.org/presentationml/2006/main">
+  <p:cmAuthor id="1" name="戸塚 健人" initials="戸塚" lastIdx="1" clrIdx="0">
+    <p:extLst>
+      <p:ext uri="{19B8F6BF-5375-455C-9EA6-DF929625EA0E}">
+        <p15:presenceInfo xmlns:p15="http://schemas.microsoft.com/office/powerpoint/2012/main" userId="588f6e6a60f51e15" providerId="Windows Live"/>
+      </p:ext>
+    </p:extLst>
+  </p:cmAuthor>
+</p:cmAuthorLst>
+</file>
+
 <file path=ppt/slideLayouts/slideLayout1.xml><?xml version="1.0" encoding="utf-8"?>
 <p:sldLayout xmlns:a="http://schemas.openxmlformats.org/drawingml/2006/main" xmlns:r="http://schemas.openxmlformats.org/officeDocument/2006/relationships" xmlns:p="http://schemas.openxmlformats.org/presentationml/2006/main" type="title" preserve="1">
   <p:cSld name="タイトル スライド">
@@ -264,7 +279,7 @@
           <a:p>
             <a:fld id="{A1CCF42C-534B-4F17-84EB-3026585EF5A2}" type="datetimeFigureOut">
               <a:rPr kumimoji="1" lang="ja-JP" altLang="en-US" smtClean="0"/>
-              <a:t>2023/1/12</a:t>
+              <a:t>2023/1/26</a:t>
             </a:fld>
             <a:endParaRPr kumimoji="1" lang="ja-JP" altLang="en-US"/>
           </a:p>
@@ -494,7 +509,7 @@
           <a:p>
             <a:fld id="{A1CCF42C-534B-4F17-84EB-3026585EF5A2}" type="datetimeFigureOut">
               <a:rPr kumimoji="1" lang="ja-JP" altLang="en-US" smtClean="0"/>
-              <a:t>2023/1/12</a:t>
+              <a:t>2023/1/26</a:t>
             </a:fld>
             <a:endParaRPr kumimoji="1" lang="ja-JP" altLang="en-US"/>
           </a:p>
@@ -734,7 +749,7 @@
           <a:p>
             <a:fld id="{A1CCF42C-534B-4F17-84EB-3026585EF5A2}" type="datetimeFigureOut">
               <a:rPr kumimoji="1" lang="ja-JP" altLang="en-US" smtClean="0"/>
-              <a:t>2023/1/12</a:t>
+              <a:t>2023/1/26</a:t>
             </a:fld>
             <a:endParaRPr kumimoji="1" lang="ja-JP" altLang="en-US"/>
           </a:p>
@@ -964,7 +979,7 @@
           <a:p>
             <a:fld id="{A1CCF42C-534B-4F17-84EB-3026585EF5A2}" type="datetimeFigureOut">
               <a:rPr kumimoji="1" lang="ja-JP" altLang="en-US" smtClean="0"/>
-              <a:t>2023/1/12</a:t>
+              <a:t>2023/1/26</a:t>
             </a:fld>
             <a:endParaRPr kumimoji="1" lang="ja-JP" altLang="en-US"/>
           </a:p>
@@ -1239,7 +1254,7 @@
           <a:p>
             <a:fld id="{A1CCF42C-534B-4F17-84EB-3026585EF5A2}" type="datetimeFigureOut">
               <a:rPr kumimoji="1" lang="ja-JP" altLang="en-US" smtClean="0"/>
-              <a:t>2023/1/12</a:t>
+              <a:t>2023/1/26</a:t>
             </a:fld>
             <a:endParaRPr kumimoji="1" lang="ja-JP" altLang="en-US"/>
           </a:p>
@@ -1568,7 +1583,7 @@
           <a:p>
             <a:fld id="{A1CCF42C-534B-4F17-84EB-3026585EF5A2}" type="datetimeFigureOut">
               <a:rPr kumimoji="1" lang="ja-JP" altLang="en-US" smtClean="0"/>
-              <a:t>2023/1/12</a:t>
+              <a:t>2023/1/26</a:t>
             </a:fld>
             <a:endParaRPr kumimoji="1" lang="ja-JP" altLang="en-US"/>
           </a:p>
@@ -2044,7 +2059,7 @@
           <a:p>
             <a:fld id="{A1CCF42C-534B-4F17-84EB-3026585EF5A2}" type="datetimeFigureOut">
               <a:rPr kumimoji="1" lang="ja-JP" altLang="en-US" smtClean="0"/>
-              <a:t>2023/1/12</a:t>
+              <a:t>2023/1/26</a:t>
             </a:fld>
             <a:endParaRPr kumimoji="1" lang="ja-JP" altLang="en-US"/>
           </a:p>
@@ -2185,7 +2200,7 @@
           <a:p>
             <a:fld id="{A1CCF42C-534B-4F17-84EB-3026585EF5A2}" type="datetimeFigureOut">
               <a:rPr kumimoji="1" lang="ja-JP" altLang="en-US" smtClean="0"/>
-              <a:t>2023/1/12</a:t>
+              <a:t>2023/1/26</a:t>
             </a:fld>
             <a:endParaRPr kumimoji="1" lang="ja-JP" altLang="en-US"/>
           </a:p>
@@ -2298,7 +2313,7 @@
           <a:p>
             <a:fld id="{A1CCF42C-534B-4F17-84EB-3026585EF5A2}" type="datetimeFigureOut">
               <a:rPr kumimoji="1" lang="ja-JP" altLang="en-US" smtClean="0"/>
-              <a:t>2023/1/12</a:t>
+              <a:t>2023/1/26</a:t>
             </a:fld>
             <a:endParaRPr kumimoji="1" lang="ja-JP" altLang="en-US"/>
           </a:p>
@@ -2641,7 +2656,7 @@
           <a:p>
             <a:fld id="{A1CCF42C-534B-4F17-84EB-3026585EF5A2}" type="datetimeFigureOut">
               <a:rPr kumimoji="1" lang="ja-JP" altLang="en-US" smtClean="0"/>
-              <a:t>2023/1/12</a:t>
+              <a:t>2023/1/26</a:t>
             </a:fld>
             <a:endParaRPr kumimoji="1" lang="ja-JP" altLang="en-US"/>
           </a:p>
@@ -2929,7 +2944,7 @@
           <a:p>
             <a:fld id="{A1CCF42C-534B-4F17-84EB-3026585EF5A2}" type="datetimeFigureOut">
               <a:rPr kumimoji="1" lang="ja-JP" altLang="en-US" smtClean="0"/>
-              <a:t>2023/1/12</a:t>
+              <a:t>2023/1/26</a:t>
             </a:fld>
             <a:endParaRPr kumimoji="1" lang="ja-JP" altLang="en-US"/>
           </a:p>
@@ -3202,7 +3217,7 @@
           <a:p>
             <a:fld id="{A1CCF42C-534B-4F17-84EB-3026585EF5A2}" type="datetimeFigureOut">
               <a:rPr kumimoji="1" lang="ja-JP" altLang="en-US" smtClean="0"/>
-              <a:t>2023/1/12</a:t>
+              <a:t>2023/1/26</a:t>
             </a:fld>
             <a:endParaRPr kumimoji="1" lang="ja-JP" altLang="en-US"/>
           </a:p>
@@ -14378,6 +14393,164 @@
           </a:p>
         </p:txBody>
       </p:sp>
+      <p:sp>
+        <p:nvSpPr>
+          <p:cNvPr id="2" name="テキスト ボックス 1">
+            <a:extLst>
+              <a:ext uri="{FF2B5EF4-FFF2-40B4-BE49-F238E27FC236}">
+                <a16:creationId xmlns:a16="http://schemas.microsoft.com/office/drawing/2014/main" id="{48B602C0-4C31-5FC6-53A7-9C2171BBC5E4}"/>
+              </a:ext>
+            </a:extLst>
+          </p:cNvPr>
+          <p:cNvSpPr txBox="1"/>
+          <p:nvPr/>
+        </p:nvSpPr>
+        <p:spPr>
+          <a:xfrm>
+            <a:off x="1755448" y="1351388"/>
+            <a:ext cx="1102310" cy="369332"/>
+          </a:xfrm>
+          <a:prstGeom prst="rect">
+            <a:avLst/>
+          </a:prstGeom>
+          <a:noFill/>
+        </p:spPr>
+        <p:txBody>
+          <a:bodyPr wrap="square" rtlCol="0">
+            <a:spAutoFit/>
+          </a:bodyPr>
+          <a:lstStyle/>
+          <a:p>
+            <a:r>
+              <a:rPr lang="ja-JP" altLang="en-US" dirty="0"/>
+              <a:t>親子関係</a:t>
+            </a:r>
+            <a:endParaRPr kumimoji="1" lang="ja-JP" altLang="en-US" dirty="0"/>
+          </a:p>
+        </p:txBody>
+      </p:sp>
+      <p:cxnSp>
+        <p:nvCxnSpPr>
+          <p:cNvPr id="3" name="直線矢印コネクタ 2">
+            <a:extLst>
+              <a:ext uri="{FF2B5EF4-FFF2-40B4-BE49-F238E27FC236}">
+                <a16:creationId xmlns:a16="http://schemas.microsoft.com/office/drawing/2014/main" id="{AA2FB878-63ED-C013-091C-3377D5839E2D}"/>
+              </a:ext>
+            </a:extLst>
+          </p:cNvPr>
+          <p:cNvCxnSpPr>
+            <a:cxnSpLocks/>
+          </p:cNvCxnSpPr>
+          <p:nvPr/>
+        </p:nvCxnSpPr>
+        <p:spPr>
+          <a:xfrm flipV="1">
+            <a:off x="1052596" y="1541936"/>
+            <a:ext cx="746972" cy="6350"/>
+          </a:xfrm>
+          <a:prstGeom prst="straightConnector1">
+            <a:avLst/>
+          </a:prstGeom>
+          <a:ln w="12700">
+            <a:tailEnd type="triangle"/>
+          </a:ln>
+        </p:spPr>
+        <p:style>
+          <a:lnRef idx="1">
+            <a:schemeClr val="accent1"/>
+          </a:lnRef>
+          <a:fillRef idx="0">
+            <a:schemeClr val="accent1"/>
+          </a:fillRef>
+          <a:effectRef idx="0">
+            <a:schemeClr val="accent1"/>
+          </a:effectRef>
+          <a:fontRef idx="minor">
+            <a:schemeClr val="tx1"/>
+          </a:fontRef>
+        </p:style>
+      </p:cxnSp>
+      <p:sp>
+        <p:nvSpPr>
+          <p:cNvPr id="4" name="テキスト ボックス 3">
+            <a:extLst>
+              <a:ext uri="{FF2B5EF4-FFF2-40B4-BE49-F238E27FC236}">
+                <a16:creationId xmlns:a16="http://schemas.microsoft.com/office/drawing/2014/main" id="{037A96B9-BD5D-BDF3-774A-B6FA0EF902FA}"/>
+              </a:ext>
+            </a:extLst>
+          </p:cNvPr>
+          <p:cNvSpPr txBox="1"/>
+          <p:nvPr/>
+        </p:nvSpPr>
+        <p:spPr>
+          <a:xfrm>
+            <a:off x="1755448" y="1731846"/>
+            <a:ext cx="1102310" cy="369332"/>
+          </a:xfrm>
+          <a:prstGeom prst="rect">
+            <a:avLst/>
+          </a:prstGeom>
+          <a:noFill/>
+        </p:spPr>
+        <p:txBody>
+          <a:bodyPr wrap="square" rtlCol="0">
+            <a:spAutoFit/>
+          </a:bodyPr>
+          <a:lstStyle/>
+          <a:p>
+            <a:r>
+              <a:rPr lang="ja-JP" altLang="en-US" dirty="0"/>
+              <a:t>兄弟関係</a:t>
+            </a:r>
+            <a:endParaRPr kumimoji="1" lang="ja-JP" altLang="en-US" dirty="0"/>
+          </a:p>
+        </p:txBody>
+      </p:sp>
+      <p:cxnSp>
+        <p:nvCxnSpPr>
+          <p:cNvPr id="5" name="直線矢印コネクタ 4">
+            <a:extLst>
+              <a:ext uri="{FF2B5EF4-FFF2-40B4-BE49-F238E27FC236}">
+                <a16:creationId xmlns:a16="http://schemas.microsoft.com/office/drawing/2014/main" id="{956118F4-370D-DCB6-7806-DBF23BE5EE2C}"/>
+              </a:ext>
+            </a:extLst>
+          </p:cNvPr>
+          <p:cNvCxnSpPr>
+            <a:cxnSpLocks/>
+          </p:cNvCxnSpPr>
+          <p:nvPr/>
+        </p:nvCxnSpPr>
+        <p:spPr>
+          <a:xfrm flipV="1">
+            <a:off x="1008476" y="1918900"/>
+            <a:ext cx="746972" cy="6350"/>
+          </a:xfrm>
+          <a:prstGeom prst="straightConnector1">
+            <a:avLst/>
+          </a:prstGeom>
+          <a:ln w="12700">
+            <a:solidFill>
+              <a:schemeClr val="accent2"/>
+            </a:solidFill>
+            <a:prstDash val="sysDash"/>
+            <a:tailEnd type="triangle"/>
+          </a:ln>
+        </p:spPr>
+        <p:style>
+          <a:lnRef idx="1">
+            <a:schemeClr val="accent1"/>
+          </a:lnRef>
+          <a:fillRef idx="0">
+            <a:schemeClr val="accent1"/>
+          </a:fillRef>
+          <a:effectRef idx="0">
+            <a:schemeClr val="accent1"/>
+          </a:effectRef>
+          <a:fontRef idx="minor">
+            <a:schemeClr val="tx1"/>
+          </a:fontRef>
+        </p:style>
+      </p:cxnSp>
     </p:spTree>
     <p:extLst>
       <p:ext uri="{BB962C8B-B14F-4D97-AF65-F5344CB8AC3E}">
@@ -16180,24 +16353,24 @@
       </p:grpSpPr>
       <p:cxnSp>
         <p:nvCxnSpPr>
-          <p:cNvPr id="24" name="直線コネクタ 23">
-            <a:extLst>
-              <a:ext uri="{FF2B5EF4-FFF2-40B4-BE49-F238E27FC236}">
-                <a16:creationId xmlns:a16="http://schemas.microsoft.com/office/drawing/2014/main" id="{F82A930C-F5AB-FBE4-A327-C027ABD864A4}"/>
+          <p:cNvPr id="4" name="直線コネクタ 3">
+            <a:extLst>
+              <a:ext uri="{FF2B5EF4-FFF2-40B4-BE49-F238E27FC236}">
+                <a16:creationId xmlns:a16="http://schemas.microsoft.com/office/drawing/2014/main" id="{6F147F4B-8FAC-056D-BC9B-BF5397D939A4}"/>
               </a:ext>
             </a:extLst>
           </p:cNvPr>
           <p:cNvCxnSpPr>
             <a:cxnSpLocks/>
-            <a:stCxn id="57" idx="7"/>
-            <a:endCxn id="10" idx="3"/>
+            <a:stCxn id="7" idx="3"/>
+            <a:endCxn id="5" idx="1"/>
           </p:cNvCxnSpPr>
           <p:nvPr/>
         </p:nvCxnSpPr>
         <p:spPr>
-          <a:xfrm flipV="1">
-            <a:off x="6374224" y="3654523"/>
-            <a:ext cx="724868" cy="684529"/>
+          <a:xfrm>
+            <a:off x="9010075" y="3707378"/>
+            <a:ext cx="519494" cy="0"/>
           </a:xfrm>
           <a:prstGeom prst="line">
             <a:avLst/>
@@ -16225,24 +16398,24 @@
       </p:cxnSp>
       <p:cxnSp>
         <p:nvCxnSpPr>
-          <p:cNvPr id="35" name="直線コネクタ 34">
-            <a:extLst>
-              <a:ext uri="{FF2B5EF4-FFF2-40B4-BE49-F238E27FC236}">
-                <a16:creationId xmlns:a16="http://schemas.microsoft.com/office/drawing/2014/main" id="{3394F000-E77A-B6D4-022D-10AACDA928FB}"/>
+          <p:cNvPr id="16" name="直線コネクタ 15">
+            <a:extLst>
+              <a:ext uri="{FF2B5EF4-FFF2-40B4-BE49-F238E27FC236}">
+                <a16:creationId xmlns:a16="http://schemas.microsoft.com/office/drawing/2014/main" id="{3A4231B4-3565-5623-E3D4-DFF863B012DB}"/>
               </a:ext>
             </a:extLst>
           </p:cNvPr>
           <p:cNvCxnSpPr>
             <a:cxnSpLocks/>
-            <a:stCxn id="43" idx="6"/>
-            <a:endCxn id="34" idx="1"/>
+            <a:stCxn id="28" idx="6"/>
+            <a:endCxn id="7" idx="1"/>
           </p:cNvCxnSpPr>
           <p:nvPr/>
         </p:nvCxnSpPr>
         <p:spPr>
           <a:xfrm>
-            <a:off x="4107359" y="1587071"/>
-            <a:ext cx="608384" cy="280835"/>
+            <a:off x="7789150" y="3707378"/>
+            <a:ext cx="559019" cy="0"/>
           </a:xfrm>
           <a:prstGeom prst="line">
             <a:avLst/>
@@ -16270,24 +16443,24 @@
       </p:cxnSp>
       <p:cxnSp>
         <p:nvCxnSpPr>
-          <p:cNvPr id="48" name="直線コネクタ 47">
-            <a:extLst>
-              <a:ext uri="{FF2B5EF4-FFF2-40B4-BE49-F238E27FC236}">
-                <a16:creationId xmlns:a16="http://schemas.microsoft.com/office/drawing/2014/main" id="{38153412-84F5-4E64-1F56-01EEB3020D40}"/>
+          <p:cNvPr id="21" name="直線コネクタ 20">
+            <a:extLst>
+              <a:ext uri="{FF2B5EF4-FFF2-40B4-BE49-F238E27FC236}">
+                <a16:creationId xmlns:a16="http://schemas.microsoft.com/office/drawing/2014/main" id="{5070F677-61C6-9C9B-5F79-303AFF26D89A}"/>
               </a:ext>
             </a:extLst>
           </p:cNvPr>
           <p:cNvCxnSpPr>
             <a:cxnSpLocks/>
-            <a:stCxn id="45" idx="6"/>
-            <a:endCxn id="34" idx="3"/>
+            <a:stCxn id="50" idx="5"/>
+            <a:endCxn id="28" idx="1"/>
           </p:cNvCxnSpPr>
           <p:nvPr/>
         </p:nvCxnSpPr>
         <p:spPr>
-          <a:xfrm flipV="1">
-            <a:off x="4108247" y="2324930"/>
-            <a:ext cx="607496" cy="266279"/>
+          <a:xfrm>
+            <a:off x="6496848" y="2778987"/>
+            <a:ext cx="727330" cy="699879"/>
           </a:xfrm>
           <a:prstGeom prst="line">
             <a:avLst/>
@@ -16315,24 +16488,24 @@
       </p:cxnSp>
       <p:cxnSp>
         <p:nvCxnSpPr>
-          <p:cNvPr id="52" name="直線コネクタ 51">
-            <a:extLst>
-              <a:ext uri="{FF2B5EF4-FFF2-40B4-BE49-F238E27FC236}">
-                <a16:creationId xmlns:a16="http://schemas.microsoft.com/office/drawing/2014/main" id="{8DD6091C-8CAE-5F9A-85A5-E92AFB7942BC}"/>
+          <p:cNvPr id="24" name="直線コネクタ 23">
+            <a:extLst>
+              <a:ext uri="{FF2B5EF4-FFF2-40B4-BE49-F238E27FC236}">
+                <a16:creationId xmlns:a16="http://schemas.microsoft.com/office/drawing/2014/main" id="{F82A930C-F5AB-FBE4-A327-C027ABD864A4}"/>
               </a:ext>
             </a:extLst>
           </p:cNvPr>
           <p:cNvCxnSpPr>
             <a:cxnSpLocks/>
-            <a:stCxn id="62" idx="6"/>
-            <a:endCxn id="57" idx="1"/>
+            <a:stCxn id="36" idx="7"/>
+            <a:endCxn id="28" idx="3"/>
           </p:cNvCxnSpPr>
           <p:nvPr/>
         </p:nvCxnSpPr>
         <p:spPr>
-          <a:xfrm>
-            <a:off x="5279423" y="4032843"/>
-            <a:ext cx="626763" cy="306209"/>
+          <a:xfrm flipV="1">
+            <a:off x="6497837" y="3935890"/>
+            <a:ext cx="726341" cy="592179"/>
           </a:xfrm>
           <a:prstGeom prst="line">
             <a:avLst/>
@@ -16360,24 +16533,24 @@
       </p:cxnSp>
       <p:cxnSp>
         <p:nvCxnSpPr>
-          <p:cNvPr id="56" name="直線コネクタ 55">
-            <a:extLst>
-              <a:ext uri="{FF2B5EF4-FFF2-40B4-BE49-F238E27FC236}">
-                <a16:creationId xmlns:a16="http://schemas.microsoft.com/office/drawing/2014/main" id="{89A31D47-A851-9847-F6C8-F10E9A121381}"/>
+          <p:cNvPr id="35" name="直線コネクタ 34">
+            <a:extLst>
+              <a:ext uri="{FF2B5EF4-FFF2-40B4-BE49-F238E27FC236}">
+                <a16:creationId xmlns:a16="http://schemas.microsoft.com/office/drawing/2014/main" id="{3394F000-E77A-B6D4-022D-10AACDA928FB}"/>
               </a:ext>
             </a:extLst>
           </p:cNvPr>
           <p:cNvCxnSpPr>
             <a:cxnSpLocks/>
-            <a:stCxn id="86" idx="6"/>
-            <a:endCxn id="57" idx="3"/>
+            <a:stCxn id="58" idx="6"/>
+            <a:endCxn id="50" idx="1"/>
           </p:cNvCxnSpPr>
           <p:nvPr/>
         </p:nvCxnSpPr>
         <p:spPr>
-          <a:xfrm flipV="1">
-            <a:off x="5286341" y="4796076"/>
-            <a:ext cx="619845" cy="695621"/>
+          <a:xfrm>
+            <a:off x="5368679" y="2024951"/>
+            <a:ext cx="654568" cy="297012"/>
           </a:xfrm>
           <a:prstGeom prst="line">
             <a:avLst/>
@@ -16405,24 +16578,23 @@
       </p:cxnSp>
       <p:cxnSp>
         <p:nvCxnSpPr>
-          <p:cNvPr id="92" name="直線コネクタ 91">
-            <a:extLst>
-              <a:ext uri="{FF2B5EF4-FFF2-40B4-BE49-F238E27FC236}">
-                <a16:creationId xmlns:a16="http://schemas.microsoft.com/office/drawing/2014/main" id="{F0188C79-281A-7EB4-B7A7-0B74E0A01B6C}"/>
+          <p:cNvPr id="48" name="直線コネクタ 47">
+            <a:extLst>
+              <a:ext uri="{FF2B5EF4-FFF2-40B4-BE49-F238E27FC236}">
+                <a16:creationId xmlns:a16="http://schemas.microsoft.com/office/drawing/2014/main" id="{38153412-84F5-4E64-1F56-01EEB3020D40}"/>
               </a:ext>
             </a:extLst>
           </p:cNvPr>
           <p:cNvCxnSpPr>
             <a:cxnSpLocks/>
-            <a:stCxn id="53" idx="6"/>
-            <a:endCxn id="45" idx="2"/>
+            <a:stCxn id="71" idx="7"/>
           </p:cNvCxnSpPr>
           <p:nvPr/>
         </p:nvCxnSpPr>
         <p:spPr>
-          <a:xfrm>
-            <a:off x="2912367" y="2586974"/>
-            <a:ext cx="533974" cy="4235"/>
+          <a:xfrm flipV="1">
+            <a:off x="5270592" y="2827499"/>
+            <a:ext cx="797105" cy="352320"/>
           </a:xfrm>
           <a:prstGeom prst="line">
             <a:avLst/>
@@ -16450,24 +16622,24 @@
       </p:cxnSp>
       <p:cxnSp>
         <p:nvCxnSpPr>
-          <p:cNvPr id="101" name="直線コネクタ 100">
-            <a:extLst>
-              <a:ext uri="{FF2B5EF4-FFF2-40B4-BE49-F238E27FC236}">
-                <a16:creationId xmlns:a16="http://schemas.microsoft.com/office/drawing/2014/main" id="{662F5556-2EA0-97A9-8869-4603EFD5B92B}"/>
+          <p:cNvPr id="66" name="直線コネクタ 65">
+            <a:extLst>
+              <a:ext uri="{FF2B5EF4-FFF2-40B4-BE49-F238E27FC236}">
+                <a16:creationId xmlns:a16="http://schemas.microsoft.com/office/drawing/2014/main" id="{0D73DC1B-4788-4BEA-BCD5-5A95101381AA}"/>
               </a:ext>
             </a:extLst>
           </p:cNvPr>
           <p:cNvCxnSpPr>
             <a:cxnSpLocks/>
-            <a:stCxn id="69" idx="6"/>
-            <a:endCxn id="62" idx="1"/>
+            <a:stCxn id="62" idx="6"/>
+            <a:endCxn id="58" idx="2"/>
           </p:cNvCxnSpPr>
           <p:nvPr/>
         </p:nvCxnSpPr>
         <p:spPr>
           <a:xfrm>
-            <a:off x="4109874" y="3553953"/>
-            <a:ext cx="604577" cy="250378"/>
+            <a:off x="4145318" y="2024951"/>
+            <a:ext cx="553588" cy="0"/>
           </a:xfrm>
           <a:prstGeom prst="line">
             <a:avLst/>
@@ -16495,24 +16667,23 @@
       </p:cxnSp>
       <p:cxnSp>
         <p:nvCxnSpPr>
-          <p:cNvPr id="106" name="直線コネクタ 105">
-            <a:extLst>
-              <a:ext uri="{FF2B5EF4-FFF2-40B4-BE49-F238E27FC236}">
-                <a16:creationId xmlns:a16="http://schemas.microsoft.com/office/drawing/2014/main" id="{E3CB608E-5C39-734B-C8B5-D334794E6A61}"/>
+          <p:cNvPr id="89" name="直線コネクタ 88">
+            <a:extLst>
+              <a:ext uri="{FF2B5EF4-FFF2-40B4-BE49-F238E27FC236}">
+                <a16:creationId xmlns:a16="http://schemas.microsoft.com/office/drawing/2014/main" id="{219E3501-C614-A6C3-7C21-28CF0F8C4DF5}"/>
               </a:ext>
             </a:extLst>
           </p:cNvPr>
           <p:cNvCxnSpPr>
             <a:cxnSpLocks/>
-            <a:stCxn id="94" idx="6"/>
-            <a:endCxn id="86" idx="2"/>
+            <a:stCxn id="64" idx="6"/>
           </p:cNvCxnSpPr>
           <p:nvPr/>
         </p:nvCxnSpPr>
         <p:spPr>
           <a:xfrm>
-            <a:off x="4108247" y="5489419"/>
-            <a:ext cx="516188" cy="2278"/>
+            <a:off x="2925183" y="2024951"/>
+            <a:ext cx="555341" cy="1705"/>
           </a:xfrm>
           <a:prstGeom prst="line">
             <a:avLst/>
@@ -16540,24 +16711,23 @@
       </p:cxnSp>
       <p:cxnSp>
         <p:nvCxnSpPr>
-          <p:cNvPr id="108" name="直線コネクタ 107">
-            <a:extLst>
-              <a:ext uri="{FF2B5EF4-FFF2-40B4-BE49-F238E27FC236}">
-                <a16:creationId xmlns:a16="http://schemas.microsoft.com/office/drawing/2014/main" id="{A24966FD-ADF1-811F-5BA4-9D0EBA662358}"/>
+          <p:cNvPr id="92" name="直線コネクタ 91">
+            <a:extLst>
+              <a:ext uri="{FF2B5EF4-FFF2-40B4-BE49-F238E27FC236}">
+                <a16:creationId xmlns:a16="http://schemas.microsoft.com/office/drawing/2014/main" id="{F0188C79-281A-7EB4-B7A7-0B74E0A01B6C}"/>
               </a:ext>
             </a:extLst>
           </p:cNvPr>
           <p:cNvCxnSpPr>
             <a:cxnSpLocks/>
-            <a:stCxn id="100" idx="6"/>
-            <a:endCxn id="94" idx="2"/>
+            <a:stCxn id="75" idx="6"/>
           </p:cNvCxnSpPr>
           <p:nvPr/>
         </p:nvCxnSpPr>
         <p:spPr>
           <a:xfrm>
-            <a:off x="2910405" y="5489419"/>
-            <a:ext cx="535936" cy="0"/>
+            <a:off x="4143859" y="3419290"/>
+            <a:ext cx="542175" cy="5386"/>
           </a:xfrm>
           <a:prstGeom prst="line">
             <a:avLst/>
@@ -16585,24 +16755,24 @@
       </p:cxnSp>
       <p:cxnSp>
         <p:nvCxnSpPr>
-          <p:cNvPr id="14" name="直線コネクタ 13">
-            <a:extLst>
-              <a:ext uri="{FF2B5EF4-FFF2-40B4-BE49-F238E27FC236}">
-                <a16:creationId xmlns:a16="http://schemas.microsoft.com/office/drawing/2014/main" id="{AA6C077F-7B18-6801-9C51-2595478B14D3}"/>
+          <p:cNvPr id="94" name="直線コネクタ 93">
+            <a:extLst>
+              <a:ext uri="{FF2B5EF4-FFF2-40B4-BE49-F238E27FC236}">
+                <a16:creationId xmlns:a16="http://schemas.microsoft.com/office/drawing/2014/main" id="{2A3434F9-101A-C370-87D9-B8A615A1B98C}"/>
               </a:ext>
             </a:extLst>
           </p:cNvPr>
           <p:cNvCxnSpPr>
             <a:cxnSpLocks/>
-            <a:stCxn id="79" idx="6"/>
-            <a:endCxn id="62" idx="3"/>
+            <a:stCxn id="78" idx="6"/>
+            <a:endCxn id="75" idx="2"/>
           </p:cNvCxnSpPr>
           <p:nvPr/>
         </p:nvCxnSpPr>
         <p:spPr>
-          <a:xfrm flipV="1">
-            <a:off x="4117382" y="4261355"/>
-            <a:ext cx="597069" cy="385520"/>
+          <a:xfrm>
+            <a:off x="2922934" y="3419290"/>
+            <a:ext cx="551152" cy="0"/>
           </a:xfrm>
           <a:prstGeom prst="line">
             <a:avLst/>
@@ -16630,24 +16800,24 @@
       </p:cxnSp>
       <p:cxnSp>
         <p:nvCxnSpPr>
-          <p:cNvPr id="18" name="直線コネクタ 17">
-            <a:extLst>
-              <a:ext uri="{FF2B5EF4-FFF2-40B4-BE49-F238E27FC236}">
-                <a16:creationId xmlns:a16="http://schemas.microsoft.com/office/drawing/2014/main" id="{4839C22C-B442-93A3-29E2-41B9329E62FA}"/>
+          <p:cNvPr id="101" name="直線コネクタ 100">
+            <a:extLst>
+              <a:ext uri="{FF2B5EF4-FFF2-40B4-BE49-F238E27FC236}">
+                <a16:creationId xmlns:a16="http://schemas.microsoft.com/office/drawing/2014/main" id="{662F5556-2EA0-97A9-8869-4603EFD5B92B}"/>
               </a:ext>
             </a:extLst>
           </p:cNvPr>
           <p:cNvCxnSpPr>
             <a:cxnSpLocks/>
-            <a:stCxn id="84" idx="6"/>
-            <a:endCxn id="79" idx="2"/>
+            <a:stCxn id="44" idx="6"/>
+            <a:endCxn id="41" idx="2"/>
           </p:cNvCxnSpPr>
           <p:nvPr/>
         </p:nvCxnSpPr>
         <p:spPr>
           <a:xfrm>
-            <a:off x="2917337" y="4646875"/>
-            <a:ext cx="538139" cy="0"/>
+            <a:off x="4178787" y="4756581"/>
+            <a:ext cx="566910" cy="0"/>
           </a:xfrm>
           <a:prstGeom prst="line">
             <a:avLst/>
@@ -16675,24 +16845,24 @@
       </p:cxnSp>
       <p:cxnSp>
         <p:nvCxnSpPr>
-          <p:cNvPr id="26" name="直線コネクタ 25">
-            <a:extLst>
-              <a:ext uri="{FF2B5EF4-FFF2-40B4-BE49-F238E27FC236}">
-                <a16:creationId xmlns:a16="http://schemas.microsoft.com/office/drawing/2014/main" id="{C1382C45-FC8F-3688-F963-C24A9C69F75A}"/>
+          <p:cNvPr id="103" name="直線コネクタ 102">
+            <a:extLst>
+              <a:ext uri="{FF2B5EF4-FFF2-40B4-BE49-F238E27FC236}">
+                <a16:creationId xmlns:a16="http://schemas.microsoft.com/office/drawing/2014/main" id="{69C44B0D-BF3C-6EB1-41C9-F231BD414390}"/>
               </a:ext>
             </a:extLst>
           </p:cNvPr>
           <p:cNvCxnSpPr>
             <a:cxnSpLocks/>
-            <a:stCxn id="23" idx="5"/>
-            <a:endCxn id="10" idx="1"/>
+            <a:stCxn id="47" idx="6"/>
+            <a:endCxn id="44" idx="2"/>
           </p:cNvCxnSpPr>
           <p:nvPr/>
         </p:nvCxnSpPr>
         <p:spPr>
           <a:xfrm>
-            <a:off x="6378170" y="2324930"/>
-            <a:ext cx="720922" cy="872569"/>
+            <a:off x="2958974" y="4756581"/>
+            <a:ext cx="557907" cy="0"/>
           </a:xfrm>
           <a:prstGeom prst="line">
             <a:avLst/>
@@ -16720,24 +16890,24 @@
       </p:cxnSp>
       <p:cxnSp>
         <p:nvCxnSpPr>
-          <p:cNvPr id="30" name="直線コネクタ 29">
-            <a:extLst>
-              <a:ext uri="{FF2B5EF4-FFF2-40B4-BE49-F238E27FC236}">
-                <a16:creationId xmlns:a16="http://schemas.microsoft.com/office/drawing/2014/main" id="{3086AA9F-4794-031C-7FE1-18054553DB2B}"/>
+          <p:cNvPr id="3" name="直線コネクタ 2">
+            <a:extLst>
+              <a:ext uri="{FF2B5EF4-FFF2-40B4-BE49-F238E27FC236}">
+                <a16:creationId xmlns:a16="http://schemas.microsoft.com/office/drawing/2014/main" id="{77AFF6F8-9CA7-9910-00AE-6EAC8F2AB456}"/>
               </a:ext>
             </a:extLst>
           </p:cNvPr>
           <p:cNvCxnSpPr>
             <a:cxnSpLocks/>
-            <a:stCxn id="34" idx="6"/>
-            <a:endCxn id="23" idx="2"/>
+            <a:stCxn id="69" idx="6"/>
+            <a:endCxn id="64" idx="2"/>
           </p:cNvCxnSpPr>
           <p:nvPr/>
         </p:nvCxnSpPr>
         <p:spPr>
           <a:xfrm>
-            <a:off x="5280715" y="2096418"/>
-            <a:ext cx="532483" cy="0"/>
+            <a:off x="1698928" y="2024951"/>
+            <a:ext cx="556482" cy="0"/>
           </a:xfrm>
           <a:prstGeom prst="line">
             <a:avLst/>
@@ -16763,12 +16933,57 @@
           </a:fontRef>
         </p:style>
       </p:cxnSp>
-      <p:sp>
-        <p:nvSpPr>
-          <p:cNvPr id="40" name="テキスト ボックス 39">
-            <a:extLst>
-              <a:ext uri="{FF2B5EF4-FFF2-40B4-BE49-F238E27FC236}">
-                <a16:creationId xmlns:a16="http://schemas.microsoft.com/office/drawing/2014/main" id="{B09FAD52-A974-AA51-89BB-898D043520AB}"/>
+      <p:cxnSp>
+        <p:nvCxnSpPr>
+          <p:cNvPr id="8" name="直線コネクタ 7">
+            <a:extLst>
+              <a:ext uri="{FF2B5EF4-FFF2-40B4-BE49-F238E27FC236}">
+                <a16:creationId xmlns:a16="http://schemas.microsoft.com/office/drawing/2014/main" id="{580E5ABF-203F-5B48-A798-845CE32C6FD7}"/>
+              </a:ext>
+            </a:extLst>
+          </p:cNvPr>
+          <p:cNvCxnSpPr>
+            <a:cxnSpLocks/>
+            <a:stCxn id="41" idx="6"/>
+            <a:endCxn id="36" idx="2"/>
+          </p:cNvCxnSpPr>
+          <p:nvPr/>
+        </p:nvCxnSpPr>
+        <p:spPr>
+          <a:xfrm>
+            <a:off x="5407603" y="4756581"/>
+            <a:ext cx="518547" cy="0"/>
+          </a:xfrm>
+          <a:prstGeom prst="line">
+            <a:avLst/>
+          </a:prstGeom>
+          <a:ln>
+            <a:solidFill>
+              <a:schemeClr val="tx1"/>
+            </a:solidFill>
+          </a:ln>
+        </p:spPr>
+        <p:style>
+          <a:lnRef idx="1">
+            <a:schemeClr val="accent1"/>
+          </a:lnRef>
+          <a:fillRef idx="0">
+            <a:schemeClr val="accent1"/>
+          </a:fillRef>
+          <a:effectRef idx="0">
+            <a:schemeClr val="accent1"/>
+          </a:effectRef>
+          <a:fontRef idx="minor">
+            <a:schemeClr val="tx1"/>
+          </a:fontRef>
+        </p:style>
+      </p:cxnSp>
+      <p:sp>
+        <p:nvSpPr>
+          <p:cNvPr id="17" name="テキスト ボックス 16">
+            <a:extLst>
+              <a:ext uri="{FF2B5EF4-FFF2-40B4-BE49-F238E27FC236}">
+                <a16:creationId xmlns:a16="http://schemas.microsoft.com/office/drawing/2014/main" id="{77F8248F-EC1B-F5BD-3376-79D13122BF0D}"/>
               </a:ext>
             </a:extLst>
           </p:cNvPr>
@@ -16777,7 +16992,7 @@
         </p:nvSpPr>
         <p:spPr>
           <a:xfrm>
-            <a:off x="1643652" y="274783"/>
+            <a:off x="1930400" y="296753"/>
             <a:ext cx="8331200" cy="923330"/>
           </a:xfrm>
           <a:prstGeom prst="rect">
@@ -16799,7 +17014,7 @@
                 <a:effectLst/>
                 <a:latin typeface="Courier New" panose="02070309020205020404" pitchFamily="49" charset="0"/>
               </a:rPr>
-              <a:t>Complex</a:t>
+              <a:t>High mannose</a:t>
             </a:r>
           </a:p>
           <a:p>
@@ -16811,17 +17026,28 @@
                 <a:effectLst/>
                 <a:latin typeface="Courier New" panose="02070309020205020404" pitchFamily="49" charset="0"/>
               </a:rPr>
-              <a:t>The probability that all labels are outputted along the most likely state transition: -54.719177733313245</a:t>
-            </a:r>
+              <a:t>The probability that all labels are outputted along the most likely state transition: -11.704494208726313</a:t>
+            </a:r>
+            <a:r>
+              <a:rPr lang="ja-JP" altLang="en-US" b="0" i="0" dirty="0">
+                <a:solidFill>
+                  <a:srgbClr val="212121"/>
+                </a:solidFill>
+                <a:effectLst/>
+                <a:latin typeface="Courier New" panose="02070309020205020404" pitchFamily="49" charset="0"/>
+              </a:rPr>
+              <a:t>（対数表示）</a:t>
+            </a:r>
+            <a:endParaRPr kumimoji="1" lang="ja-JP" altLang="en-US" dirty="0"/>
           </a:p>
         </p:txBody>
       </p:sp>
       <p:pic>
         <p:nvPicPr>
-          <p:cNvPr id="3" name="Picture 2">
-            <a:extLst>
-              <a:ext uri="{FF2B5EF4-FFF2-40B4-BE49-F238E27FC236}">
-                <a16:creationId xmlns:a16="http://schemas.microsoft.com/office/drawing/2014/main" id="{F9B4B531-78A2-6506-AF55-16A8712F0380}"/>
+          <p:cNvPr id="1026" name="Picture 2">
+            <a:extLst>
+              <a:ext uri="{FF2B5EF4-FFF2-40B4-BE49-F238E27FC236}">
+                <a16:creationId xmlns:a16="http://schemas.microsoft.com/office/drawing/2014/main" id="{DA98605D-938E-2862-AD24-EF2570C1E252}"/>
               </a:ext>
             </a:extLst>
           </p:cNvPr>
@@ -16845,8 +17071,8 @@
         </p:blipFill>
         <p:spPr bwMode="auto">
           <a:xfrm>
-            <a:off x="7483005" y="3701399"/>
-            <a:ext cx="4050416" cy="3038907"/>
+            <a:off x="6971112" y="4539198"/>
+            <a:ext cx="4147083" cy="1840492"/>
           </a:xfrm>
           <a:prstGeom prst="rect">
             <a:avLst/>
@@ -16865,10 +17091,52 @@
       </p:pic>
       <p:sp>
         <p:nvSpPr>
-          <p:cNvPr id="6" name="楕円 5">
-            <a:extLst>
-              <a:ext uri="{FF2B5EF4-FFF2-40B4-BE49-F238E27FC236}">
-                <a16:creationId xmlns:a16="http://schemas.microsoft.com/office/drawing/2014/main" id="{710AAAD2-930D-DE04-39EB-9E759540018D}"/>
+          <p:cNvPr id="9" name="テキスト ボックス 8">
+            <a:extLst>
+              <a:ext uri="{FF2B5EF4-FFF2-40B4-BE49-F238E27FC236}">
+                <a16:creationId xmlns:a16="http://schemas.microsoft.com/office/drawing/2014/main" id="{6C1493F6-39E2-FE09-6421-EF8A271869AC}"/>
+              </a:ext>
+            </a:extLst>
+          </p:cNvPr>
+          <p:cNvSpPr txBox="1"/>
+          <p:nvPr/>
+        </p:nvSpPr>
+        <p:spPr>
+          <a:xfrm>
+            <a:off x="8874825" y="6192890"/>
+            <a:ext cx="974889" cy="369332"/>
+          </a:xfrm>
+          <a:prstGeom prst="rect">
+            <a:avLst/>
+          </a:prstGeom>
+          <a:noFill/>
+        </p:spPr>
+        <p:txBody>
+          <a:bodyPr wrap="square">
+            <a:spAutoFit/>
+          </a:bodyPr>
+          <a:lstStyle/>
+          <a:p>
+            <a:pPr algn="l"/>
+            <a:r>
+              <a:rPr lang="en-US" altLang="ja-JP" b="1" i="0" dirty="0">
+                <a:solidFill>
+                  <a:srgbClr val="000000"/>
+                </a:solidFill>
+                <a:effectLst/>
+                <a:latin typeface="arial" panose="020B0604020202020204" pitchFamily="34" charset="0"/>
+              </a:rPr>
+              <a:t>SNFG</a:t>
+            </a:r>
+          </a:p>
+        </p:txBody>
+      </p:sp>
+      <p:sp>
+        <p:nvSpPr>
+          <p:cNvPr id="28" name="楕円 27">
+            <a:extLst>
+              <a:ext uri="{FF2B5EF4-FFF2-40B4-BE49-F238E27FC236}">
+                <a16:creationId xmlns:a16="http://schemas.microsoft.com/office/drawing/2014/main" id="{8F6AE66A-1137-F4D8-41F0-CCD3DB1A5A0B}"/>
               </a:ext>
             </a:extLst>
           </p:cNvPr>
@@ -16877,13 +17145,15 @@
         </p:nvSpPr>
         <p:spPr>
           <a:xfrm>
-            <a:off x="9404483" y="3104838"/>
+            <a:off x="7127244" y="3384213"/>
             <a:ext cx="661906" cy="646330"/>
           </a:xfrm>
           <a:prstGeom prst="ellipse">
             <a:avLst/>
           </a:prstGeom>
-          <a:noFill/>
+          <a:solidFill>
+            <a:srgbClr val="00B050"/>
+          </a:solidFill>
           <a:ln>
             <a:solidFill>
               <a:schemeClr val="tx1"/>
@@ -16912,232 +17182,14 @@
           <a:p>
             <a:pPr algn="ctr"/>
             <a:r>
-              <a:rPr lang="en-US" altLang="ja-JP" dirty="0">
-                <a:solidFill>
-                  <a:schemeClr val="tx1"/>
-                </a:solidFill>
-              </a:rPr>
-              <a:t>8</a:t>
-            </a:r>
-            <a:endParaRPr kumimoji="1" lang="ja-JP" altLang="en-US" dirty="0">
-              <a:solidFill>
-                <a:schemeClr val="tx1"/>
-              </a:solidFill>
-            </a:endParaRPr>
-          </a:p>
-        </p:txBody>
-      </p:sp>
-      <p:cxnSp>
-        <p:nvCxnSpPr>
-          <p:cNvPr id="7" name="直線コネクタ 6">
-            <a:extLst>
-              <a:ext uri="{FF2B5EF4-FFF2-40B4-BE49-F238E27FC236}">
-                <a16:creationId xmlns:a16="http://schemas.microsoft.com/office/drawing/2014/main" id="{1376B6BF-AFC5-3597-2D11-A011E8DA5BF5}"/>
-              </a:ext>
-            </a:extLst>
-          </p:cNvPr>
-          <p:cNvCxnSpPr>
-            <a:cxnSpLocks/>
-            <a:stCxn id="9" idx="6"/>
-            <a:endCxn id="6" idx="2"/>
-          </p:cNvCxnSpPr>
-          <p:nvPr/>
-        </p:nvCxnSpPr>
-        <p:spPr>
-          <a:xfrm>
-            <a:off x="8872173" y="3428003"/>
-            <a:ext cx="532310" cy="0"/>
-          </a:xfrm>
-          <a:prstGeom prst="line">
-            <a:avLst/>
-          </a:prstGeom>
-          <a:ln>
-            <a:solidFill>
-              <a:schemeClr val="tx1"/>
-            </a:solidFill>
-          </a:ln>
-        </p:spPr>
-        <p:style>
-          <a:lnRef idx="1">
-            <a:schemeClr val="accent1"/>
-          </a:lnRef>
-          <a:fillRef idx="0">
-            <a:schemeClr val="accent1"/>
-          </a:fillRef>
-          <a:effectRef idx="0">
-            <a:schemeClr val="accent1"/>
-          </a:effectRef>
-          <a:fontRef idx="minor">
-            <a:schemeClr val="tx1"/>
-          </a:fontRef>
-        </p:style>
-      </p:cxnSp>
-      <p:cxnSp>
-        <p:nvCxnSpPr>
-          <p:cNvPr id="8" name="直線コネクタ 7">
-            <a:extLst>
-              <a:ext uri="{FF2B5EF4-FFF2-40B4-BE49-F238E27FC236}">
-                <a16:creationId xmlns:a16="http://schemas.microsoft.com/office/drawing/2014/main" id="{5D701514-FF7E-2AF2-0498-4CDEBE397B9C}"/>
-              </a:ext>
-            </a:extLst>
-          </p:cNvPr>
-          <p:cNvCxnSpPr>
-            <a:cxnSpLocks/>
-            <a:stCxn id="10" idx="6"/>
-            <a:endCxn id="9" idx="2"/>
-          </p:cNvCxnSpPr>
-          <p:nvPr/>
-        </p:nvCxnSpPr>
-        <p:spPr>
-          <a:xfrm>
-            <a:off x="7664064" y="3426011"/>
-            <a:ext cx="546203" cy="1992"/>
-          </a:xfrm>
-          <a:prstGeom prst="line">
-            <a:avLst/>
-          </a:prstGeom>
-          <a:ln>
-            <a:solidFill>
-              <a:schemeClr val="tx1"/>
-            </a:solidFill>
-          </a:ln>
-        </p:spPr>
-        <p:style>
-          <a:lnRef idx="1">
-            <a:schemeClr val="accent1"/>
-          </a:lnRef>
-          <a:fillRef idx="0">
-            <a:schemeClr val="accent1"/>
-          </a:fillRef>
-          <a:effectRef idx="0">
-            <a:schemeClr val="accent1"/>
-          </a:effectRef>
-          <a:fontRef idx="minor">
-            <a:schemeClr val="tx1"/>
-          </a:fontRef>
-        </p:style>
-      </p:cxnSp>
-      <p:sp>
-        <p:nvSpPr>
-          <p:cNvPr id="9" name="楕円 8">
-            <a:extLst>
-              <a:ext uri="{FF2B5EF4-FFF2-40B4-BE49-F238E27FC236}">
-                <a16:creationId xmlns:a16="http://schemas.microsoft.com/office/drawing/2014/main" id="{6B181088-21F7-78AC-7F43-A844F842FDCC}"/>
-              </a:ext>
-            </a:extLst>
-          </p:cNvPr>
-          <p:cNvSpPr/>
-          <p:nvPr/>
-        </p:nvSpPr>
-        <p:spPr>
-          <a:xfrm>
-            <a:off x="8210267" y="3104838"/>
-            <a:ext cx="661906" cy="646330"/>
-          </a:xfrm>
-          <a:prstGeom prst="ellipse">
-            <a:avLst/>
-          </a:prstGeom>
-          <a:noFill/>
-          <a:ln>
-            <a:solidFill>
-              <a:schemeClr val="tx1"/>
-            </a:solidFill>
-          </a:ln>
-        </p:spPr>
-        <p:style>
-          <a:lnRef idx="2">
-            <a:schemeClr val="accent1">
-              <a:shade val="50000"/>
-            </a:schemeClr>
-          </a:lnRef>
-          <a:fillRef idx="1">
-            <a:schemeClr val="accent1"/>
-          </a:fillRef>
-          <a:effectRef idx="0">
-            <a:schemeClr val="accent1"/>
-          </a:effectRef>
-          <a:fontRef idx="minor">
-            <a:schemeClr val="lt1"/>
-          </a:fontRef>
-        </p:style>
-        <p:txBody>
-          <a:bodyPr rtlCol="0" anchor="ctr"/>
-          <a:lstStyle/>
-          <a:p>
-            <a:pPr algn="ctr"/>
-            <a:r>
-              <a:rPr kumimoji="1" lang="en-US" altLang="ja-JP" dirty="0">
-                <a:solidFill>
-                  <a:schemeClr val="tx1"/>
-                </a:solidFill>
-              </a:rPr>
-              <a:t>5</a:t>
-            </a:r>
-            <a:endParaRPr kumimoji="1" lang="ja-JP" altLang="en-US" dirty="0">
-              <a:solidFill>
-                <a:schemeClr val="tx1"/>
-              </a:solidFill>
-            </a:endParaRPr>
-          </a:p>
-        </p:txBody>
-      </p:sp>
-      <p:sp>
-        <p:nvSpPr>
-          <p:cNvPr id="10" name="楕円 9">
-            <a:extLst>
-              <a:ext uri="{FF2B5EF4-FFF2-40B4-BE49-F238E27FC236}">
-                <a16:creationId xmlns:a16="http://schemas.microsoft.com/office/drawing/2014/main" id="{68489955-1AEC-CEDD-58D4-C822F3A96F39}"/>
-              </a:ext>
-            </a:extLst>
-          </p:cNvPr>
-          <p:cNvSpPr/>
-          <p:nvPr/>
-        </p:nvSpPr>
-        <p:spPr>
-          <a:xfrm>
-            <a:off x="7002158" y="3102846"/>
-            <a:ext cx="661906" cy="646330"/>
-          </a:xfrm>
-          <a:prstGeom prst="ellipse">
-            <a:avLst/>
-          </a:prstGeom>
-          <a:noFill/>
-          <a:ln>
-            <a:solidFill>
-              <a:schemeClr val="tx1"/>
-            </a:solidFill>
-          </a:ln>
-        </p:spPr>
-        <p:style>
-          <a:lnRef idx="2">
-            <a:schemeClr val="accent1">
-              <a:shade val="50000"/>
-            </a:schemeClr>
-          </a:lnRef>
-          <a:fillRef idx="1">
-            <a:schemeClr val="accent1"/>
-          </a:fillRef>
-          <a:effectRef idx="0">
-            <a:schemeClr val="accent1"/>
-          </a:effectRef>
-          <a:fontRef idx="minor">
-            <a:schemeClr val="lt1"/>
-          </a:fontRef>
-        </p:style>
-        <p:txBody>
-          <a:bodyPr rtlCol="0" anchor="ctr"/>
-          <a:lstStyle/>
-          <a:p>
-            <a:pPr algn="ctr"/>
-            <a:r>
-              <a:rPr kumimoji="1" lang="en-US" altLang="ja-JP" dirty="0">
+              <a:rPr kumimoji="1" lang="en-US" altLang="ja-JP" b="1" dirty="0">
                 <a:solidFill>
                   <a:schemeClr val="tx1"/>
                 </a:solidFill>
               </a:rPr>
               <a:t>4</a:t>
             </a:r>
-            <a:endParaRPr kumimoji="1" lang="ja-JP" altLang="en-US" dirty="0">
+            <a:endParaRPr kumimoji="1" lang="ja-JP" altLang="en-US" b="1" dirty="0">
               <a:solidFill>
                 <a:schemeClr val="tx1"/>
               </a:solidFill>
@@ -17147,10 +17199,10 @@
       </p:sp>
       <p:sp>
         <p:nvSpPr>
-          <p:cNvPr id="23" name="楕円 22">
-            <a:extLst>
-              <a:ext uri="{FF2B5EF4-FFF2-40B4-BE49-F238E27FC236}">
-                <a16:creationId xmlns:a16="http://schemas.microsoft.com/office/drawing/2014/main" id="{8A36D0ED-DF2D-B65F-F35F-2D6455C1FCE6}"/>
+          <p:cNvPr id="36" name="楕円 35">
+            <a:extLst>
+              <a:ext uri="{FF2B5EF4-FFF2-40B4-BE49-F238E27FC236}">
+                <a16:creationId xmlns:a16="http://schemas.microsoft.com/office/drawing/2014/main" id="{F7921F41-386F-A194-B777-0D3AB36A6177}"/>
               </a:ext>
             </a:extLst>
           </p:cNvPr>
@@ -17159,13 +17211,279 @@
         </p:nvSpPr>
         <p:spPr>
           <a:xfrm>
-            <a:off x="5813198" y="1773253"/>
+            <a:off x="5926150" y="4433416"/>
+            <a:ext cx="669773" cy="646330"/>
+          </a:xfrm>
+          <a:prstGeom prst="ellipse">
+            <a:avLst/>
+          </a:prstGeom>
+          <a:solidFill>
+            <a:schemeClr val="accent1"/>
+          </a:solidFill>
+          <a:ln>
+            <a:solidFill>
+              <a:schemeClr val="tx1"/>
+            </a:solidFill>
+          </a:ln>
+        </p:spPr>
+        <p:style>
+          <a:lnRef idx="2">
+            <a:schemeClr val="accent1">
+              <a:shade val="50000"/>
+            </a:schemeClr>
+          </a:lnRef>
+          <a:fillRef idx="1">
+            <a:schemeClr val="accent1"/>
+          </a:fillRef>
+          <a:effectRef idx="0">
+            <a:schemeClr val="accent1"/>
+          </a:effectRef>
+          <a:fontRef idx="minor">
+            <a:schemeClr val="lt1"/>
+          </a:fontRef>
+        </p:style>
+        <p:txBody>
+          <a:bodyPr rtlCol="0" anchor="ctr"/>
+          <a:lstStyle/>
+          <a:p>
+            <a:pPr algn="ctr"/>
+            <a:r>
+              <a:rPr kumimoji="1" lang="en-US" altLang="ja-JP" b="1" dirty="0">
+                <a:solidFill>
+                  <a:schemeClr val="tx1"/>
+                </a:solidFill>
+              </a:rPr>
+              <a:t>14</a:t>
+            </a:r>
+            <a:endParaRPr kumimoji="1" lang="ja-JP" altLang="en-US" b="1" dirty="0">
+              <a:solidFill>
+                <a:schemeClr val="tx1"/>
+              </a:solidFill>
+            </a:endParaRPr>
+          </a:p>
+        </p:txBody>
+      </p:sp>
+      <p:sp>
+        <p:nvSpPr>
+          <p:cNvPr id="41" name="楕円 40">
+            <a:extLst>
+              <a:ext uri="{FF2B5EF4-FFF2-40B4-BE49-F238E27FC236}">
+                <a16:creationId xmlns:a16="http://schemas.microsoft.com/office/drawing/2014/main" id="{15904443-21F0-6D9F-423A-96759786D309}"/>
+              </a:ext>
+            </a:extLst>
+          </p:cNvPr>
+          <p:cNvSpPr/>
+          <p:nvPr/>
+        </p:nvSpPr>
+        <p:spPr>
+          <a:xfrm>
+            <a:off x="4745697" y="4433416"/>
             <a:ext cx="661906" cy="646330"/>
           </a:xfrm>
           <a:prstGeom prst="ellipse">
             <a:avLst/>
           </a:prstGeom>
-          <a:noFill/>
+          <a:solidFill>
+            <a:schemeClr val="accent2"/>
+          </a:solidFill>
+          <a:ln>
+            <a:solidFill>
+              <a:schemeClr val="tx1"/>
+            </a:solidFill>
+          </a:ln>
+        </p:spPr>
+        <p:style>
+          <a:lnRef idx="2">
+            <a:schemeClr val="accent1">
+              <a:shade val="50000"/>
+            </a:schemeClr>
+          </a:lnRef>
+          <a:fillRef idx="1">
+            <a:schemeClr val="accent1"/>
+          </a:fillRef>
+          <a:effectRef idx="0">
+            <a:schemeClr val="accent1"/>
+          </a:effectRef>
+          <a:fontRef idx="minor">
+            <a:schemeClr val="lt1"/>
+          </a:fontRef>
+        </p:style>
+        <p:txBody>
+          <a:bodyPr rtlCol="0" anchor="ctr"/>
+          <a:lstStyle/>
+          <a:p>
+            <a:pPr algn="ctr"/>
+            <a:r>
+              <a:rPr kumimoji="1" lang="en-US" altLang="ja-JP" b="1" dirty="0">
+                <a:solidFill>
+                  <a:schemeClr val="tx1"/>
+                </a:solidFill>
+              </a:rPr>
+              <a:t>0</a:t>
+            </a:r>
+            <a:endParaRPr kumimoji="1" lang="ja-JP" altLang="en-US" b="1" dirty="0">
+              <a:solidFill>
+                <a:schemeClr val="tx1"/>
+              </a:solidFill>
+            </a:endParaRPr>
+          </a:p>
+        </p:txBody>
+      </p:sp>
+      <p:sp>
+        <p:nvSpPr>
+          <p:cNvPr id="44" name="楕円 43">
+            <a:extLst>
+              <a:ext uri="{FF2B5EF4-FFF2-40B4-BE49-F238E27FC236}">
+                <a16:creationId xmlns:a16="http://schemas.microsoft.com/office/drawing/2014/main" id="{EF9EB1DB-E33B-378F-A089-B957857D60FE}"/>
+              </a:ext>
+            </a:extLst>
+          </p:cNvPr>
+          <p:cNvSpPr/>
+          <p:nvPr/>
+        </p:nvSpPr>
+        <p:spPr>
+          <a:xfrm>
+            <a:off x="3516881" y="4433416"/>
+            <a:ext cx="661906" cy="646330"/>
+          </a:xfrm>
+          <a:prstGeom prst="ellipse">
+            <a:avLst/>
+          </a:prstGeom>
+          <a:solidFill>
+            <a:schemeClr val="accent2"/>
+          </a:solidFill>
+          <a:ln>
+            <a:solidFill>
+              <a:schemeClr val="tx1"/>
+            </a:solidFill>
+          </a:ln>
+        </p:spPr>
+        <p:style>
+          <a:lnRef idx="2">
+            <a:schemeClr val="accent1">
+              <a:shade val="50000"/>
+            </a:schemeClr>
+          </a:lnRef>
+          <a:fillRef idx="1">
+            <a:schemeClr val="accent1"/>
+          </a:fillRef>
+          <a:effectRef idx="0">
+            <a:schemeClr val="accent1"/>
+          </a:effectRef>
+          <a:fontRef idx="minor">
+            <a:schemeClr val="lt1"/>
+          </a:fontRef>
+        </p:style>
+        <p:txBody>
+          <a:bodyPr rtlCol="0" anchor="ctr"/>
+          <a:lstStyle/>
+          <a:p>
+            <a:pPr algn="ctr"/>
+            <a:r>
+              <a:rPr kumimoji="1" lang="en-US" altLang="ja-JP" b="1" dirty="0">
+                <a:solidFill>
+                  <a:schemeClr val="tx1"/>
+                </a:solidFill>
+              </a:rPr>
+              <a:t>0</a:t>
+            </a:r>
+            <a:endParaRPr kumimoji="1" lang="ja-JP" altLang="en-US" b="1" dirty="0">
+              <a:solidFill>
+                <a:schemeClr val="tx1"/>
+              </a:solidFill>
+            </a:endParaRPr>
+          </a:p>
+        </p:txBody>
+      </p:sp>
+      <p:sp>
+        <p:nvSpPr>
+          <p:cNvPr id="47" name="楕円 46">
+            <a:extLst>
+              <a:ext uri="{FF2B5EF4-FFF2-40B4-BE49-F238E27FC236}">
+                <a16:creationId xmlns:a16="http://schemas.microsoft.com/office/drawing/2014/main" id="{A68D361E-A77B-783E-4F73-CE2DD0C8B9A4}"/>
+              </a:ext>
+            </a:extLst>
+          </p:cNvPr>
+          <p:cNvSpPr/>
+          <p:nvPr/>
+        </p:nvSpPr>
+        <p:spPr>
+          <a:xfrm>
+            <a:off x="2297068" y="4433416"/>
+            <a:ext cx="661906" cy="646330"/>
+          </a:xfrm>
+          <a:prstGeom prst="ellipse">
+            <a:avLst/>
+          </a:prstGeom>
+          <a:solidFill>
+            <a:schemeClr val="accent2"/>
+          </a:solidFill>
+          <a:ln>
+            <a:solidFill>
+              <a:schemeClr val="tx1"/>
+            </a:solidFill>
+          </a:ln>
+        </p:spPr>
+        <p:style>
+          <a:lnRef idx="2">
+            <a:schemeClr val="accent1">
+              <a:shade val="50000"/>
+            </a:schemeClr>
+          </a:lnRef>
+          <a:fillRef idx="1">
+            <a:schemeClr val="accent1"/>
+          </a:fillRef>
+          <a:effectRef idx="0">
+            <a:schemeClr val="accent1"/>
+          </a:effectRef>
+          <a:fontRef idx="minor">
+            <a:schemeClr val="lt1"/>
+          </a:fontRef>
+        </p:style>
+        <p:txBody>
+          <a:bodyPr rtlCol="0" anchor="ctr"/>
+          <a:lstStyle/>
+          <a:p>
+            <a:pPr algn="ctr"/>
+            <a:r>
+              <a:rPr kumimoji="1" lang="en-US" altLang="ja-JP" b="1" dirty="0">
+                <a:solidFill>
+                  <a:schemeClr val="tx1"/>
+                </a:solidFill>
+              </a:rPr>
+              <a:t>0</a:t>
+            </a:r>
+            <a:endParaRPr kumimoji="1" lang="ja-JP" altLang="en-US" b="1" dirty="0">
+              <a:solidFill>
+                <a:schemeClr val="tx1"/>
+              </a:solidFill>
+            </a:endParaRPr>
+          </a:p>
+        </p:txBody>
+      </p:sp>
+      <p:sp>
+        <p:nvSpPr>
+          <p:cNvPr id="50" name="楕円 49">
+            <a:extLst>
+              <a:ext uri="{FF2B5EF4-FFF2-40B4-BE49-F238E27FC236}">
+                <a16:creationId xmlns:a16="http://schemas.microsoft.com/office/drawing/2014/main" id="{B086405C-D7CE-C5AA-FF90-701DE10D363B}"/>
+              </a:ext>
+            </a:extLst>
+          </p:cNvPr>
+          <p:cNvSpPr/>
+          <p:nvPr/>
+        </p:nvSpPr>
+        <p:spPr>
+          <a:xfrm>
+            <a:off x="5925161" y="2227310"/>
+            <a:ext cx="669773" cy="646330"/>
+          </a:xfrm>
+          <a:prstGeom prst="ellipse">
+            <a:avLst/>
+          </a:prstGeom>
+          <a:solidFill>
+            <a:srgbClr val="FF0000"/>
+          </a:solidFill>
           <a:ln>
             <a:solidFill>
               <a:schemeClr val="tx1"/>
@@ -17211,10 +17529,10 @@
       </p:sp>
       <p:sp>
         <p:nvSpPr>
-          <p:cNvPr id="34" name="楕円 33">
-            <a:extLst>
-              <a:ext uri="{FF2B5EF4-FFF2-40B4-BE49-F238E27FC236}">
-                <a16:creationId xmlns:a16="http://schemas.microsoft.com/office/drawing/2014/main" id="{D207735D-0D38-238E-BD01-09E3A4F96CAD}"/>
+          <p:cNvPr id="58" name="楕円 57">
+            <a:extLst>
+              <a:ext uri="{FF2B5EF4-FFF2-40B4-BE49-F238E27FC236}">
+                <a16:creationId xmlns:a16="http://schemas.microsoft.com/office/drawing/2014/main" id="{887D2F27-4B94-49C4-15EF-11D62797B4B9}"/>
               </a:ext>
             </a:extLst>
           </p:cNvPr>
@@ -17223,10 +17541,472 @@
         </p:nvSpPr>
         <p:spPr>
           <a:xfrm>
-            <a:off x="4618809" y="1773253"/>
+            <a:off x="4698906" y="1701786"/>
+            <a:ext cx="669773" cy="646330"/>
+          </a:xfrm>
+          <a:prstGeom prst="ellipse">
+            <a:avLst/>
+          </a:prstGeom>
+          <a:solidFill>
+            <a:srgbClr val="FF0000"/>
+          </a:solidFill>
+          <a:ln>
+            <a:solidFill>
+              <a:schemeClr val="tx1"/>
+            </a:solidFill>
+          </a:ln>
+        </p:spPr>
+        <p:style>
+          <a:lnRef idx="2">
+            <a:schemeClr val="accent1">
+              <a:shade val="50000"/>
+            </a:schemeClr>
+          </a:lnRef>
+          <a:fillRef idx="1">
+            <a:schemeClr val="accent1"/>
+          </a:fillRef>
+          <a:effectRef idx="0">
+            <a:schemeClr val="accent1"/>
+          </a:effectRef>
+          <a:fontRef idx="minor">
+            <a:schemeClr val="lt1"/>
+          </a:fontRef>
+        </p:style>
+        <p:txBody>
+          <a:bodyPr rtlCol="0" anchor="ctr"/>
+          <a:lstStyle/>
+          <a:p>
+            <a:pPr algn="ctr"/>
+            <a:r>
+              <a:rPr lang="en-US" altLang="ja-JP" b="1" dirty="0">
+                <a:solidFill>
+                  <a:schemeClr val="tx1"/>
+                </a:solidFill>
+              </a:rPr>
+              <a:t>13</a:t>
+            </a:r>
+            <a:endParaRPr kumimoji="1" lang="ja-JP" altLang="en-US" b="1" dirty="0">
+              <a:solidFill>
+                <a:schemeClr val="tx1"/>
+              </a:solidFill>
+            </a:endParaRPr>
+          </a:p>
+        </p:txBody>
+      </p:sp>
+      <p:sp>
+        <p:nvSpPr>
+          <p:cNvPr id="62" name="楕円 61">
+            <a:extLst>
+              <a:ext uri="{FF2B5EF4-FFF2-40B4-BE49-F238E27FC236}">
+                <a16:creationId xmlns:a16="http://schemas.microsoft.com/office/drawing/2014/main" id="{DBB22A8C-4A15-E0C2-5655-2DA08609F36B}"/>
+              </a:ext>
+            </a:extLst>
+          </p:cNvPr>
+          <p:cNvSpPr/>
+          <p:nvPr/>
+        </p:nvSpPr>
+        <p:spPr>
+          <a:xfrm>
+            <a:off x="3475545" y="1701786"/>
+            <a:ext cx="669773" cy="646330"/>
+          </a:xfrm>
+          <a:prstGeom prst="ellipse">
+            <a:avLst/>
+          </a:prstGeom>
+          <a:solidFill>
+            <a:schemeClr val="accent2"/>
+          </a:solidFill>
+          <a:ln>
+            <a:solidFill>
+              <a:schemeClr val="tx1"/>
+            </a:solidFill>
+          </a:ln>
+        </p:spPr>
+        <p:style>
+          <a:lnRef idx="2">
+            <a:schemeClr val="accent1">
+              <a:shade val="50000"/>
+            </a:schemeClr>
+          </a:lnRef>
+          <a:fillRef idx="1">
+            <a:schemeClr val="accent1"/>
+          </a:fillRef>
+          <a:effectRef idx="0">
+            <a:schemeClr val="accent1"/>
+          </a:effectRef>
+          <a:fontRef idx="minor">
+            <a:schemeClr val="lt1"/>
+          </a:fontRef>
+        </p:style>
+        <p:txBody>
+          <a:bodyPr rtlCol="0" anchor="ctr"/>
+          <a:lstStyle/>
+          <a:p>
+            <a:pPr algn="ctr"/>
+            <a:r>
+              <a:rPr kumimoji="1" lang="en-US" altLang="ja-JP" b="1" dirty="0">
+                <a:solidFill>
+                  <a:schemeClr val="tx1"/>
+                </a:solidFill>
+              </a:rPr>
+              <a:t>0</a:t>
+            </a:r>
+            <a:endParaRPr kumimoji="1" lang="ja-JP" altLang="en-US" b="1" dirty="0">
+              <a:solidFill>
+                <a:schemeClr val="tx1"/>
+              </a:solidFill>
+            </a:endParaRPr>
+          </a:p>
+        </p:txBody>
+      </p:sp>
+      <p:sp>
+        <p:nvSpPr>
+          <p:cNvPr id="64" name="楕円 63">
+            <a:extLst>
+              <a:ext uri="{FF2B5EF4-FFF2-40B4-BE49-F238E27FC236}">
+                <a16:creationId xmlns:a16="http://schemas.microsoft.com/office/drawing/2014/main" id="{0EF9880D-DB1B-D84C-FE92-02417BFFAE0C}"/>
+              </a:ext>
+            </a:extLst>
+          </p:cNvPr>
+          <p:cNvSpPr/>
+          <p:nvPr/>
+        </p:nvSpPr>
+        <p:spPr>
+          <a:xfrm>
+            <a:off x="2255410" y="1701786"/>
+            <a:ext cx="669773" cy="646330"/>
+          </a:xfrm>
+          <a:prstGeom prst="ellipse">
+            <a:avLst/>
+          </a:prstGeom>
+          <a:solidFill>
+            <a:schemeClr val="accent2"/>
+          </a:solidFill>
+          <a:ln>
+            <a:solidFill>
+              <a:schemeClr val="tx1"/>
+            </a:solidFill>
+          </a:ln>
+        </p:spPr>
+        <p:style>
+          <a:lnRef idx="2">
+            <a:schemeClr val="accent1">
+              <a:shade val="50000"/>
+            </a:schemeClr>
+          </a:lnRef>
+          <a:fillRef idx="1">
+            <a:schemeClr val="accent1"/>
+          </a:fillRef>
+          <a:effectRef idx="0">
+            <a:schemeClr val="accent1"/>
+          </a:effectRef>
+          <a:fontRef idx="minor">
+            <a:schemeClr val="lt1"/>
+          </a:fontRef>
+        </p:style>
+        <p:txBody>
+          <a:bodyPr rtlCol="0" anchor="ctr"/>
+          <a:lstStyle/>
+          <a:p>
+            <a:pPr algn="ctr"/>
+            <a:r>
+              <a:rPr kumimoji="1" lang="en-US" altLang="ja-JP" b="1" dirty="0">
+                <a:solidFill>
+                  <a:schemeClr val="tx1"/>
+                </a:solidFill>
+              </a:rPr>
+              <a:t>0</a:t>
+            </a:r>
+            <a:endParaRPr kumimoji="1" lang="ja-JP" altLang="en-US" b="1" dirty="0">
+              <a:solidFill>
+                <a:schemeClr val="tx1"/>
+              </a:solidFill>
+            </a:endParaRPr>
+          </a:p>
+        </p:txBody>
+      </p:sp>
+      <p:sp>
+        <p:nvSpPr>
+          <p:cNvPr id="69" name="楕円 68">
+            <a:extLst>
+              <a:ext uri="{FF2B5EF4-FFF2-40B4-BE49-F238E27FC236}">
+                <a16:creationId xmlns:a16="http://schemas.microsoft.com/office/drawing/2014/main" id="{7691BD2E-6D40-177A-1175-D5BCC2C4AAA9}"/>
+              </a:ext>
+            </a:extLst>
+          </p:cNvPr>
+          <p:cNvSpPr/>
+          <p:nvPr/>
+        </p:nvSpPr>
+        <p:spPr>
+          <a:xfrm>
+            <a:off x="1029155" y="1701786"/>
+            <a:ext cx="669773" cy="646330"/>
+          </a:xfrm>
+          <a:prstGeom prst="ellipse">
+            <a:avLst/>
+          </a:prstGeom>
+          <a:solidFill>
+            <a:schemeClr val="accent2"/>
+          </a:solidFill>
+          <a:ln>
+            <a:solidFill>
+              <a:schemeClr val="tx1"/>
+            </a:solidFill>
+          </a:ln>
+        </p:spPr>
+        <p:style>
+          <a:lnRef idx="2">
+            <a:schemeClr val="accent1">
+              <a:shade val="50000"/>
+            </a:schemeClr>
+          </a:lnRef>
+          <a:fillRef idx="1">
+            <a:schemeClr val="accent1"/>
+          </a:fillRef>
+          <a:effectRef idx="0">
+            <a:schemeClr val="accent1"/>
+          </a:effectRef>
+          <a:fontRef idx="minor">
+            <a:schemeClr val="lt1"/>
+          </a:fontRef>
+        </p:style>
+        <p:txBody>
+          <a:bodyPr rtlCol="0" anchor="ctr"/>
+          <a:lstStyle/>
+          <a:p>
+            <a:pPr algn="ctr"/>
+            <a:r>
+              <a:rPr kumimoji="1" lang="en-US" altLang="ja-JP" b="1" dirty="0">
+                <a:solidFill>
+                  <a:schemeClr val="tx1"/>
+                </a:solidFill>
+              </a:rPr>
+              <a:t>0</a:t>
+            </a:r>
+            <a:endParaRPr kumimoji="1" lang="ja-JP" altLang="en-US" b="1" dirty="0">
+              <a:solidFill>
+                <a:schemeClr val="tx1"/>
+              </a:solidFill>
+            </a:endParaRPr>
+          </a:p>
+        </p:txBody>
+      </p:sp>
+      <p:sp>
+        <p:nvSpPr>
+          <p:cNvPr id="71" name="楕円 70">
+            <a:extLst>
+              <a:ext uri="{FF2B5EF4-FFF2-40B4-BE49-F238E27FC236}">
+                <a16:creationId xmlns:a16="http://schemas.microsoft.com/office/drawing/2014/main" id="{932F4425-5335-ACE0-940D-30562ACCD9C0}"/>
+              </a:ext>
+            </a:extLst>
+          </p:cNvPr>
+          <p:cNvSpPr/>
+          <p:nvPr/>
+        </p:nvSpPr>
+        <p:spPr>
+          <a:xfrm>
+            <a:off x="4698905" y="3085166"/>
+            <a:ext cx="669773" cy="646330"/>
+          </a:xfrm>
+          <a:prstGeom prst="ellipse">
+            <a:avLst/>
+          </a:prstGeom>
+          <a:solidFill>
+            <a:schemeClr val="accent1"/>
+          </a:solidFill>
+          <a:ln>
+            <a:solidFill>
+              <a:schemeClr val="tx1"/>
+            </a:solidFill>
+          </a:ln>
+        </p:spPr>
+        <p:style>
+          <a:lnRef idx="2">
+            <a:schemeClr val="accent1">
+              <a:shade val="50000"/>
+            </a:schemeClr>
+          </a:lnRef>
+          <a:fillRef idx="1">
+            <a:schemeClr val="accent1"/>
+          </a:fillRef>
+          <a:effectRef idx="0">
+            <a:schemeClr val="accent1"/>
+          </a:effectRef>
+          <a:fontRef idx="minor">
+            <a:schemeClr val="lt1"/>
+          </a:fontRef>
+        </p:style>
+        <p:txBody>
+          <a:bodyPr rtlCol="0" anchor="ctr"/>
+          <a:lstStyle/>
+          <a:p>
+            <a:pPr algn="ctr"/>
+            <a:r>
+              <a:rPr lang="en-US" altLang="ja-JP" b="1" dirty="0">
+                <a:solidFill>
+                  <a:schemeClr val="tx1"/>
+                </a:solidFill>
+              </a:rPr>
+              <a:t>14</a:t>
+            </a:r>
+            <a:endParaRPr kumimoji="1" lang="ja-JP" altLang="en-US" b="1" dirty="0">
+              <a:solidFill>
+                <a:schemeClr val="tx1"/>
+              </a:solidFill>
+            </a:endParaRPr>
+          </a:p>
+        </p:txBody>
+      </p:sp>
+      <p:sp>
+        <p:nvSpPr>
+          <p:cNvPr id="75" name="楕円 74">
+            <a:extLst>
+              <a:ext uri="{FF2B5EF4-FFF2-40B4-BE49-F238E27FC236}">
+                <a16:creationId xmlns:a16="http://schemas.microsoft.com/office/drawing/2014/main" id="{0F9DF357-3BFC-9E23-6E7E-82113AB591DD}"/>
+              </a:ext>
+            </a:extLst>
+          </p:cNvPr>
+          <p:cNvSpPr/>
+          <p:nvPr/>
+        </p:nvSpPr>
+        <p:spPr>
+          <a:xfrm>
+            <a:off x="3474086" y="3096125"/>
+            <a:ext cx="669773" cy="646330"/>
+          </a:xfrm>
+          <a:prstGeom prst="ellipse">
+            <a:avLst/>
+          </a:prstGeom>
+          <a:solidFill>
+            <a:schemeClr val="accent2"/>
+          </a:solidFill>
+          <a:ln>
+            <a:solidFill>
+              <a:schemeClr val="tx1"/>
+            </a:solidFill>
+          </a:ln>
+        </p:spPr>
+        <p:style>
+          <a:lnRef idx="2">
+            <a:schemeClr val="accent1">
+              <a:shade val="50000"/>
+            </a:schemeClr>
+          </a:lnRef>
+          <a:fillRef idx="1">
+            <a:schemeClr val="accent1"/>
+          </a:fillRef>
+          <a:effectRef idx="0">
+            <a:schemeClr val="accent1"/>
+          </a:effectRef>
+          <a:fontRef idx="minor">
+            <a:schemeClr val="lt1"/>
+          </a:fontRef>
+        </p:style>
+        <p:txBody>
+          <a:bodyPr rtlCol="0" anchor="ctr"/>
+          <a:lstStyle/>
+          <a:p>
+            <a:pPr algn="ctr"/>
+            <a:r>
+              <a:rPr kumimoji="1" lang="en-US" altLang="ja-JP" b="1" dirty="0">
+                <a:solidFill>
+                  <a:schemeClr val="tx1"/>
+                </a:solidFill>
+              </a:rPr>
+              <a:t>0</a:t>
+            </a:r>
+            <a:endParaRPr kumimoji="1" lang="ja-JP" altLang="en-US" b="1" dirty="0">
+              <a:solidFill>
+                <a:schemeClr val="tx1"/>
+              </a:solidFill>
+            </a:endParaRPr>
+          </a:p>
+        </p:txBody>
+      </p:sp>
+      <p:sp>
+        <p:nvSpPr>
+          <p:cNvPr id="78" name="楕円 77">
+            <a:extLst>
+              <a:ext uri="{FF2B5EF4-FFF2-40B4-BE49-F238E27FC236}">
+                <a16:creationId xmlns:a16="http://schemas.microsoft.com/office/drawing/2014/main" id="{3EF3B43C-EBCF-1158-4EA7-BF0ACCCA5B60}"/>
+              </a:ext>
+            </a:extLst>
+          </p:cNvPr>
+          <p:cNvSpPr/>
+          <p:nvPr/>
+        </p:nvSpPr>
+        <p:spPr>
+          <a:xfrm>
+            <a:off x="2253161" y="3096125"/>
+            <a:ext cx="669773" cy="646330"/>
+          </a:xfrm>
+          <a:prstGeom prst="ellipse">
+            <a:avLst/>
+          </a:prstGeom>
+          <a:solidFill>
+            <a:schemeClr val="accent2"/>
+          </a:solidFill>
+          <a:ln>
+            <a:solidFill>
+              <a:schemeClr val="tx1"/>
+            </a:solidFill>
+          </a:ln>
+        </p:spPr>
+        <p:style>
+          <a:lnRef idx="2">
+            <a:schemeClr val="accent1">
+              <a:shade val="50000"/>
+            </a:schemeClr>
+          </a:lnRef>
+          <a:fillRef idx="1">
+            <a:schemeClr val="accent1"/>
+          </a:fillRef>
+          <a:effectRef idx="0">
+            <a:schemeClr val="accent1"/>
+          </a:effectRef>
+          <a:fontRef idx="minor">
+            <a:schemeClr val="lt1"/>
+          </a:fontRef>
+        </p:style>
+        <p:txBody>
+          <a:bodyPr rtlCol="0" anchor="ctr"/>
+          <a:lstStyle/>
+          <a:p>
+            <a:pPr algn="ctr"/>
+            <a:r>
+              <a:rPr kumimoji="1" lang="en-US" altLang="ja-JP" b="1" dirty="0">
+                <a:solidFill>
+                  <a:schemeClr val="tx1"/>
+                </a:solidFill>
+              </a:rPr>
+              <a:t>0</a:t>
+            </a:r>
+            <a:endParaRPr kumimoji="1" lang="ja-JP" altLang="en-US" b="1" dirty="0">
+              <a:solidFill>
+                <a:schemeClr val="tx1"/>
+              </a:solidFill>
+            </a:endParaRPr>
+          </a:p>
+        </p:txBody>
+      </p:sp>
+      <p:sp>
+        <p:nvSpPr>
+          <p:cNvPr id="5" name="正方形/長方形 4">
+            <a:extLst>
+              <a:ext uri="{FF2B5EF4-FFF2-40B4-BE49-F238E27FC236}">
+                <a16:creationId xmlns:a16="http://schemas.microsoft.com/office/drawing/2014/main" id="{B9F66DDC-70A2-132C-29AE-024AE4249F14}"/>
+              </a:ext>
+            </a:extLst>
+          </p:cNvPr>
+          <p:cNvSpPr/>
+          <p:nvPr/>
+        </p:nvSpPr>
+        <p:spPr>
+          <a:xfrm>
+            <a:off x="9529569" y="3384213"/>
             <a:ext cx="661906" cy="646330"/>
           </a:xfrm>
-          <a:prstGeom prst="ellipse">
+          <a:prstGeom prst="rect">
             <a:avLst/>
           </a:prstGeom>
           <a:noFill/>
@@ -17260,14 +18040,14 @@
             <a:r>
               <a:rPr kumimoji="1" lang="en-US" altLang="ja-JP" b="1" dirty="0">
                 <a:solidFill>
-                  <a:srgbClr val="FF0000"/>
+                  <a:schemeClr val="tx1"/>
                 </a:solidFill>
               </a:rPr>
-              <a:t>9</a:t>
+              <a:t>8</a:t>
             </a:r>
             <a:endParaRPr kumimoji="1" lang="ja-JP" altLang="en-US" b="1" dirty="0">
               <a:solidFill>
-                <a:srgbClr val="FF0000"/>
+                <a:schemeClr val="tx1"/>
               </a:solidFill>
             </a:endParaRPr>
           </a:p>
@@ -17275,10 +18055,10 @@
       </p:sp>
       <p:sp>
         <p:nvSpPr>
-          <p:cNvPr id="43" name="楕円 42">
-            <a:extLst>
-              <a:ext uri="{FF2B5EF4-FFF2-40B4-BE49-F238E27FC236}">
-                <a16:creationId xmlns:a16="http://schemas.microsoft.com/office/drawing/2014/main" id="{83E409C6-95C2-99A2-9B51-E5EE1896EA0B}"/>
+          <p:cNvPr id="7" name="正方形/長方形 6">
+            <a:extLst>
+              <a:ext uri="{FF2B5EF4-FFF2-40B4-BE49-F238E27FC236}">
+                <a16:creationId xmlns:a16="http://schemas.microsoft.com/office/drawing/2014/main" id="{1501A544-5675-3EC9-7830-7397234D0D0F}"/>
               </a:ext>
             </a:extLst>
           </p:cNvPr>
@@ -17287,10 +18067,10 @@
         </p:nvSpPr>
         <p:spPr>
           <a:xfrm>
-            <a:off x="3445453" y="1263906"/>
+            <a:off x="8348169" y="3384213"/>
             <a:ext cx="661906" cy="646330"/>
           </a:xfrm>
-          <a:prstGeom prst="ellipse">
+          <a:prstGeom prst="rect">
             <a:avLst/>
           </a:prstGeom>
           <a:noFill/>
@@ -17322,204 +18102,12 @@
           <a:p>
             <a:pPr algn="ctr"/>
             <a:r>
-              <a:rPr kumimoji="1" lang="en-US" altLang="ja-JP" dirty="0">
+              <a:rPr lang="en-US" altLang="ja-JP" b="1" dirty="0">
                 <a:solidFill>
                   <a:schemeClr val="tx1"/>
                 </a:solidFill>
               </a:rPr>
-              <a:t>1</a:t>
-            </a:r>
-            <a:endParaRPr kumimoji="1" lang="ja-JP" altLang="en-US" dirty="0">
-              <a:solidFill>
-                <a:schemeClr val="tx1"/>
-              </a:solidFill>
-            </a:endParaRPr>
-          </a:p>
-        </p:txBody>
-      </p:sp>
-      <p:sp>
-        <p:nvSpPr>
-          <p:cNvPr id="45" name="楕円 44">
-            <a:extLst>
-              <a:ext uri="{FF2B5EF4-FFF2-40B4-BE49-F238E27FC236}">
-                <a16:creationId xmlns:a16="http://schemas.microsoft.com/office/drawing/2014/main" id="{76089734-F09E-331B-C763-608F719E409A}"/>
-              </a:ext>
-            </a:extLst>
-          </p:cNvPr>
-          <p:cNvSpPr/>
-          <p:nvPr/>
-        </p:nvSpPr>
-        <p:spPr>
-          <a:xfrm>
-            <a:off x="3446341" y="2268044"/>
-            <a:ext cx="661906" cy="646330"/>
-          </a:xfrm>
-          <a:prstGeom prst="ellipse">
-            <a:avLst/>
-          </a:prstGeom>
-          <a:noFill/>
-          <a:ln>
-            <a:solidFill>
-              <a:schemeClr val="tx1"/>
-            </a:solidFill>
-          </a:ln>
-        </p:spPr>
-        <p:style>
-          <a:lnRef idx="2">
-            <a:schemeClr val="accent1">
-              <a:shade val="50000"/>
-            </a:schemeClr>
-          </a:lnRef>
-          <a:fillRef idx="1">
-            <a:schemeClr val="accent1"/>
-          </a:fillRef>
-          <a:effectRef idx="0">
-            <a:schemeClr val="accent1"/>
-          </a:effectRef>
-          <a:fontRef idx="minor">
-            <a:schemeClr val="lt1"/>
-          </a:fontRef>
-        </p:style>
-        <p:txBody>
-          <a:bodyPr rtlCol="0" anchor="ctr"/>
-          <a:lstStyle/>
-          <a:p>
-            <a:pPr algn="ctr"/>
-            <a:r>
-              <a:rPr kumimoji="1" lang="en-US" altLang="ja-JP" dirty="0">
-                <a:solidFill>
-                  <a:schemeClr val="tx1"/>
-                </a:solidFill>
-              </a:rPr>
-              <a:t>6</a:t>
-            </a:r>
-            <a:endParaRPr kumimoji="1" lang="ja-JP" altLang="en-US" dirty="0">
-              <a:solidFill>
-                <a:schemeClr val="tx1"/>
-              </a:solidFill>
-            </a:endParaRPr>
-          </a:p>
-        </p:txBody>
-      </p:sp>
-      <p:sp>
-        <p:nvSpPr>
-          <p:cNvPr id="53" name="楕円 52">
-            <a:extLst>
-              <a:ext uri="{FF2B5EF4-FFF2-40B4-BE49-F238E27FC236}">
-                <a16:creationId xmlns:a16="http://schemas.microsoft.com/office/drawing/2014/main" id="{C545EA2B-5BFB-6616-3FE1-0C366A97BDE7}"/>
-              </a:ext>
-            </a:extLst>
-          </p:cNvPr>
-          <p:cNvSpPr/>
-          <p:nvPr/>
-        </p:nvSpPr>
-        <p:spPr>
-          <a:xfrm>
-            <a:off x="2250461" y="2263809"/>
-            <a:ext cx="661906" cy="646330"/>
-          </a:xfrm>
-          <a:prstGeom prst="ellipse">
-            <a:avLst/>
-          </a:prstGeom>
-          <a:noFill/>
-          <a:ln>
-            <a:solidFill>
-              <a:schemeClr val="tx1"/>
-            </a:solidFill>
-          </a:ln>
-        </p:spPr>
-        <p:style>
-          <a:lnRef idx="2">
-            <a:schemeClr val="accent1">
-              <a:shade val="50000"/>
-            </a:schemeClr>
-          </a:lnRef>
-          <a:fillRef idx="1">
-            <a:schemeClr val="accent1"/>
-          </a:fillRef>
-          <a:effectRef idx="0">
-            <a:schemeClr val="accent1"/>
-          </a:effectRef>
-          <a:fontRef idx="minor">
-            <a:schemeClr val="lt1"/>
-          </a:fontRef>
-        </p:style>
-        <p:txBody>
-          <a:bodyPr rtlCol="0" anchor="ctr"/>
-          <a:lstStyle/>
-          <a:p>
-            <a:pPr algn="ctr"/>
-            <a:r>
-              <a:rPr lang="en-US" altLang="ja-JP" dirty="0">
-                <a:solidFill>
-                  <a:schemeClr val="tx1"/>
-                </a:solidFill>
-              </a:rPr>
-              <a:t>1</a:t>
-            </a:r>
-            <a:endParaRPr kumimoji="1" lang="ja-JP" altLang="en-US" dirty="0">
-              <a:solidFill>
-                <a:schemeClr val="tx1"/>
-              </a:solidFill>
-            </a:endParaRPr>
-          </a:p>
-        </p:txBody>
-      </p:sp>
-      <p:sp>
-        <p:nvSpPr>
-          <p:cNvPr id="57" name="楕円 56">
-            <a:extLst>
-              <a:ext uri="{FF2B5EF4-FFF2-40B4-BE49-F238E27FC236}">
-                <a16:creationId xmlns:a16="http://schemas.microsoft.com/office/drawing/2014/main" id="{1E349E6B-F07E-D696-A57E-093AFC74F88C}"/>
-              </a:ext>
-            </a:extLst>
-          </p:cNvPr>
-          <p:cNvSpPr/>
-          <p:nvPr/>
-        </p:nvSpPr>
-        <p:spPr>
-          <a:xfrm>
-            <a:off x="5809252" y="4244399"/>
-            <a:ext cx="661906" cy="646330"/>
-          </a:xfrm>
-          <a:prstGeom prst="ellipse">
-            <a:avLst/>
-          </a:prstGeom>
-          <a:noFill/>
-          <a:ln>
-            <a:solidFill>
-              <a:schemeClr val="tx1"/>
-            </a:solidFill>
-          </a:ln>
-        </p:spPr>
-        <p:style>
-          <a:lnRef idx="2">
-            <a:schemeClr val="accent1">
-              <a:shade val="50000"/>
-            </a:schemeClr>
-          </a:lnRef>
-          <a:fillRef idx="1">
-            <a:schemeClr val="accent1"/>
-          </a:fillRef>
-          <a:effectRef idx="0">
-            <a:schemeClr val="accent1"/>
-          </a:effectRef>
-          <a:fontRef idx="minor">
-            <a:schemeClr val="lt1"/>
-          </a:fontRef>
-        </p:style>
-        <p:txBody>
-          <a:bodyPr rtlCol="0" anchor="ctr"/>
-          <a:lstStyle/>
-          <a:p>
-            <a:pPr algn="ctr"/>
-            <a:r>
-              <a:rPr kumimoji="1" lang="en-US" altLang="ja-JP" b="1" dirty="0">
-                <a:solidFill>
-                  <a:schemeClr val="tx1"/>
-                </a:solidFill>
-              </a:rPr>
-              <a:t>14</a:t>
+              <a:t>5</a:t>
             </a:r>
             <a:endParaRPr kumimoji="1" lang="ja-JP" altLang="en-US" b="1" dirty="0">
               <a:solidFill>
@@ -17529,558 +18117,10 @@
           </a:p>
         </p:txBody>
       </p:sp>
-      <p:sp>
-        <p:nvSpPr>
-          <p:cNvPr id="62" name="楕円 61">
-            <a:extLst>
-              <a:ext uri="{FF2B5EF4-FFF2-40B4-BE49-F238E27FC236}">
-                <a16:creationId xmlns:a16="http://schemas.microsoft.com/office/drawing/2014/main" id="{0D379461-A325-B743-ABD8-0179499F3CF0}"/>
-              </a:ext>
-            </a:extLst>
-          </p:cNvPr>
-          <p:cNvSpPr/>
-          <p:nvPr/>
-        </p:nvSpPr>
-        <p:spPr>
-          <a:xfrm>
-            <a:off x="4617517" y="3709678"/>
-            <a:ext cx="661906" cy="646330"/>
-          </a:xfrm>
-          <a:prstGeom prst="ellipse">
-            <a:avLst/>
-          </a:prstGeom>
-          <a:noFill/>
-          <a:ln>
-            <a:solidFill>
-              <a:schemeClr val="tx1"/>
-            </a:solidFill>
-          </a:ln>
-        </p:spPr>
-        <p:style>
-          <a:lnRef idx="2">
-            <a:schemeClr val="accent1">
-              <a:shade val="50000"/>
-            </a:schemeClr>
-          </a:lnRef>
-          <a:fillRef idx="1">
-            <a:schemeClr val="accent1"/>
-          </a:fillRef>
-          <a:effectRef idx="0">
-            <a:schemeClr val="accent1"/>
-          </a:effectRef>
-          <a:fontRef idx="minor">
-            <a:schemeClr val="lt1"/>
-          </a:fontRef>
-        </p:style>
-        <p:txBody>
-          <a:bodyPr rtlCol="0" anchor="ctr"/>
-          <a:lstStyle/>
-          <a:p>
-            <a:pPr algn="ctr"/>
-            <a:r>
-              <a:rPr kumimoji="1" lang="en-US" altLang="ja-JP" b="1" dirty="0">
-                <a:solidFill>
-                  <a:srgbClr val="FF0000"/>
-                </a:solidFill>
-              </a:rPr>
-              <a:t>7</a:t>
-            </a:r>
-            <a:endParaRPr kumimoji="1" lang="ja-JP" altLang="en-US" b="1" dirty="0">
-              <a:solidFill>
-                <a:srgbClr val="FF0000"/>
-              </a:solidFill>
-            </a:endParaRPr>
-          </a:p>
-        </p:txBody>
-      </p:sp>
-      <p:sp>
-        <p:nvSpPr>
-          <p:cNvPr id="69" name="楕円 68">
-            <a:extLst>
-              <a:ext uri="{FF2B5EF4-FFF2-40B4-BE49-F238E27FC236}">
-                <a16:creationId xmlns:a16="http://schemas.microsoft.com/office/drawing/2014/main" id="{0620465B-7235-616A-24B9-FC6C0822ED97}"/>
-              </a:ext>
-            </a:extLst>
-          </p:cNvPr>
-          <p:cNvSpPr/>
-          <p:nvPr/>
-        </p:nvSpPr>
-        <p:spPr>
-          <a:xfrm>
-            <a:off x="3447968" y="3230788"/>
-            <a:ext cx="661906" cy="646330"/>
-          </a:xfrm>
-          <a:prstGeom prst="ellipse">
-            <a:avLst/>
-          </a:prstGeom>
-          <a:noFill/>
-          <a:ln>
-            <a:solidFill>
-              <a:schemeClr val="tx1"/>
-            </a:solidFill>
-          </a:ln>
-        </p:spPr>
-        <p:style>
-          <a:lnRef idx="2">
-            <a:schemeClr val="accent1">
-              <a:shade val="50000"/>
-            </a:schemeClr>
-          </a:lnRef>
-          <a:fillRef idx="1">
-            <a:schemeClr val="accent1"/>
-          </a:fillRef>
-          <a:effectRef idx="0">
-            <a:schemeClr val="accent1"/>
-          </a:effectRef>
-          <a:fontRef idx="minor">
-            <a:schemeClr val="lt1"/>
-          </a:fontRef>
-        </p:style>
-        <p:txBody>
-          <a:bodyPr rtlCol="0" anchor="ctr"/>
-          <a:lstStyle/>
-          <a:p>
-            <a:pPr algn="ctr"/>
-            <a:r>
-              <a:rPr kumimoji="1" lang="en-US" altLang="ja-JP" dirty="0">
-                <a:solidFill>
-                  <a:schemeClr val="tx1"/>
-                </a:solidFill>
-              </a:rPr>
-              <a:t>1</a:t>
-            </a:r>
-            <a:endParaRPr kumimoji="1" lang="ja-JP" altLang="en-US" dirty="0">
-              <a:solidFill>
-                <a:schemeClr val="tx1"/>
-              </a:solidFill>
-            </a:endParaRPr>
-          </a:p>
-        </p:txBody>
-      </p:sp>
-      <p:sp>
-        <p:nvSpPr>
-          <p:cNvPr id="79" name="楕円 78">
-            <a:extLst>
-              <a:ext uri="{FF2B5EF4-FFF2-40B4-BE49-F238E27FC236}">
-                <a16:creationId xmlns:a16="http://schemas.microsoft.com/office/drawing/2014/main" id="{1FCB90BA-1072-9C5D-0606-B326C850A9BF}"/>
-              </a:ext>
-            </a:extLst>
-          </p:cNvPr>
-          <p:cNvSpPr/>
-          <p:nvPr/>
-        </p:nvSpPr>
-        <p:spPr>
-          <a:xfrm>
-            <a:off x="3455476" y="4323710"/>
-            <a:ext cx="661906" cy="646330"/>
-          </a:xfrm>
-          <a:prstGeom prst="ellipse">
-            <a:avLst/>
-          </a:prstGeom>
-          <a:noFill/>
-          <a:ln>
-            <a:solidFill>
-              <a:schemeClr val="tx1"/>
-            </a:solidFill>
-          </a:ln>
-        </p:spPr>
-        <p:style>
-          <a:lnRef idx="2">
-            <a:schemeClr val="accent1">
-              <a:shade val="50000"/>
-            </a:schemeClr>
-          </a:lnRef>
-          <a:fillRef idx="1">
-            <a:schemeClr val="accent1"/>
-          </a:fillRef>
-          <a:effectRef idx="0">
-            <a:schemeClr val="accent1"/>
-          </a:effectRef>
-          <a:fontRef idx="minor">
-            <a:schemeClr val="lt1"/>
-          </a:fontRef>
-        </p:style>
-        <p:txBody>
-          <a:bodyPr rtlCol="0" anchor="ctr"/>
-          <a:lstStyle/>
-          <a:p>
-            <a:pPr algn="ctr"/>
-            <a:r>
-              <a:rPr kumimoji="1" lang="en-US" altLang="ja-JP" dirty="0">
-                <a:solidFill>
-                  <a:schemeClr val="tx1"/>
-                </a:solidFill>
-              </a:rPr>
-              <a:t>3</a:t>
-            </a:r>
-            <a:endParaRPr kumimoji="1" lang="ja-JP" altLang="en-US" dirty="0">
-              <a:solidFill>
-                <a:schemeClr val="tx1"/>
-              </a:solidFill>
-            </a:endParaRPr>
-          </a:p>
-        </p:txBody>
-      </p:sp>
-      <p:sp>
-        <p:nvSpPr>
-          <p:cNvPr id="84" name="楕円 83">
-            <a:extLst>
-              <a:ext uri="{FF2B5EF4-FFF2-40B4-BE49-F238E27FC236}">
-                <a16:creationId xmlns:a16="http://schemas.microsoft.com/office/drawing/2014/main" id="{D83C28CC-EB4C-9091-2B7B-E91E4DB7258D}"/>
-              </a:ext>
-            </a:extLst>
-          </p:cNvPr>
-          <p:cNvSpPr/>
-          <p:nvPr/>
-        </p:nvSpPr>
-        <p:spPr>
-          <a:xfrm>
-            <a:off x="2255431" y="4323710"/>
-            <a:ext cx="661906" cy="646330"/>
-          </a:xfrm>
-          <a:prstGeom prst="ellipse">
-            <a:avLst/>
-          </a:prstGeom>
-          <a:noFill/>
-          <a:ln>
-            <a:solidFill>
-              <a:schemeClr val="tx1"/>
-            </a:solidFill>
-          </a:ln>
-        </p:spPr>
-        <p:style>
-          <a:lnRef idx="2">
-            <a:schemeClr val="accent1">
-              <a:shade val="50000"/>
-            </a:schemeClr>
-          </a:lnRef>
-          <a:fillRef idx="1">
-            <a:schemeClr val="accent1"/>
-          </a:fillRef>
-          <a:effectRef idx="0">
-            <a:schemeClr val="accent1"/>
-          </a:effectRef>
-          <a:fontRef idx="minor">
-            <a:schemeClr val="lt1"/>
-          </a:fontRef>
-        </p:style>
-        <p:txBody>
-          <a:bodyPr rtlCol="0" anchor="ctr"/>
-          <a:lstStyle/>
-          <a:p>
-            <a:pPr algn="ctr"/>
-            <a:r>
-              <a:rPr kumimoji="1" lang="en-US" altLang="ja-JP" dirty="0">
-                <a:solidFill>
-                  <a:schemeClr val="tx1"/>
-                </a:solidFill>
-              </a:rPr>
-              <a:t>6</a:t>
-            </a:r>
-            <a:endParaRPr kumimoji="1" lang="ja-JP" altLang="en-US" dirty="0">
-              <a:solidFill>
-                <a:schemeClr val="tx1"/>
-              </a:solidFill>
-            </a:endParaRPr>
-          </a:p>
-        </p:txBody>
-      </p:sp>
-      <p:sp>
-        <p:nvSpPr>
-          <p:cNvPr id="86" name="楕円 85">
-            <a:extLst>
-              <a:ext uri="{FF2B5EF4-FFF2-40B4-BE49-F238E27FC236}">
-                <a16:creationId xmlns:a16="http://schemas.microsoft.com/office/drawing/2014/main" id="{1F93333A-5210-B9FB-8E2E-9A8198EC4D57}"/>
-              </a:ext>
-            </a:extLst>
-          </p:cNvPr>
-          <p:cNvSpPr/>
-          <p:nvPr/>
-        </p:nvSpPr>
-        <p:spPr>
-          <a:xfrm>
-            <a:off x="4624435" y="5168532"/>
-            <a:ext cx="661906" cy="646330"/>
-          </a:xfrm>
-          <a:prstGeom prst="ellipse">
-            <a:avLst/>
-          </a:prstGeom>
-          <a:noFill/>
-          <a:ln>
-            <a:solidFill>
-              <a:schemeClr val="tx1"/>
-            </a:solidFill>
-          </a:ln>
-        </p:spPr>
-        <p:style>
-          <a:lnRef idx="2">
-            <a:schemeClr val="accent1">
-              <a:shade val="50000"/>
-            </a:schemeClr>
-          </a:lnRef>
-          <a:fillRef idx="1">
-            <a:schemeClr val="accent1"/>
-          </a:fillRef>
-          <a:effectRef idx="0">
-            <a:schemeClr val="accent1"/>
-          </a:effectRef>
-          <a:fontRef idx="minor">
-            <a:schemeClr val="lt1"/>
-          </a:fontRef>
-        </p:style>
-        <p:txBody>
-          <a:bodyPr rtlCol="0" anchor="ctr"/>
-          <a:lstStyle/>
-          <a:p>
-            <a:pPr algn="ctr"/>
-            <a:r>
-              <a:rPr lang="en-US" altLang="ja-JP" dirty="0">
-                <a:solidFill>
-                  <a:schemeClr val="tx1"/>
-                </a:solidFill>
-              </a:rPr>
-              <a:t>2</a:t>
-            </a:r>
-            <a:endParaRPr kumimoji="1" lang="ja-JP" altLang="en-US" dirty="0">
-              <a:solidFill>
-                <a:schemeClr val="tx1"/>
-              </a:solidFill>
-            </a:endParaRPr>
-          </a:p>
-        </p:txBody>
-      </p:sp>
-      <p:sp>
-        <p:nvSpPr>
-          <p:cNvPr id="94" name="楕円 93">
-            <a:extLst>
-              <a:ext uri="{FF2B5EF4-FFF2-40B4-BE49-F238E27FC236}">
-                <a16:creationId xmlns:a16="http://schemas.microsoft.com/office/drawing/2014/main" id="{429C9C27-D290-178A-22ED-5B8FDC2D574D}"/>
-              </a:ext>
-            </a:extLst>
-          </p:cNvPr>
-          <p:cNvSpPr/>
-          <p:nvPr/>
-        </p:nvSpPr>
-        <p:spPr>
-          <a:xfrm>
-            <a:off x="3446341" y="5166254"/>
-            <a:ext cx="661906" cy="646330"/>
-          </a:xfrm>
-          <a:prstGeom prst="ellipse">
-            <a:avLst/>
-          </a:prstGeom>
-          <a:noFill/>
-          <a:ln>
-            <a:solidFill>
-              <a:schemeClr val="tx1"/>
-            </a:solidFill>
-          </a:ln>
-        </p:spPr>
-        <p:style>
-          <a:lnRef idx="2">
-            <a:schemeClr val="accent1">
-              <a:shade val="50000"/>
-            </a:schemeClr>
-          </a:lnRef>
-          <a:fillRef idx="1">
-            <a:schemeClr val="accent1"/>
-          </a:fillRef>
-          <a:effectRef idx="0">
-            <a:schemeClr val="accent1"/>
-          </a:effectRef>
-          <a:fontRef idx="minor">
-            <a:schemeClr val="lt1"/>
-          </a:fontRef>
-        </p:style>
-        <p:txBody>
-          <a:bodyPr rtlCol="0" anchor="ctr"/>
-          <a:lstStyle/>
-          <a:p>
-            <a:pPr algn="ctr"/>
-            <a:r>
-              <a:rPr lang="en-US" altLang="ja-JP" dirty="0">
-                <a:solidFill>
-                  <a:schemeClr val="tx1"/>
-                </a:solidFill>
-              </a:rPr>
-              <a:t>1</a:t>
-            </a:r>
-            <a:endParaRPr kumimoji="1" lang="ja-JP" altLang="en-US" dirty="0">
-              <a:solidFill>
-                <a:schemeClr val="tx1"/>
-              </a:solidFill>
-            </a:endParaRPr>
-          </a:p>
-        </p:txBody>
-      </p:sp>
-      <p:sp>
-        <p:nvSpPr>
-          <p:cNvPr id="100" name="楕円 99">
-            <a:extLst>
-              <a:ext uri="{FF2B5EF4-FFF2-40B4-BE49-F238E27FC236}">
-                <a16:creationId xmlns:a16="http://schemas.microsoft.com/office/drawing/2014/main" id="{D2A13E32-FBD7-C6C0-B75F-FC811F5CB45F}"/>
-              </a:ext>
-            </a:extLst>
-          </p:cNvPr>
-          <p:cNvSpPr/>
-          <p:nvPr/>
-        </p:nvSpPr>
-        <p:spPr>
-          <a:xfrm>
-            <a:off x="2248499" y="5166254"/>
-            <a:ext cx="661906" cy="646330"/>
-          </a:xfrm>
-          <a:prstGeom prst="ellipse">
-            <a:avLst/>
-          </a:prstGeom>
-          <a:noFill/>
-          <a:ln>
-            <a:solidFill>
-              <a:schemeClr val="tx1"/>
-            </a:solidFill>
-          </a:ln>
-        </p:spPr>
-        <p:style>
-          <a:lnRef idx="2">
-            <a:schemeClr val="accent1">
-              <a:shade val="50000"/>
-            </a:schemeClr>
-          </a:lnRef>
-          <a:fillRef idx="1">
-            <a:schemeClr val="accent1"/>
-          </a:fillRef>
-          <a:effectRef idx="0">
-            <a:schemeClr val="accent1"/>
-          </a:effectRef>
-          <a:fontRef idx="minor">
-            <a:schemeClr val="lt1"/>
-          </a:fontRef>
-        </p:style>
-        <p:txBody>
-          <a:bodyPr rtlCol="0" anchor="ctr"/>
-          <a:lstStyle/>
-          <a:p>
-            <a:pPr algn="ctr"/>
-            <a:r>
-              <a:rPr kumimoji="1" lang="en-US" altLang="ja-JP" dirty="0">
-                <a:solidFill>
-                  <a:schemeClr val="tx1"/>
-                </a:solidFill>
-              </a:rPr>
-              <a:t>6</a:t>
-            </a:r>
-            <a:endParaRPr kumimoji="1" lang="ja-JP" altLang="en-US" dirty="0">
-              <a:solidFill>
-                <a:schemeClr val="tx1"/>
-              </a:solidFill>
-            </a:endParaRPr>
-          </a:p>
-        </p:txBody>
-      </p:sp>
-      <p:sp>
-        <p:nvSpPr>
-          <p:cNvPr id="2" name="楕円 1">
-            <a:extLst>
-              <a:ext uri="{FF2B5EF4-FFF2-40B4-BE49-F238E27FC236}">
-                <a16:creationId xmlns:a16="http://schemas.microsoft.com/office/drawing/2014/main" id="{52888777-0572-0807-CAC5-41272FD64DC0}"/>
-              </a:ext>
-            </a:extLst>
-          </p:cNvPr>
-          <p:cNvSpPr/>
-          <p:nvPr/>
-        </p:nvSpPr>
-        <p:spPr>
-          <a:xfrm>
-            <a:off x="3136453" y="1091943"/>
-            <a:ext cx="2198748" cy="2008950"/>
-          </a:xfrm>
-          <a:prstGeom prst="ellipse">
-            <a:avLst/>
-          </a:prstGeom>
-          <a:noFill/>
-        </p:spPr>
-        <p:style>
-          <a:lnRef idx="2">
-            <a:schemeClr val="accent1">
-              <a:shade val="50000"/>
-            </a:schemeClr>
-          </a:lnRef>
-          <a:fillRef idx="1">
-            <a:schemeClr val="accent1"/>
-          </a:fillRef>
-          <a:effectRef idx="0">
-            <a:schemeClr val="accent1"/>
-          </a:effectRef>
-          <a:fontRef idx="minor">
-            <a:schemeClr val="lt1"/>
-          </a:fontRef>
-        </p:style>
-        <p:txBody>
-          <a:bodyPr rtlCol="0" anchor="ctr"/>
-          <a:lstStyle/>
-          <a:p>
-            <a:pPr algn="ctr"/>
-            <a:endParaRPr kumimoji="1" lang="ja-JP" altLang="en-US"/>
-          </a:p>
-        </p:txBody>
-      </p:sp>
-      <p:sp>
-        <p:nvSpPr>
-          <p:cNvPr id="4" name="楕円 3">
-            <a:extLst>
-              <a:ext uri="{FF2B5EF4-FFF2-40B4-BE49-F238E27FC236}">
-                <a16:creationId xmlns:a16="http://schemas.microsoft.com/office/drawing/2014/main" id="{D7831431-5A23-8312-FD43-0576E3A08342}"/>
-              </a:ext>
-            </a:extLst>
-          </p:cNvPr>
-          <p:cNvSpPr/>
-          <p:nvPr/>
-        </p:nvSpPr>
-        <p:spPr>
-          <a:xfrm>
-            <a:off x="3119412" y="3101077"/>
-            <a:ext cx="2198748" cy="2008950"/>
-          </a:xfrm>
-          <a:prstGeom prst="ellipse">
-            <a:avLst/>
-          </a:prstGeom>
-          <a:noFill/>
-          <a:ln>
-            <a:solidFill>
-              <a:schemeClr val="accent2"/>
-            </a:solidFill>
-            <a:prstDash val="sysDot"/>
-          </a:ln>
-        </p:spPr>
-        <p:style>
-          <a:lnRef idx="2">
-            <a:schemeClr val="accent1">
-              <a:shade val="50000"/>
-            </a:schemeClr>
-          </a:lnRef>
-          <a:fillRef idx="1">
-            <a:schemeClr val="accent1"/>
-          </a:fillRef>
-          <a:effectRef idx="0">
-            <a:schemeClr val="accent1"/>
-          </a:effectRef>
-          <a:fontRef idx="minor">
-            <a:schemeClr val="lt1"/>
-          </a:fontRef>
-        </p:style>
-        <p:txBody>
-          <a:bodyPr rtlCol="0" anchor="ctr"/>
-          <a:lstStyle/>
-          <a:p>
-            <a:pPr algn="ctr"/>
-            <a:endParaRPr kumimoji="1" lang="ja-JP" altLang="en-US"/>
-          </a:p>
-        </p:txBody>
-      </p:sp>
     </p:spTree>
     <p:extLst>
       <p:ext uri="{BB962C8B-B14F-4D97-AF65-F5344CB8AC3E}">
-        <p14:creationId xmlns:p14="http://schemas.microsoft.com/office/powerpoint/2010/main" val="3183433674"/>
+        <p14:creationId xmlns:p14="http://schemas.microsoft.com/office/powerpoint/2010/main" val="4078876247"/>
       </p:ext>
     </p:extLst>
   </p:cSld>
@@ -18109,6 +18149,5681 @@
       </p:grpSpPr>
       <p:cxnSp>
         <p:nvCxnSpPr>
+          <p:cNvPr id="4" name="直線コネクタ 3">
+            <a:extLst>
+              <a:ext uri="{FF2B5EF4-FFF2-40B4-BE49-F238E27FC236}">
+                <a16:creationId xmlns:a16="http://schemas.microsoft.com/office/drawing/2014/main" id="{6F147F4B-8FAC-056D-BC9B-BF5397D939A4}"/>
+              </a:ext>
+            </a:extLst>
+          </p:cNvPr>
+          <p:cNvCxnSpPr>
+            <a:cxnSpLocks/>
+            <a:stCxn id="7" idx="3"/>
+            <a:endCxn id="5" idx="1"/>
+          </p:cNvCxnSpPr>
+          <p:nvPr/>
+        </p:nvCxnSpPr>
+        <p:spPr>
+          <a:xfrm>
+            <a:off x="9010075" y="3707378"/>
+            <a:ext cx="519494" cy="0"/>
+          </a:xfrm>
+          <a:prstGeom prst="line">
+            <a:avLst/>
+          </a:prstGeom>
+          <a:ln>
+            <a:solidFill>
+              <a:schemeClr val="tx1"/>
+            </a:solidFill>
+          </a:ln>
+        </p:spPr>
+        <p:style>
+          <a:lnRef idx="1">
+            <a:schemeClr val="accent1"/>
+          </a:lnRef>
+          <a:fillRef idx="0">
+            <a:schemeClr val="accent1"/>
+          </a:fillRef>
+          <a:effectRef idx="0">
+            <a:schemeClr val="accent1"/>
+          </a:effectRef>
+          <a:fontRef idx="minor">
+            <a:schemeClr val="tx1"/>
+          </a:fontRef>
+        </p:style>
+      </p:cxnSp>
+      <p:cxnSp>
+        <p:nvCxnSpPr>
+          <p:cNvPr id="16" name="直線コネクタ 15">
+            <a:extLst>
+              <a:ext uri="{FF2B5EF4-FFF2-40B4-BE49-F238E27FC236}">
+                <a16:creationId xmlns:a16="http://schemas.microsoft.com/office/drawing/2014/main" id="{3A4231B4-3565-5623-E3D4-DFF863B012DB}"/>
+              </a:ext>
+            </a:extLst>
+          </p:cNvPr>
+          <p:cNvCxnSpPr>
+            <a:cxnSpLocks/>
+            <a:stCxn id="28" idx="6"/>
+            <a:endCxn id="7" idx="1"/>
+          </p:cNvCxnSpPr>
+          <p:nvPr/>
+        </p:nvCxnSpPr>
+        <p:spPr>
+          <a:xfrm>
+            <a:off x="7789150" y="3707378"/>
+            <a:ext cx="559019" cy="0"/>
+          </a:xfrm>
+          <a:prstGeom prst="line">
+            <a:avLst/>
+          </a:prstGeom>
+          <a:ln>
+            <a:solidFill>
+              <a:schemeClr val="tx1"/>
+            </a:solidFill>
+          </a:ln>
+        </p:spPr>
+        <p:style>
+          <a:lnRef idx="1">
+            <a:schemeClr val="accent1"/>
+          </a:lnRef>
+          <a:fillRef idx="0">
+            <a:schemeClr val="accent1"/>
+          </a:fillRef>
+          <a:effectRef idx="0">
+            <a:schemeClr val="accent1"/>
+          </a:effectRef>
+          <a:fontRef idx="minor">
+            <a:schemeClr val="tx1"/>
+          </a:fontRef>
+        </p:style>
+      </p:cxnSp>
+      <p:cxnSp>
+        <p:nvCxnSpPr>
+          <p:cNvPr id="21" name="直線コネクタ 20">
+            <a:extLst>
+              <a:ext uri="{FF2B5EF4-FFF2-40B4-BE49-F238E27FC236}">
+                <a16:creationId xmlns:a16="http://schemas.microsoft.com/office/drawing/2014/main" id="{5070F677-61C6-9C9B-5F79-303AFF26D89A}"/>
+              </a:ext>
+            </a:extLst>
+          </p:cNvPr>
+          <p:cNvCxnSpPr>
+            <a:cxnSpLocks/>
+            <a:stCxn id="50" idx="5"/>
+            <a:endCxn id="28" idx="1"/>
+          </p:cNvCxnSpPr>
+          <p:nvPr/>
+        </p:nvCxnSpPr>
+        <p:spPr>
+          <a:xfrm>
+            <a:off x="6496848" y="2778987"/>
+            <a:ext cx="727330" cy="699879"/>
+          </a:xfrm>
+          <a:prstGeom prst="line">
+            <a:avLst/>
+          </a:prstGeom>
+          <a:ln>
+            <a:solidFill>
+              <a:schemeClr val="tx1"/>
+            </a:solidFill>
+          </a:ln>
+        </p:spPr>
+        <p:style>
+          <a:lnRef idx="1">
+            <a:schemeClr val="accent1"/>
+          </a:lnRef>
+          <a:fillRef idx="0">
+            <a:schemeClr val="accent1"/>
+          </a:fillRef>
+          <a:effectRef idx="0">
+            <a:schemeClr val="accent1"/>
+          </a:effectRef>
+          <a:fontRef idx="minor">
+            <a:schemeClr val="tx1"/>
+          </a:fontRef>
+        </p:style>
+      </p:cxnSp>
+      <p:cxnSp>
+        <p:nvCxnSpPr>
+          <p:cNvPr id="24" name="直線コネクタ 23">
+            <a:extLst>
+              <a:ext uri="{FF2B5EF4-FFF2-40B4-BE49-F238E27FC236}">
+                <a16:creationId xmlns:a16="http://schemas.microsoft.com/office/drawing/2014/main" id="{F82A930C-F5AB-FBE4-A327-C027ABD864A4}"/>
+              </a:ext>
+            </a:extLst>
+          </p:cNvPr>
+          <p:cNvCxnSpPr>
+            <a:cxnSpLocks/>
+            <a:stCxn id="36" idx="7"/>
+            <a:endCxn id="28" idx="3"/>
+          </p:cNvCxnSpPr>
+          <p:nvPr/>
+        </p:nvCxnSpPr>
+        <p:spPr>
+          <a:xfrm flipV="1">
+            <a:off x="6497837" y="3935890"/>
+            <a:ext cx="726341" cy="592179"/>
+          </a:xfrm>
+          <a:prstGeom prst="line">
+            <a:avLst/>
+          </a:prstGeom>
+          <a:ln>
+            <a:solidFill>
+              <a:schemeClr val="tx1"/>
+            </a:solidFill>
+          </a:ln>
+        </p:spPr>
+        <p:style>
+          <a:lnRef idx="1">
+            <a:schemeClr val="accent1"/>
+          </a:lnRef>
+          <a:fillRef idx="0">
+            <a:schemeClr val="accent1"/>
+          </a:fillRef>
+          <a:effectRef idx="0">
+            <a:schemeClr val="accent1"/>
+          </a:effectRef>
+          <a:fontRef idx="minor">
+            <a:schemeClr val="tx1"/>
+          </a:fontRef>
+        </p:style>
+      </p:cxnSp>
+      <p:cxnSp>
+        <p:nvCxnSpPr>
+          <p:cNvPr id="35" name="直線コネクタ 34">
+            <a:extLst>
+              <a:ext uri="{FF2B5EF4-FFF2-40B4-BE49-F238E27FC236}">
+                <a16:creationId xmlns:a16="http://schemas.microsoft.com/office/drawing/2014/main" id="{3394F000-E77A-B6D4-022D-10AACDA928FB}"/>
+              </a:ext>
+            </a:extLst>
+          </p:cNvPr>
+          <p:cNvCxnSpPr>
+            <a:cxnSpLocks/>
+            <a:stCxn id="58" idx="6"/>
+            <a:endCxn id="50" idx="1"/>
+          </p:cNvCxnSpPr>
+          <p:nvPr/>
+        </p:nvCxnSpPr>
+        <p:spPr>
+          <a:xfrm>
+            <a:off x="5368679" y="2024951"/>
+            <a:ext cx="654568" cy="297012"/>
+          </a:xfrm>
+          <a:prstGeom prst="line">
+            <a:avLst/>
+          </a:prstGeom>
+          <a:ln>
+            <a:solidFill>
+              <a:schemeClr val="tx1"/>
+            </a:solidFill>
+          </a:ln>
+        </p:spPr>
+        <p:style>
+          <a:lnRef idx="1">
+            <a:schemeClr val="accent1"/>
+          </a:lnRef>
+          <a:fillRef idx="0">
+            <a:schemeClr val="accent1"/>
+          </a:fillRef>
+          <a:effectRef idx="0">
+            <a:schemeClr val="accent1"/>
+          </a:effectRef>
+          <a:fontRef idx="minor">
+            <a:schemeClr val="tx1"/>
+          </a:fontRef>
+        </p:style>
+      </p:cxnSp>
+      <p:cxnSp>
+        <p:nvCxnSpPr>
+          <p:cNvPr id="48" name="直線コネクタ 47">
+            <a:extLst>
+              <a:ext uri="{FF2B5EF4-FFF2-40B4-BE49-F238E27FC236}">
+                <a16:creationId xmlns:a16="http://schemas.microsoft.com/office/drawing/2014/main" id="{38153412-84F5-4E64-1F56-01EEB3020D40}"/>
+              </a:ext>
+            </a:extLst>
+          </p:cNvPr>
+          <p:cNvCxnSpPr>
+            <a:cxnSpLocks/>
+            <a:stCxn id="71" idx="7"/>
+          </p:cNvCxnSpPr>
+          <p:nvPr/>
+        </p:nvCxnSpPr>
+        <p:spPr>
+          <a:xfrm flipV="1">
+            <a:off x="5270592" y="2827499"/>
+            <a:ext cx="797105" cy="352320"/>
+          </a:xfrm>
+          <a:prstGeom prst="line">
+            <a:avLst/>
+          </a:prstGeom>
+          <a:ln>
+            <a:solidFill>
+              <a:schemeClr val="tx1"/>
+            </a:solidFill>
+          </a:ln>
+        </p:spPr>
+        <p:style>
+          <a:lnRef idx="1">
+            <a:schemeClr val="accent1"/>
+          </a:lnRef>
+          <a:fillRef idx="0">
+            <a:schemeClr val="accent1"/>
+          </a:fillRef>
+          <a:effectRef idx="0">
+            <a:schemeClr val="accent1"/>
+          </a:effectRef>
+          <a:fontRef idx="minor">
+            <a:schemeClr val="tx1"/>
+          </a:fontRef>
+        </p:style>
+      </p:cxnSp>
+      <p:cxnSp>
+        <p:nvCxnSpPr>
+          <p:cNvPr id="66" name="直線コネクタ 65">
+            <a:extLst>
+              <a:ext uri="{FF2B5EF4-FFF2-40B4-BE49-F238E27FC236}">
+                <a16:creationId xmlns:a16="http://schemas.microsoft.com/office/drawing/2014/main" id="{0D73DC1B-4788-4BEA-BCD5-5A95101381AA}"/>
+              </a:ext>
+            </a:extLst>
+          </p:cNvPr>
+          <p:cNvCxnSpPr>
+            <a:cxnSpLocks/>
+            <a:stCxn id="62" idx="6"/>
+            <a:endCxn id="58" idx="2"/>
+          </p:cNvCxnSpPr>
+          <p:nvPr/>
+        </p:nvCxnSpPr>
+        <p:spPr>
+          <a:xfrm>
+            <a:off x="4145318" y="2024951"/>
+            <a:ext cx="553588" cy="0"/>
+          </a:xfrm>
+          <a:prstGeom prst="line">
+            <a:avLst/>
+          </a:prstGeom>
+          <a:ln>
+            <a:solidFill>
+              <a:schemeClr val="tx1"/>
+            </a:solidFill>
+          </a:ln>
+        </p:spPr>
+        <p:style>
+          <a:lnRef idx="1">
+            <a:schemeClr val="accent1"/>
+          </a:lnRef>
+          <a:fillRef idx="0">
+            <a:schemeClr val="accent1"/>
+          </a:fillRef>
+          <a:effectRef idx="0">
+            <a:schemeClr val="accent1"/>
+          </a:effectRef>
+          <a:fontRef idx="minor">
+            <a:schemeClr val="tx1"/>
+          </a:fontRef>
+        </p:style>
+      </p:cxnSp>
+      <p:cxnSp>
+        <p:nvCxnSpPr>
+          <p:cNvPr id="89" name="直線コネクタ 88">
+            <a:extLst>
+              <a:ext uri="{FF2B5EF4-FFF2-40B4-BE49-F238E27FC236}">
+                <a16:creationId xmlns:a16="http://schemas.microsoft.com/office/drawing/2014/main" id="{219E3501-C614-A6C3-7C21-28CF0F8C4DF5}"/>
+              </a:ext>
+            </a:extLst>
+          </p:cNvPr>
+          <p:cNvCxnSpPr>
+            <a:cxnSpLocks/>
+            <a:stCxn id="64" idx="6"/>
+          </p:cNvCxnSpPr>
+          <p:nvPr/>
+        </p:nvCxnSpPr>
+        <p:spPr>
+          <a:xfrm>
+            <a:off x="2925183" y="2024951"/>
+            <a:ext cx="555341" cy="1705"/>
+          </a:xfrm>
+          <a:prstGeom prst="line">
+            <a:avLst/>
+          </a:prstGeom>
+          <a:ln>
+            <a:solidFill>
+              <a:schemeClr val="tx1"/>
+            </a:solidFill>
+          </a:ln>
+        </p:spPr>
+        <p:style>
+          <a:lnRef idx="1">
+            <a:schemeClr val="accent1"/>
+          </a:lnRef>
+          <a:fillRef idx="0">
+            <a:schemeClr val="accent1"/>
+          </a:fillRef>
+          <a:effectRef idx="0">
+            <a:schemeClr val="accent1"/>
+          </a:effectRef>
+          <a:fontRef idx="minor">
+            <a:schemeClr val="tx1"/>
+          </a:fontRef>
+        </p:style>
+      </p:cxnSp>
+      <p:cxnSp>
+        <p:nvCxnSpPr>
+          <p:cNvPr id="92" name="直線コネクタ 91">
+            <a:extLst>
+              <a:ext uri="{FF2B5EF4-FFF2-40B4-BE49-F238E27FC236}">
+                <a16:creationId xmlns:a16="http://schemas.microsoft.com/office/drawing/2014/main" id="{F0188C79-281A-7EB4-B7A7-0B74E0A01B6C}"/>
+              </a:ext>
+            </a:extLst>
+          </p:cNvPr>
+          <p:cNvCxnSpPr>
+            <a:cxnSpLocks/>
+            <a:stCxn id="75" idx="6"/>
+          </p:cNvCxnSpPr>
+          <p:nvPr/>
+        </p:nvCxnSpPr>
+        <p:spPr>
+          <a:xfrm>
+            <a:off x="4143859" y="3419290"/>
+            <a:ext cx="542175" cy="5386"/>
+          </a:xfrm>
+          <a:prstGeom prst="line">
+            <a:avLst/>
+          </a:prstGeom>
+          <a:ln>
+            <a:solidFill>
+              <a:schemeClr val="tx1"/>
+            </a:solidFill>
+          </a:ln>
+        </p:spPr>
+        <p:style>
+          <a:lnRef idx="1">
+            <a:schemeClr val="accent1"/>
+          </a:lnRef>
+          <a:fillRef idx="0">
+            <a:schemeClr val="accent1"/>
+          </a:fillRef>
+          <a:effectRef idx="0">
+            <a:schemeClr val="accent1"/>
+          </a:effectRef>
+          <a:fontRef idx="minor">
+            <a:schemeClr val="tx1"/>
+          </a:fontRef>
+        </p:style>
+      </p:cxnSp>
+      <p:cxnSp>
+        <p:nvCxnSpPr>
+          <p:cNvPr id="94" name="直線コネクタ 93">
+            <a:extLst>
+              <a:ext uri="{FF2B5EF4-FFF2-40B4-BE49-F238E27FC236}">
+                <a16:creationId xmlns:a16="http://schemas.microsoft.com/office/drawing/2014/main" id="{2A3434F9-101A-C370-87D9-B8A615A1B98C}"/>
+              </a:ext>
+            </a:extLst>
+          </p:cNvPr>
+          <p:cNvCxnSpPr>
+            <a:cxnSpLocks/>
+            <a:stCxn id="78" idx="6"/>
+            <a:endCxn id="75" idx="2"/>
+          </p:cNvCxnSpPr>
+          <p:nvPr/>
+        </p:nvCxnSpPr>
+        <p:spPr>
+          <a:xfrm>
+            <a:off x="2922934" y="3419290"/>
+            <a:ext cx="551152" cy="0"/>
+          </a:xfrm>
+          <a:prstGeom prst="line">
+            <a:avLst/>
+          </a:prstGeom>
+          <a:ln>
+            <a:solidFill>
+              <a:schemeClr val="tx1"/>
+            </a:solidFill>
+          </a:ln>
+        </p:spPr>
+        <p:style>
+          <a:lnRef idx="1">
+            <a:schemeClr val="accent1"/>
+          </a:lnRef>
+          <a:fillRef idx="0">
+            <a:schemeClr val="accent1"/>
+          </a:fillRef>
+          <a:effectRef idx="0">
+            <a:schemeClr val="accent1"/>
+          </a:effectRef>
+          <a:fontRef idx="minor">
+            <a:schemeClr val="tx1"/>
+          </a:fontRef>
+        </p:style>
+      </p:cxnSp>
+      <p:cxnSp>
+        <p:nvCxnSpPr>
+          <p:cNvPr id="101" name="直線コネクタ 100">
+            <a:extLst>
+              <a:ext uri="{FF2B5EF4-FFF2-40B4-BE49-F238E27FC236}">
+                <a16:creationId xmlns:a16="http://schemas.microsoft.com/office/drawing/2014/main" id="{662F5556-2EA0-97A9-8869-4603EFD5B92B}"/>
+              </a:ext>
+            </a:extLst>
+          </p:cNvPr>
+          <p:cNvCxnSpPr>
+            <a:cxnSpLocks/>
+            <a:stCxn id="44" idx="6"/>
+            <a:endCxn id="41" idx="2"/>
+          </p:cNvCxnSpPr>
+          <p:nvPr/>
+        </p:nvCxnSpPr>
+        <p:spPr>
+          <a:xfrm>
+            <a:off x="4178787" y="4756581"/>
+            <a:ext cx="566910" cy="0"/>
+          </a:xfrm>
+          <a:prstGeom prst="line">
+            <a:avLst/>
+          </a:prstGeom>
+          <a:ln>
+            <a:solidFill>
+              <a:schemeClr val="tx1"/>
+            </a:solidFill>
+          </a:ln>
+        </p:spPr>
+        <p:style>
+          <a:lnRef idx="1">
+            <a:schemeClr val="accent1"/>
+          </a:lnRef>
+          <a:fillRef idx="0">
+            <a:schemeClr val="accent1"/>
+          </a:fillRef>
+          <a:effectRef idx="0">
+            <a:schemeClr val="accent1"/>
+          </a:effectRef>
+          <a:fontRef idx="minor">
+            <a:schemeClr val="tx1"/>
+          </a:fontRef>
+        </p:style>
+      </p:cxnSp>
+      <p:cxnSp>
+        <p:nvCxnSpPr>
+          <p:cNvPr id="103" name="直線コネクタ 102">
+            <a:extLst>
+              <a:ext uri="{FF2B5EF4-FFF2-40B4-BE49-F238E27FC236}">
+                <a16:creationId xmlns:a16="http://schemas.microsoft.com/office/drawing/2014/main" id="{69C44B0D-BF3C-6EB1-41C9-F231BD414390}"/>
+              </a:ext>
+            </a:extLst>
+          </p:cNvPr>
+          <p:cNvCxnSpPr>
+            <a:cxnSpLocks/>
+            <a:stCxn id="47" idx="6"/>
+            <a:endCxn id="44" idx="2"/>
+          </p:cNvCxnSpPr>
+          <p:nvPr/>
+        </p:nvCxnSpPr>
+        <p:spPr>
+          <a:xfrm>
+            <a:off x="2958974" y="4756581"/>
+            <a:ext cx="557907" cy="0"/>
+          </a:xfrm>
+          <a:prstGeom prst="line">
+            <a:avLst/>
+          </a:prstGeom>
+          <a:ln>
+            <a:solidFill>
+              <a:schemeClr val="tx1"/>
+            </a:solidFill>
+          </a:ln>
+        </p:spPr>
+        <p:style>
+          <a:lnRef idx="1">
+            <a:schemeClr val="accent1"/>
+          </a:lnRef>
+          <a:fillRef idx="0">
+            <a:schemeClr val="accent1"/>
+          </a:fillRef>
+          <a:effectRef idx="0">
+            <a:schemeClr val="accent1"/>
+          </a:effectRef>
+          <a:fontRef idx="minor">
+            <a:schemeClr val="tx1"/>
+          </a:fontRef>
+        </p:style>
+      </p:cxnSp>
+      <p:cxnSp>
+        <p:nvCxnSpPr>
+          <p:cNvPr id="3" name="直線コネクタ 2">
+            <a:extLst>
+              <a:ext uri="{FF2B5EF4-FFF2-40B4-BE49-F238E27FC236}">
+                <a16:creationId xmlns:a16="http://schemas.microsoft.com/office/drawing/2014/main" id="{77AFF6F8-9CA7-9910-00AE-6EAC8F2AB456}"/>
+              </a:ext>
+            </a:extLst>
+          </p:cNvPr>
+          <p:cNvCxnSpPr>
+            <a:cxnSpLocks/>
+            <a:stCxn id="69" idx="6"/>
+            <a:endCxn id="64" idx="2"/>
+          </p:cNvCxnSpPr>
+          <p:nvPr/>
+        </p:nvCxnSpPr>
+        <p:spPr>
+          <a:xfrm>
+            <a:off x="1698928" y="2024951"/>
+            <a:ext cx="556482" cy="0"/>
+          </a:xfrm>
+          <a:prstGeom prst="line">
+            <a:avLst/>
+          </a:prstGeom>
+          <a:ln>
+            <a:solidFill>
+              <a:schemeClr val="tx1"/>
+            </a:solidFill>
+          </a:ln>
+        </p:spPr>
+        <p:style>
+          <a:lnRef idx="1">
+            <a:schemeClr val="accent1"/>
+          </a:lnRef>
+          <a:fillRef idx="0">
+            <a:schemeClr val="accent1"/>
+          </a:fillRef>
+          <a:effectRef idx="0">
+            <a:schemeClr val="accent1"/>
+          </a:effectRef>
+          <a:fontRef idx="minor">
+            <a:schemeClr val="tx1"/>
+          </a:fontRef>
+        </p:style>
+      </p:cxnSp>
+      <p:cxnSp>
+        <p:nvCxnSpPr>
+          <p:cNvPr id="8" name="直線コネクタ 7">
+            <a:extLst>
+              <a:ext uri="{FF2B5EF4-FFF2-40B4-BE49-F238E27FC236}">
+                <a16:creationId xmlns:a16="http://schemas.microsoft.com/office/drawing/2014/main" id="{580E5ABF-203F-5B48-A798-845CE32C6FD7}"/>
+              </a:ext>
+            </a:extLst>
+          </p:cNvPr>
+          <p:cNvCxnSpPr>
+            <a:cxnSpLocks/>
+            <a:stCxn id="41" idx="6"/>
+            <a:endCxn id="36" idx="2"/>
+          </p:cNvCxnSpPr>
+          <p:nvPr/>
+        </p:nvCxnSpPr>
+        <p:spPr>
+          <a:xfrm>
+            <a:off x="5407603" y="4756581"/>
+            <a:ext cx="518547" cy="0"/>
+          </a:xfrm>
+          <a:prstGeom prst="line">
+            <a:avLst/>
+          </a:prstGeom>
+          <a:ln>
+            <a:solidFill>
+              <a:schemeClr val="tx1"/>
+            </a:solidFill>
+          </a:ln>
+        </p:spPr>
+        <p:style>
+          <a:lnRef idx="1">
+            <a:schemeClr val="accent1"/>
+          </a:lnRef>
+          <a:fillRef idx="0">
+            <a:schemeClr val="accent1"/>
+          </a:fillRef>
+          <a:effectRef idx="0">
+            <a:schemeClr val="accent1"/>
+          </a:effectRef>
+          <a:fontRef idx="minor">
+            <a:schemeClr val="tx1"/>
+          </a:fontRef>
+        </p:style>
+      </p:cxnSp>
+      <p:sp>
+        <p:nvSpPr>
+          <p:cNvPr id="17" name="テキスト ボックス 16">
+            <a:extLst>
+              <a:ext uri="{FF2B5EF4-FFF2-40B4-BE49-F238E27FC236}">
+                <a16:creationId xmlns:a16="http://schemas.microsoft.com/office/drawing/2014/main" id="{77F8248F-EC1B-F5BD-3376-79D13122BF0D}"/>
+              </a:ext>
+            </a:extLst>
+          </p:cNvPr>
+          <p:cNvSpPr txBox="1"/>
+          <p:nvPr/>
+        </p:nvSpPr>
+        <p:spPr>
+          <a:xfrm>
+            <a:off x="1930400" y="296753"/>
+            <a:ext cx="8331200" cy="923330"/>
+          </a:xfrm>
+          <a:prstGeom prst="rect">
+            <a:avLst/>
+          </a:prstGeom>
+          <a:noFill/>
+        </p:spPr>
+        <p:txBody>
+          <a:bodyPr wrap="square" rtlCol="0">
+            <a:spAutoFit/>
+          </a:bodyPr>
+          <a:lstStyle/>
+          <a:p>
+            <a:r>
+              <a:rPr lang="en-US" altLang="ja-JP" b="0" i="0" dirty="0">
+                <a:solidFill>
+                  <a:srgbClr val="212121"/>
+                </a:solidFill>
+                <a:effectLst/>
+                <a:latin typeface="Courier New" panose="02070309020205020404" pitchFamily="49" charset="0"/>
+              </a:rPr>
+              <a:t>High mannose</a:t>
+            </a:r>
+          </a:p>
+          <a:p>
+            <a:r>
+              <a:rPr lang="en-US" altLang="ja-JP" b="0" i="0" dirty="0">
+                <a:solidFill>
+                  <a:srgbClr val="212121"/>
+                </a:solidFill>
+                <a:effectLst/>
+                <a:latin typeface="Courier New" panose="02070309020205020404" pitchFamily="49" charset="0"/>
+              </a:rPr>
+              <a:t>The probability that all labels are outputted along the most likely state transition: -11.704494208726313</a:t>
+            </a:r>
+            <a:r>
+              <a:rPr lang="ja-JP" altLang="en-US" b="0" i="0" dirty="0">
+                <a:solidFill>
+                  <a:srgbClr val="212121"/>
+                </a:solidFill>
+                <a:effectLst/>
+                <a:latin typeface="Courier New" panose="02070309020205020404" pitchFamily="49" charset="0"/>
+              </a:rPr>
+              <a:t>（対数表示）</a:t>
+            </a:r>
+            <a:endParaRPr kumimoji="1" lang="ja-JP" altLang="en-US" dirty="0"/>
+          </a:p>
+        </p:txBody>
+      </p:sp>
+      <p:pic>
+        <p:nvPicPr>
+          <p:cNvPr id="1026" name="Picture 2">
+            <a:extLst>
+              <a:ext uri="{FF2B5EF4-FFF2-40B4-BE49-F238E27FC236}">
+                <a16:creationId xmlns:a16="http://schemas.microsoft.com/office/drawing/2014/main" id="{DA98605D-938E-2862-AD24-EF2570C1E252}"/>
+              </a:ext>
+            </a:extLst>
+          </p:cNvPr>
+          <p:cNvPicPr>
+            <a:picLocks noChangeAspect="1" noChangeArrowheads="1"/>
+          </p:cNvPicPr>
+          <p:nvPr/>
+        </p:nvPicPr>
+        <p:blipFill>
+          <a:blip r:embed="rId2">
+            <a:extLst>
+              <a:ext uri="{28A0092B-C50C-407E-A947-70E740481C1C}">
+                <a14:useLocalDpi xmlns:a14="http://schemas.microsoft.com/office/drawing/2010/main" val="0"/>
+              </a:ext>
+            </a:extLst>
+          </a:blip>
+          <a:srcRect/>
+          <a:stretch>
+            <a:fillRect/>
+          </a:stretch>
+        </p:blipFill>
+        <p:spPr bwMode="auto">
+          <a:xfrm>
+            <a:off x="6971112" y="4539198"/>
+            <a:ext cx="4147083" cy="1840492"/>
+          </a:xfrm>
+          <a:prstGeom prst="rect">
+            <a:avLst/>
+          </a:prstGeom>
+          <a:noFill/>
+          <a:extLst>
+            <a:ext uri="{909E8E84-426E-40DD-AFC4-6F175D3DCCD1}">
+              <a14:hiddenFill xmlns:a14="http://schemas.microsoft.com/office/drawing/2010/main">
+                <a:solidFill>
+                  <a:srgbClr val="FFFFFF"/>
+                </a:solidFill>
+              </a14:hiddenFill>
+            </a:ext>
+          </a:extLst>
+        </p:spPr>
+      </p:pic>
+      <p:sp>
+        <p:nvSpPr>
+          <p:cNvPr id="9" name="テキスト ボックス 8">
+            <a:extLst>
+              <a:ext uri="{FF2B5EF4-FFF2-40B4-BE49-F238E27FC236}">
+                <a16:creationId xmlns:a16="http://schemas.microsoft.com/office/drawing/2014/main" id="{6C1493F6-39E2-FE09-6421-EF8A271869AC}"/>
+              </a:ext>
+            </a:extLst>
+          </p:cNvPr>
+          <p:cNvSpPr txBox="1"/>
+          <p:nvPr/>
+        </p:nvSpPr>
+        <p:spPr>
+          <a:xfrm>
+            <a:off x="8874825" y="6192890"/>
+            <a:ext cx="974889" cy="369332"/>
+          </a:xfrm>
+          <a:prstGeom prst="rect">
+            <a:avLst/>
+          </a:prstGeom>
+          <a:noFill/>
+        </p:spPr>
+        <p:txBody>
+          <a:bodyPr wrap="square">
+            <a:spAutoFit/>
+          </a:bodyPr>
+          <a:lstStyle/>
+          <a:p>
+            <a:pPr algn="l"/>
+            <a:r>
+              <a:rPr lang="en-US" altLang="ja-JP" b="1" i="0" dirty="0">
+                <a:solidFill>
+                  <a:srgbClr val="000000"/>
+                </a:solidFill>
+                <a:effectLst/>
+                <a:latin typeface="arial" panose="020B0604020202020204" pitchFamily="34" charset="0"/>
+              </a:rPr>
+              <a:t>SNFG</a:t>
+            </a:r>
+          </a:p>
+        </p:txBody>
+      </p:sp>
+      <p:sp>
+        <p:nvSpPr>
+          <p:cNvPr id="28" name="楕円 27">
+            <a:extLst>
+              <a:ext uri="{FF2B5EF4-FFF2-40B4-BE49-F238E27FC236}">
+                <a16:creationId xmlns:a16="http://schemas.microsoft.com/office/drawing/2014/main" id="{8F6AE66A-1137-F4D8-41F0-CCD3DB1A5A0B}"/>
+              </a:ext>
+            </a:extLst>
+          </p:cNvPr>
+          <p:cNvSpPr/>
+          <p:nvPr/>
+        </p:nvSpPr>
+        <p:spPr>
+          <a:xfrm>
+            <a:off x="7127244" y="3384213"/>
+            <a:ext cx="661906" cy="646330"/>
+          </a:xfrm>
+          <a:prstGeom prst="ellipse">
+            <a:avLst/>
+          </a:prstGeom>
+          <a:solidFill>
+            <a:srgbClr val="00B050"/>
+          </a:solidFill>
+          <a:ln>
+            <a:solidFill>
+              <a:schemeClr val="tx1"/>
+            </a:solidFill>
+          </a:ln>
+        </p:spPr>
+        <p:style>
+          <a:lnRef idx="2">
+            <a:schemeClr val="accent1">
+              <a:shade val="50000"/>
+            </a:schemeClr>
+          </a:lnRef>
+          <a:fillRef idx="1">
+            <a:schemeClr val="accent1"/>
+          </a:fillRef>
+          <a:effectRef idx="0">
+            <a:schemeClr val="accent1"/>
+          </a:effectRef>
+          <a:fontRef idx="minor">
+            <a:schemeClr val="lt1"/>
+          </a:fontRef>
+        </p:style>
+        <p:txBody>
+          <a:bodyPr rtlCol="0" anchor="ctr"/>
+          <a:lstStyle/>
+          <a:p>
+            <a:pPr algn="ctr"/>
+            <a:r>
+              <a:rPr lang="en-US" altLang="ja-JP" b="1" dirty="0">
+                <a:solidFill>
+                  <a:schemeClr val="tx1"/>
+                </a:solidFill>
+              </a:rPr>
+              <a:t>mb4</a:t>
+            </a:r>
+            <a:endParaRPr kumimoji="1" lang="ja-JP" altLang="en-US" b="1" dirty="0">
+              <a:solidFill>
+                <a:schemeClr val="tx1"/>
+              </a:solidFill>
+            </a:endParaRPr>
+          </a:p>
+        </p:txBody>
+      </p:sp>
+      <p:sp>
+        <p:nvSpPr>
+          <p:cNvPr id="36" name="楕円 35">
+            <a:extLst>
+              <a:ext uri="{FF2B5EF4-FFF2-40B4-BE49-F238E27FC236}">
+                <a16:creationId xmlns:a16="http://schemas.microsoft.com/office/drawing/2014/main" id="{F7921F41-386F-A194-B777-0D3AB36A6177}"/>
+              </a:ext>
+            </a:extLst>
+          </p:cNvPr>
+          <p:cNvSpPr/>
+          <p:nvPr/>
+        </p:nvSpPr>
+        <p:spPr>
+          <a:xfrm>
+            <a:off x="5926150" y="4433416"/>
+            <a:ext cx="669773" cy="646330"/>
+          </a:xfrm>
+          <a:prstGeom prst="ellipse">
+            <a:avLst/>
+          </a:prstGeom>
+          <a:solidFill>
+            <a:schemeClr val="accent5"/>
+          </a:solidFill>
+          <a:ln>
+            <a:solidFill>
+              <a:schemeClr val="tx1"/>
+            </a:solidFill>
+          </a:ln>
+        </p:spPr>
+        <p:style>
+          <a:lnRef idx="2">
+            <a:schemeClr val="accent1">
+              <a:shade val="50000"/>
+            </a:schemeClr>
+          </a:lnRef>
+          <a:fillRef idx="1">
+            <a:schemeClr val="accent1"/>
+          </a:fillRef>
+          <a:effectRef idx="0">
+            <a:schemeClr val="accent1"/>
+          </a:effectRef>
+          <a:fontRef idx="minor">
+            <a:schemeClr val="lt1"/>
+          </a:fontRef>
+        </p:style>
+        <p:txBody>
+          <a:bodyPr rtlCol="0" anchor="ctr"/>
+          <a:lstStyle/>
+          <a:p>
+            <a:pPr algn="ctr"/>
+            <a:r>
+              <a:rPr lang="en-US" altLang="ja-JP" b="1" dirty="0">
+                <a:solidFill>
+                  <a:schemeClr val="tx1"/>
+                </a:solidFill>
+              </a:rPr>
+              <a:t>ma3</a:t>
+            </a:r>
+          </a:p>
+        </p:txBody>
+      </p:sp>
+      <p:sp>
+        <p:nvSpPr>
+          <p:cNvPr id="41" name="楕円 40">
+            <a:extLst>
+              <a:ext uri="{FF2B5EF4-FFF2-40B4-BE49-F238E27FC236}">
+                <a16:creationId xmlns:a16="http://schemas.microsoft.com/office/drawing/2014/main" id="{15904443-21F0-6D9F-423A-96759786D309}"/>
+              </a:ext>
+            </a:extLst>
+          </p:cNvPr>
+          <p:cNvSpPr/>
+          <p:nvPr/>
+        </p:nvSpPr>
+        <p:spPr>
+          <a:xfrm>
+            <a:off x="4745697" y="4433416"/>
+            <a:ext cx="661906" cy="646330"/>
+          </a:xfrm>
+          <a:prstGeom prst="ellipse">
+            <a:avLst/>
+          </a:prstGeom>
+          <a:solidFill>
+            <a:schemeClr val="accent2"/>
+          </a:solidFill>
+          <a:ln>
+            <a:solidFill>
+              <a:schemeClr val="tx1"/>
+            </a:solidFill>
+          </a:ln>
+        </p:spPr>
+        <p:style>
+          <a:lnRef idx="2">
+            <a:schemeClr val="accent1">
+              <a:shade val="50000"/>
+            </a:schemeClr>
+          </a:lnRef>
+          <a:fillRef idx="1">
+            <a:schemeClr val="accent1"/>
+          </a:fillRef>
+          <a:effectRef idx="0">
+            <a:schemeClr val="accent1"/>
+          </a:effectRef>
+          <a:fontRef idx="minor">
+            <a:schemeClr val="lt1"/>
+          </a:fontRef>
+        </p:style>
+        <p:txBody>
+          <a:bodyPr rtlCol="0" anchor="ctr"/>
+          <a:lstStyle/>
+          <a:p>
+            <a:pPr algn="ctr"/>
+            <a:r>
+              <a:rPr lang="en-US" altLang="ja-JP" b="1" dirty="0">
+                <a:solidFill>
+                  <a:schemeClr val="tx1"/>
+                </a:solidFill>
+              </a:rPr>
+              <a:t>ma2</a:t>
+            </a:r>
+            <a:endParaRPr kumimoji="1" lang="ja-JP" altLang="en-US" b="1" dirty="0">
+              <a:solidFill>
+                <a:schemeClr val="tx1"/>
+              </a:solidFill>
+            </a:endParaRPr>
+          </a:p>
+        </p:txBody>
+      </p:sp>
+      <p:sp>
+        <p:nvSpPr>
+          <p:cNvPr id="44" name="楕円 43">
+            <a:extLst>
+              <a:ext uri="{FF2B5EF4-FFF2-40B4-BE49-F238E27FC236}">
+                <a16:creationId xmlns:a16="http://schemas.microsoft.com/office/drawing/2014/main" id="{EF9EB1DB-E33B-378F-A089-B957857D60FE}"/>
+              </a:ext>
+            </a:extLst>
+          </p:cNvPr>
+          <p:cNvSpPr/>
+          <p:nvPr/>
+        </p:nvSpPr>
+        <p:spPr>
+          <a:xfrm>
+            <a:off x="3516881" y="4433416"/>
+            <a:ext cx="661906" cy="646330"/>
+          </a:xfrm>
+          <a:prstGeom prst="ellipse">
+            <a:avLst/>
+          </a:prstGeom>
+          <a:solidFill>
+            <a:schemeClr val="accent2"/>
+          </a:solidFill>
+          <a:ln>
+            <a:solidFill>
+              <a:schemeClr val="tx1"/>
+            </a:solidFill>
+          </a:ln>
+        </p:spPr>
+        <p:style>
+          <a:lnRef idx="2">
+            <a:schemeClr val="accent1">
+              <a:shade val="50000"/>
+            </a:schemeClr>
+          </a:lnRef>
+          <a:fillRef idx="1">
+            <a:schemeClr val="accent1"/>
+          </a:fillRef>
+          <a:effectRef idx="0">
+            <a:schemeClr val="accent1"/>
+          </a:effectRef>
+          <a:fontRef idx="minor">
+            <a:schemeClr val="lt1"/>
+          </a:fontRef>
+        </p:style>
+        <p:txBody>
+          <a:bodyPr rtlCol="0" anchor="ctr"/>
+          <a:lstStyle/>
+          <a:p>
+            <a:pPr algn="ctr"/>
+            <a:r>
+              <a:rPr lang="en-US" altLang="ja-JP" b="1" dirty="0">
+                <a:solidFill>
+                  <a:schemeClr val="tx1"/>
+                </a:solidFill>
+              </a:rPr>
+              <a:t>ma2</a:t>
+            </a:r>
+            <a:endParaRPr kumimoji="1" lang="ja-JP" altLang="en-US" b="1" dirty="0">
+              <a:solidFill>
+                <a:schemeClr val="tx1"/>
+              </a:solidFill>
+            </a:endParaRPr>
+          </a:p>
+        </p:txBody>
+      </p:sp>
+      <p:sp>
+        <p:nvSpPr>
+          <p:cNvPr id="47" name="楕円 46">
+            <a:extLst>
+              <a:ext uri="{FF2B5EF4-FFF2-40B4-BE49-F238E27FC236}">
+                <a16:creationId xmlns:a16="http://schemas.microsoft.com/office/drawing/2014/main" id="{A68D361E-A77B-783E-4F73-CE2DD0C8B9A4}"/>
+              </a:ext>
+            </a:extLst>
+          </p:cNvPr>
+          <p:cNvSpPr/>
+          <p:nvPr/>
+        </p:nvSpPr>
+        <p:spPr>
+          <a:xfrm>
+            <a:off x="2297068" y="4433416"/>
+            <a:ext cx="661906" cy="646330"/>
+          </a:xfrm>
+          <a:prstGeom prst="ellipse">
+            <a:avLst/>
+          </a:prstGeom>
+          <a:solidFill>
+            <a:schemeClr val="accent2"/>
+          </a:solidFill>
+          <a:ln>
+            <a:solidFill>
+              <a:schemeClr val="tx1"/>
+            </a:solidFill>
+          </a:ln>
+        </p:spPr>
+        <p:style>
+          <a:lnRef idx="2">
+            <a:schemeClr val="accent1">
+              <a:shade val="50000"/>
+            </a:schemeClr>
+          </a:lnRef>
+          <a:fillRef idx="1">
+            <a:schemeClr val="accent1"/>
+          </a:fillRef>
+          <a:effectRef idx="0">
+            <a:schemeClr val="accent1"/>
+          </a:effectRef>
+          <a:fontRef idx="minor">
+            <a:schemeClr val="lt1"/>
+          </a:fontRef>
+        </p:style>
+        <p:txBody>
+          <a:bodyPr rtlCol="0" anchor="ctr"/>
+          <a:lstStyle/>
+          <a:p>
+            <a:pPr algn="ctr"/>
+            <a:r>
+              <a:rPr lang="en-US" altLang="ja-JP" b="1" dirty="0">
+                <a:solidFill>
+                  <a:schemeClr val="tx1"/>
+                </a:solidFill>
+              </a:rPr>
+              <a:t>ma2</a:t>
+            </a:r>
+            <a:endParaRPr kumimoji="1" lang="ja-JP" altLang="en-US" b="1" dirty="0">
+              <a:solidFill>
+                <a:schemeClr val="tx1"/>
+              </a:solidFill>
+            </a:endParaRPr>
+          </a:p>
+        </p:txBody>
+      </p:sp>
+      <p:sp>
+        <p:nvSpPr>
+          <p:cNvPr id="50" name="楕円 49">
+            <a:extLst>
+              <a:ext uri="{FF2B5EF4-FFF2-40B4-BE49-F238E27FC236}">
+                <a16:creationId xmlns:a16="http://schemas.microsoft.com/office/drawing/2014/main" id="{B086405C-D7CE-C5AA-FF90-701DE10D363B}"/>
+              </a:ext>
+            </a:extLst>
+          </p:cNvPr>
+          <p:cNvSpPr/>
+          <p:nvPr/>
+        </p:nvSpPr>
+        <p:spPr>
+          <a:xfrm>
+            <a:off x="5925161" y="2227310"/>
+            <a:ext cx="669773" cy="646330"/>
+          </a:xfrm>
+          <a:prstGeom prst="ellipse">
+            <a:avLst/>
+          </a:prstGeom>
+          <a:solidFill>
+            <a:srgbClr val="FF0000"/>
+          </a:solidFill>
+          <a:ln>
+            <a:solidFill>
+              <a:schemeClr val="tx1"/>
+            </a:solidFill>
+          </a:ln>
+        </p:spPr>
+        <p:style>
+          <a:lnRef idx="2">
+            <a:schemeClr val="accent1">
+              <a:shade val="50000"/>
+            </a:schemeClr>
+          </a:lnRef>
+          <a:fillRef idx="1">
+            <a:schemeClr val="accent1"/>
+          </a:fillRef>
+          <a:effectRef idx="0">
+            <a:schemeClr val="accent1"/>
+          </a:effectRef>
+          <a:fontRef idx="minor">
+            <a:schemeClr val="lt1"/>
+          </a:fontRef>
+        </p:style>
+        <p:txBody>
+          <a:bodyPr rtlCol="0" anchor="ctr"/>
+          <a:lstStyle/>
+          <a:p>
+            <a:pPr algn="ctr"/>
+            <a:r>
+              <a:rPr lang="en-US" altLang="ja-JP" b="1" dirty="0">
+                <a:solidFill>
+                  <a:schemeClr val="tx1"/>
+                </a:solidFill>
+              </a:rPr>
+              <a:t>ma6</a:t>
+            </a:r>
+            <a:endParaRPr kumimoji="1" lang="ja-JP" altLang="en-US" b="1" dirty="0">
+              <a:solidFill>
+                <a:schemeClr val="tx1"/>
+              </a:solidFill>
+            </a:endParaRPr>
+          </a:p>
+        </p:txBody>
+      </p:sp>
+      <p:sp>
+        <p:nvSpPr>
+          <p:cNvPr id="58" name="楕円 57">
+            <a:extLst>
+              <a:ext uri="{FF2B5EF4-FFF2-40B4-BE49-F238E27FC236}">
+                <a16:creationId xmlns:a16="http://schemas.microsoft.com/office/drawing/2014/main" id="{887D2F27-4B94-49C4-15EF-11D62797B4B9}"/>
+              </a:ext>
+            </a:extLst>
+          </p:cNvPr>
+          <p:cNvSpPr/>
+          <p:nvPr/>
+        </p:nvSpPr>
+        <p:spPr>
+          <a:xfrm>
+            <a:off x="4698906" y="1701786"/>
+            <a:ext cx="669773" cy="646330"/>
+          </a:xfrm>
+          <a:prstGeom prst="ellipse">
+            <a:avLst/>
+          </a:prstGeom>
+          <a:solidFill>
+            <a:srgbClr val="FF0000"/>
+          </a:solidFill>
+          <a:ln>
+            <a:solidFill>
+              <a:schemeClr val="tx1"/>
+            </a:solidFill>
+          </a:ln>
+        </p:spPr>
+        <p:style>
+          <a:lnRef idx="2">
+            <a:schemeClr val="accent1">
+              <a:shade val="50000"/>
+            </a:schemeClr>
+          </a:lnRef>
+          <a:fillRef idx="1">
+            <a:schemeClr val="accent1"/>
+          </a:fillRef>
+          <a:effectRef idx="0">
+            <a:schemeClr val="accent1"/>
+          </a:effectRef>
+          <a:fontRef idx="minor">
+            <a:schemeClr val="lt1"/>
+          </a:fontRef>
+        </p:style>
+        <p:txBody>
+          <a:bodyPr rtlCol="0" anchor="ctr"/>
+          <a:lstStyle/>
+          <a:p>
+            <a:pPr algn="ctr"/>
+            <a:r>
+              <a:rPr kumimoji="1" lang="en-US" altLang="ja-JP" b="1" dirty="0">
+                <a:solidFill>
+                  <a:schemeClr val="tx1"/>
+                </a:solidFill>
+              </a:rPr>
+              <a:t>m’a6</a:t>
+            </a:r>
+            <a:endParaRPr kumimoji="1" lang="ja-JP" altLang="en-US" b="1" dirty="0">
+              <a:solidFill>
+                <a:schemeClr val="tx1"/>
+              </a:solidFill>
+            </a:endParaRPr>
+          </a:p>
+        </p:txBody>
+      </p:sp>
+      <p:sp>
+        <p:nvSpPr>
+          <p:cNvPr id="62" name="楕円 61">
+            <a:extLst>
+              <a:ext uri="{FF2B5EF4-FFF2-40B4-BE49-F238E27FC236}">
+                <a16:creationId xmlns:a16="http://schemas.microsoft.com/office/drawing/2014/main" id="{DBB22A8C-4A15-E0C2-5655-2DA08609F36B}"/>
+              </a:ext>
+            </a:extLst>
+          </p:cNvPr>
+          <p:cNvSpPr/>
+          <p:nvPr/>
+        </p:nvSpPr>
+        <p:spPr>
+          <a:xfrm>
+            <a:off x="3475545" y="1701786"/>
+            <a:ext cx="669773" cy="646330"/>
+          </a:xfrm>
+          <a:prstGeom prst="ellipse">
+            <a:avLst/>
+          </a:prstGeom>
+          <a:solidFill>
+            <a:schemeClr val="accent2"/>
+          </a:solidFill>
+          <a:ln>
+            <a:solidFill>
+              <a:schemeClr val="tx1"/>
+            </a:solidFill>
+          </a:ln>
+        </p:spPr>
+        <p:style>
+          <a:lnRef idx="2">
+            <a:schemeClr val="accent1">
+              <a:shade val="50000"/>
+            </a:schemeClr>
+          </a:lnRef>
+          <a:fillRef idx="1">
+            <a:schemeClr val="accent1"/>
+          </a:fillRef>
+          <a:effectRef idx="0">
+            <a:schemeClr val="accent1"/>
+          </a:effectRef>
+          <a:fontRef idx="minor">
+            <a:schemeClr val="lt1"/>
+          </a:fontRef>
+        </p:style>
+        <p:txBody>
+          <a:bodyPr rtlCol="0" anchor="ctr"/>
+          <a:lstStyle/>
+          <a:p>
+            <a:pPr algn="ctr"/>
+            <a:r>
+              <a:rPr lang="en-US" altLang="ja-JP" b="1" dirty="0">
+                <a:solidFill>
+                  <a:schemeClr val="tx1"/>
+                </a:solidFill>
+              </a:rPr>
+              <a:t>ma2</a:t>
+            </a:r>
+            <a:endParaRPr kumimoji="1" lang="ja-JP" altLang="en-US" b="1" dirty="0">
+              <a:solidFill>
+                <a:schemeClr val="tx1"/>
+              </a:solidFill>
+            </a:endParaRPr>
+          </a:p>
+        </p:txBody>
+      </p:sp>
+      <p:sp>
+        <p:nvSpPr>
+          <p:cNvPr id="64" name="楕円 63">
+            <a:extLst>
+              <a:ext uri="{FF2B5EF4-FFF2-40B4-BE49-F238E27FC236}">
+                <a16:creationId xmlns:a16="http://schemas.microsoft.com/office/drawing/2014/main" id="{0EF9880D-DB1B-D84C-FE92-02417BFFAE0C}"/>
+              </a:ext>
+            </a:extLst>
+          </p:cNvPr>
+          <p:cNvSpPr/>
+          <p:nvPr/>
+        </p:nvSpPr>
+        <p:spPr>
+          <a:xfrm>
+            <a:off x="2255410" y="1701786"/>
+            <a:ext cx="669773" cy="646330"/>
+          </a:xfrm>
+          <a:prstGeom prst="ellipse">
+            <a:avLst/>
+          </a:prstGeom>
+          <a:solidFill>
+            <a:schemeClr val="accent2"/>
+          </a:solidFill>
+          <a:ln>
+            <a:solidFill>
+              <a:schemeClr val="tx1"/>
+            </a:solidFill>
+          </a:ln>
+        </p:spPr>
+        <p:style>
+          <a:lnRef idx="2">
+            <a:schemeClr val="accent1">
+              <a:shade val="50000"/>
+            </a:schemeClr>
+          </a:lnRef>
+          <a:fillRef idx="1">
+            <a:schemeClr val="accent1"/>
+          </a:fillRef>
+          <a:effectRef idx="0">
+            <a:schemeClr val="accent1"/>
+          </a:effectRef>
+          <a:fontRef idx="minor">
+            <a:schemeClr val="lt1"/>
+          </a:fontRef>
+        </p:style>
+        <p:txBody>
+          <a:bodyPr rtlCol="0" anchor="ctr"/>
+          <a:lstStyle/>
+          <a:p>
+            <a:pPr algn="ctr"/>
+            <a:r>
+              <a:rPr lang="en-US" altLang="ja-JP" b="1" dirty="0">
+                <a:solidFill>
+                  <a:schemeClr val="tx1"/>
+                </a:solidFill>
+              </a:rPr>
+              <a:t>ma2</a:t>
+            </a:r>
+            <a:endParaRPr kumimoji="1" lang="ja-JP" altLang="en-US" b="1" dirty="0">
+              <a:solidFill>
+                <a:schemeClr val="tx1"/>
+              </a:solidFill>
+            </a:endParaRPr>
+          </a:p>
+        </p:txBody>
+      </p:sp>
+      <p:sp>
+        <p:nvSpPr>
+          <p:cNvPr id="69" name="楕円 68">
+            <a:extLst>
+              <a:ext uri="{FF2B5EF4-FFF2-40B4-BE49-F238E27FC236}">
+                <a16:creationId xmlns:a16="http://schemas.microsoft.com/office/drawing/2014/main" id="{7691BD2E-6D40-177A-1175-D5BCC2C4AAA9}"/>
+              </a:ext>
+            </a:extLst>
+          </p:cNvPr>
+          <p:cNvSpPr/>
+          <p:nvPr/>
+        </p:nvSpPr>
+        <p:spPr>
+          <a:xfrm>
+            <a:off x="1029155" y="1701786"/>
+            <a:ext cx="669773" cy="646330"/>
+          </a:xfrm>
+          <a:prstGeom prst="ellipse">
+            <a:avLst/>
+          </a:prstGeom>
+          <a:solidFill>
+            <a:schemeClr val="accent2"/>
+          </a:solidFill>
+          <a:ln>
+            <a:solidFill>
+              <a:schemeClr val="tx1"/>
+            </a:solidFill>
+          </a:ln>
+        </p:spPr>
+        <p:style>
+          <a:lnRef idx="2">
+            <a:schemeClr val="accent1">
+              <a:shade val="50000"/>
+            </a:schemeClr>
+          </a:lnRef>
+          <a:fillRef idx="1">
+            <a:schemeClr val="accent1"/>
+          </a:fillRef>
+          <a:effectRef idx="0">
+            <a:schemeClr val="accent1"/>
+          </a:effectRef>
+          <a:fontRef idx="minor">
+            <a:schemeClr val="lt1"/>
+          </a:fontRef>
+        </p:style>
+        <p:txBody>
+          <a:bodyPr rtlCol="0" anchor="ctr"/>
+          <a:lstStyle/>
+          <a:p>
+            <a:pPr algn="ctr"/>
+            <a:r>
+              <a:rPr lang="en-US" altLang="ja-JP" b="1">
+                <a:solidFill>
+                  <a:schemeClr val="tx1"/>
+                </a:solidFill>
+              </a:rPr>
+              <a:t>ma2</a:t>
+            </a:r>
+            <a:endParaRPr kumimoji="1" lang="ja-JP" altLang="en-US" b="1" dirty="0">
+              <a:solidFill>
+                <a:schemeClr val="tx1"/>
+              </a:solidFill>
+            </a:endParaRPr>
+          </a:p>
+        </p:txBody>
+      </p:sp>
+      <p:sp>
+        <p:nvSpPr>
+          <p:cNvPr id="71" name="楕円 70">
+            <a:extLst>
+              <a:ext uri="{FF2B5EF4-FFF2-40B4-BE49-F238E27FC236}">
+                <a16:creationId xmlns:a16="http://schemas.microsoft.com/office/drawing/2014/main" id="{932F4425-5335-ACE0-940D-30562ACCD9C0}"/>
+              </a:ext>
+            </a:extLst>
+          </p:cNvPr>
+          <p:cNvSpPr/>
+          <p:nvPr/>
+        </p:nvSpPr>
+        <p:spPr>
+          <a:xfrm>
+            <a:off x="4698905" y="3085166"/>
+            <a:ext cx="669773" cy="646330"/>
+          </a:xfrm>
+          <a:prstGeom prst="ellipse">
+            <a:avLst/>
+          </a:prstGeom>
+          <a:solidFill>
+            <a:schemeClr val="accent5"/>
+          </a:solidFill>
+          <a:ln>
+            <a:solidFill>
+              <a:schemeClr val="tx1"/>
+            </a:solidFill>
+          </a:ln>
+        </p:spPr>
+        <p:style>
+          <a:lnRef idx="2">
+            <a:schemeClr val="accent1">
+              <a:shade val="50000"/>
+            </a:schemeClr>
+          </a:lnRef>
+          <a:fillRef idx="1">
+            <a:schemeClr val="accent1"/>
+          </a:fillRef>
+          <a:effectRef idx="0">
+            <a:schemeClr val="accent1"/>
+          </a:effectRef>
+          <a:fontRef idx="minor">
+            <a:schemeClr val="lt1"/>
+          </a:fontRef>
+        </p:style>
+        <p:txBody>
+          <a:bodyPr rtlCol="0" anchor="ctr"/>
+          <a:lstStyle/>
+          <a:p>
+            <a:pPr algn="ctr"/>
+            <a:r>
+              <a:rPr kumimoji="1" lang="en-US" altLang="ja-JP" b="1" dirty="0">
+                <a:solidFill>
+                  <a:schemeClr val="tx1"/>
+                </a:solidFill>
+              </a:rPr>
+              <a:t>ma3</a:t>
+            </a:r>
+            <a:endParaRPr kumimoji="1" lang="ja-JP" altLang="en-US" b="1" dirty="0">
+              <a:solidFill>
+                <a:schemeClr val="tx1"/>
+              </a:solidFill>
+            </a:endParaRPr>
+          </a:p>
+        </p:txBody>
+      </p:sp>
+      <p:sp>
+        <p:nvSpPr>
+          <p:cNvPr id="75" name="楕円 74">
+            <a:extLst>
+              <a:ext uri="{FF2B5EF4-FFF2-40B4-BE49-F238E27FC236}">
+                <a16:creationId xmlns:a16="http://schemas.microsoft.com/office/drawing/2014/main" id="{0F9DF357-3BFC-9E23-6E7E-82113AB591DD}"/>
+              </a:ext>
+            </a:extLst>
+          </p:cNvPr>
+          <p:cNvSpPr/>
+          <p:nvPr/>
+        </p:nvSpPr>
+        <p:spPr>
+          <a:xfrm>
+            <a:off x="3474086" y="3096125"/>
+            <a:ext cx="669773" cy="646330"/>
+          </a:xfrm>
+          <a:prstGeom prst="ellipse">
+            <a:avLst/>
+          </a:prstGeom>
+          <a:solidFill>
+            <a:schemeClr val="accent2"/>
+          </a:solidFill>
+          <a:ln>
+            <a:solidFill>
+              <a:schemeClr val="tx1"/>
+            </a:solidFill>
+          </a:ln>
+        </p:spPr>
+        <p:style>
+          <a:lnRef idx="2">
+            <a:schemeClr val="accent1">
+              <a:shade val="50000"/>
+            </a:schemeClr>
+          </a:lnRef>
+          <a:fillRef idx="1">
+            <a:schemeClr val="accent1"/>
+          </a:fillRef>
+          <a:effectRef idx="0">
+            <a:schemeClr val="accent1"/>
+          </a:effectRef>
+          <a:fontRef idx="minor">
+            <a:schemeClr val="lt1"/>
+          </a:fontRef>
+        </p:style>
+        <p:txBody>
+          <a:bodyPr rtlCol="0" anchor="ctr"/>
+          <a:lstStyle/>
+          <a:p>
+            <a:pPr algn="ctr"/>
+            <a:r>
+              <a:rPr lang="en-US" altLang="ja-JP" b="1" dirty="0">
+                <a:solidFill>
+                  <a:schemeClr val="tx1"/>
+                </a:solidFill>
+              </a:rPr>
+              <a:t>ma2</a:t>
+            </a:r>
+            <a:endParaRPr kumimoji="1" lang="ja-JP" altLang="en-US" b="1" dirty="0">
+              <a:solidFill>
+                <a:schemeClr val="tx1"/>
+              </a:solidFill>
+            </a:endParaRPr>
+          </a:p>
+        </p:txBody>
+      </p:sp>
+      <p:sp>
+        <p:nvSpPr>
+          <p:cNvPr id="78" name="楕円 77">
+            <a:extLst>
+              <a:ext uri="{FF2B5EF4-FFF2-40B4-BE49-F238E27FC236}">
+                <a16:creationId xmlns:a16="http://schemas.microsoft.com/office/drawing/2014/main" id="{3EF3B43C-EBCF-1158-4EA7-BF0ACCCA5B60}"/>
+              </a:ext>
+            </a:extLst>
+          </p:cNvPr>
+          <p:cNvSpPr/>
+          <p:nvPr/>
+        </p:nvSpPr>
+        <p:spPr>
+          <a:xfrm>
+            <a:off x="2253161" y="3096125"/>
+            <a:ext cx="669773" cy="646330"/>
+          </a:xfrm>
+          <a:prstGeom prst="ellipse">
+            <a:avLst/>
+          </a:prstGeom>
+          <a:solidFill>
+            <a:schemeClr val="accent2"/>
+          </a:solidFill>
+          <a:ln>
+            <a:solidFill>
+              <a:schemeClr val="tx1"/>
+            </a:solidFill>
+          </a:ln>
+        </p:spPr>
+        <p:style>
+          <a:lnRef idx="2">
+            <a:schemeClr val="accent1">
+              <a:shade val="50000"/>
+            </a:schemeClr>
+          </a:lnRef>
+          <a:fillRef idx="1">
+            <a:schemeClr val="accent1"/>
+          </a:fillRef>
+          <a:effectRef idx="0">
+            <a:schemeClr val="accent1"/>
+          </a:effectRef>
+          <a:fontRef idx="minor">
+            <a:schemeClr val="lt1"/>
+          </a:fontRef>
+        </p:style>
+        <p:txBody>
+          <a:bodyPr rtlCol="0" anchor="ctr"/>
+          <a:lstStyle/>
+          <a:p>
+            <a:pPr algn="ctr"/>
+            <a:r>
+              <a:rPr lang="en-US" altLang="ja-JP" b="1" dirty="0">
+                <a:solidFill>
+                  <a:schemeClr val="tx1"/>
+                </a:solidFill>
+              </a:rPr>
+              <a:t>ma2</a:t>
+            </a:r>
+            <a:endParaRPr kumimoji="1" lang="ja-JP" altLang="en-US" b="1" dirty="0">
+              <a:solidFill>
+                <a:schemeClr val="tx1"/>
+              </a:solidFill>
+            </a:endParaRPr>
+          </a:p>
+        </p:txBody>
+      </p:sp>
+      <p:sp>
+        <p:nvSpPr>
+          <p:cNvPr id="5" name="正方形/長方形 4">
+            <a:extLst>
+              <a:ext uri="{FF2B5EF4-FFF2-40B4-BE49-F238E27FC236}">
+                <a16:creationId xmlns:a16="http://schemas.microsoft.com/office/drawing/2014/main" id="{B9F66DDC-70A2-132C-29AE-024AE4249F14}"/>
+              </a:ext>
+            </a:extLst>
+          </p:cNvPr>
+          <p:cNvSpPr/>
+          <p:nvPr/>
+        </p:nvSpPr>
+        <p:spPr>
+          <a:xfrm>
+            <a:off x="9529569" y="3384213"/>
+            <a:ext cx="661906" cy="646330"/>
+          </a:xfrm>
+          <a:prstGeom prst="rect">
+            <a:avLst/>
+          </a:prstGeom>
+          <a:noFill/>
+          <a:ln>
+            <a:solidFill>
+              <a:schemeClr val="tx1"/>
+            </a:solidFill>
+          </a:ln>
+        </p:spPr>
+        <p:style>
+          <a:lnRef idx="2">
+            <a:schemeClr val="accent1">
+              <a:shade val="50000"/>
+            </a:schemeClr>
+          </a:lnRef>
+          <a:fillRef idx="1">
+            <a:schemeClr val="accent1"/>
+          </a:fillRef>
+          <a:effectRef idx="0">
+            <a:schemeClr val="accent1"/>
+          </a:effectRef>
+          <a:fontRef idx="minor">
+            <a:schemeClr val="lt1"/>
+          </a:fontRef>
+        </p:style>
+        <p:txBody>
+          <a:bodyPr rtlCol="0" anchor="ctr"/>
+          <a:lstStyle/>
+          <a:p>
+            <a:pPr algn="ctr"/>
+            <a:r>
+              <a:rPr kumimoji="1" lang="en-US" altLang="ja-JP" b="1" dirty="0">
+                <a:solidFill>
+                  <a:schemeClr val="tx1"/>
+                </a:solidFill>
+              </a:rPr>
+              <a:t>g</a:t>
+            </a:r>
+            <a:endParaRPr kumimoji="1" lang="ja-JP" altLang="en-US" b="1" dirty="0">
+              <a:solidFill>
+                <a:schemeClr val="tx1"/>
+              </a:solidFill>
+            </a:endParaRPr>
+          </a:p>
+        </p:txBody>
+      </p:sp>
+      <p:sp>
+        <p:nvSpPr>
+          <p:cNvPr id="7" name="正方形/長方形 6">
+            <a:extLst>
+              <a:ext uri="{FF2B5EF4-FFF2-40B4-BE49-F238E27FC236}">
+                <a16:creationId xmlns:a16="http://schemas.microsoft.com/office/drawing/2014/main" id="{1501A544-5675-3EC9-7830-7397234D0D0F}"/>
+              </a:ext>
+            </a:extLst>
+          </p:cNvPr>
+          <p:cNvSpPr/>
+          <p:nvPr/>
+        </p:nvSpPr>
+        <p:spPr>
+          <a:xfrm>
+            <a:off x="8348169" y="3384213"/>
+            <a:ext cx="661906" cy="646330"/>
+          </a:xfrm>
+          <a:prstGeom prst="rect">
+            <a:avLst/>
+          </a:prstGeom>
+          <a:noFill/>
+          <a:ln>
+            <a:solidFill>
+              <a:schemeClr val="tx1"/>
+            </a:solidFill>
+          </a:ln>
+        </p:spPr>
+        <p:style>
+          <a:lnRef idx="2">
+            <a:schemeClr val="accent1">
+              <a:shade val="50000"/>
+            </a:schemeClr>
+          </a:lnRef>
+          <a:fillRef idx="1">
+            <a:schemeClr val="accent1"/>
+          </a:fillRef>
+          <a:effectRef idx="0">
+            <a:schemeClr val="accent1"/>
+          </a:effectRef>
+          <a:fontRef idx="minor">
+            <a:schemeClr val="lt1"/>
+          </a:fontRef>
+        </p:style>
+        <p:txBody>
+          <a:bodyPr rtlCol="0" anchor="ctr"/>
+          <a:lstStyle/>
+          <a:p>
+            <a:pPr algn="ctr"/>
+            <a:r>
+              <a:rPr lang="en-US" altLang="ja-JP" b="1" dirty="0">
+                <a:solidFill>
+                  <a:schemeClr val="tx1"/>
+                </a:solidFill>
+              </a:rPr>
+              <a:t>g</a:t>
+            </a:r>
+          </a:p>
+          <a:p>
+            <a:pPr algn="ctr"/>
+            <a:r>
+              <a:rPr kumimoji="1" lang="en-US" altLang="ja-JP" b="1" dirty="0">
+                <a:solidFill>
+                  <a:schemeClr val="tx1"/>
+                </a:solidFill>
+              </a:rPr>
+              <a:t>b4</a:t>
+            </a:r>
+            <a:endParaRPr kumimoji="1" lang="ja-JP" altLang="en-US" b="1" dirty="0">
+              <a:solidFill>
+                <a:schemeClr val="tx1"/>
+              </a:solidFill>
+            </a:endParaRPr>
+          </a:p>
+        </p:txBody>
+      </p:sp>
+    </p:spTree>
+    <p:extLst>
+      <p:ext uri="{BB962C8B-B14F-4D97-AF65-F5344CB8AC3E}">
+        <p14:creationId xmlns:p14="http://schemas.microsoft.com/office/powerpoint/2010/main" val="1767928204"/>
+      </p:ext>
+    </p:extLst>
+  </p:cSld>
+  <p:clrMapOvr>
+    <a:masterClrMapping/>
+  </p:clrMapOvr>
+</p:sld>
+</file>
+
+<file path=ppt/slides/slide6.xml><?xml version="1.0" encoding="utf-8"?>
+<p:sld xmlns:a="http://schemas.openxmlformats.org/drawingml/2006/main" xmlns:r="http://schemas.openxmlformats.org/officeDocument/2006/relationships" xmlns:p="http://schemas.openxmlformats.org/presentationml/2006/main">
+  <p:cSld>
+    <p:spTree>
+      <p:nvGrpSpPr>
+        <p:cNvPr id="1" name=""/>
+        <p:cNvGrpSpPr/>
+        <p:nvPr/>
+      </p:nvGrpSpPr>
+      <p:grpSpPr>
+        <a:xfrm>
+          <a:off x="0" y="0"/>
+          <a:ext cx="0" cy="0"/>
+          <a:chOff x="0" y="0"/>
+          <a:chExt cx="0" cy="0"/>
+        </a:xfrm>
+      </p:grpSpPr>
+      <p:cxnSp>
+        <p:nvCxnSpPr>
+          <p:cNvPr id="4" name="直線コネクタ 3">
+            <a:extLst>
+              <a:ext uri="{FF2B5EF4-FFF2-40B4-BE49-F238E27FC236}">
+                <a16:creationId xmlns:a16="http://schemas.microsoft.com/office/drawing/2014/main" id="{6F147F4B-8FAC-056D-BC9B-BF5397D939A4}"/>
+              </a:ext>
+            </a:extLst>
+          </p:cNvPr>
+          <p:cNvCxnSpPr>
+            <a:cxnSpLocks/>
+            <a:stCxn id="2" idx="6"/>
+            <a:endCxn id="6" idx="2"/>
+          </p:cNvCxnSpPr>
+          <p:nvPr/>
+        </p:nvCxnSpPr>
+        <p:spPr>
+          <a:xfrm>
+            <a:off x="9010075" y="3707378"/>
+            <a:ext cx="519494" cy="0"/>
+          </a:xfrm>
+          <a:prstGeom prst="line">
+            <a:avLst/>
+          </a:prstGeom>
+          <a:ln>
+            <a:solidFill>
+              <a:schemeClr val="tx1"/>
+            </a:solidFill>
+          </a:ln>
+        </p:spPr>
+        <p:style>
+          <a:lnRef idx="1">
+            <a:schemeClr val="accent1"/>
+          </a:lnRef>
+          <a:fillRef idx="0">
+            <a:schemeClr val="accent1"/>
+          </a:fillRef>
+          <a:effectRef idx="0">
+            <a:schemeClr val="accent1"/>
+          </a:effectRef>
+          <a:fontRef idx="minor">
+            <a:schemeClr val="tx1"/>
+          </a:fontRef>
+        </p:style>
+      </p:cxnSp>
+      <p:cxnSp>
+        <p:nvCxnSpPr>
+          <p:cNvPr id="16" name="直線コネクタ 15">
+            <a:extLst>
+              <a:ext uri="{FF2B5EF4-FFF2-40B4-BE49-F238E27FC236}">
+                <a16:creationId xmlns:a16="http://schemas.microsoft.com/office/drawing/2014/main" id="{3A4231B4-3565-5623-E3D4-DFF863B012DB}"/>
+              </a:ext>
+            </a:extLst>
+          </p:cNvPr>
+          <p:cNvCxnSpPr>
+            <a:cxnSpLocks/>
+            <a:stCxn id="28" idx="6"/>
+            <a:endCxn id="2" idx="2"/>
+          </p:cNvCxnSpPr>
+          <p:nvPr/>
+        </p:nvCxnSpPr>
+        <p:spPr>
+          <a:xfrm>
+            <a:off x="7789150" y="3707378"/>
+            <a:ext cx="559019" cy="0"/>
+          </a:xfrm>
+          <a:prstGeom prst="line">
+            <a:avLst/>
+          </a:prstGeom>
+          <a:ln>
+            <a:solidFill>
+              <a:schemeClr val="tx1"/>
+            </a:solidFill>
+          </a:ln>
+        </p:spPr>
+        <p:style>
+          <a:lnRef idx="1">
+            <a:schemeClr val="accent1"/>
+          </a:lnRef>
+          <a:fillRef idx="0">
+            <a:schemeClr val="accent1"/>
+          </a:fillRef>
+          <a:effectRef idx="0">
+            <a:schemeClr val="accent1"/>
+          </a:effectRef>
+          <a:fontRef idx="minor">
+            <a:schemeClr val="tx1"/>
+          </a:fontRef>
+        </p:style>
+      </p:cxnSp>
+      <p:cxnSp>
+        <p:nvCxnSpPr>
+          <p:cNvPr id="21" name="直線コネクタ 20">
+            <a:extLst>
+              <a:ext uri="{FF2B5EF4-FFF2-40B4-BE49-F238E27FC236}">
+                <a16:creationId xmlns:a16="http://schemas.microsoft.com/office/drawing/2014/main" id="{5070F677-61C6-9C9B-5F79-303AFF26D89A}"/>
+              </a:ext>
+            </a:extLst>
+          </p:cNvPr>
+          <p:cNvCxnSpPr>
+            <a:cxnSpLocks/>
+            <a:stCxn id="50" idx="5"/>
+            <a:endCxn id="28" idx="1"/>
+          </p:cNvCxnSpPr>
+          <p:nvPr/>
+        </p:nvCxnSpPr>
+        <p:spPr>
+          <a:xfrm>
+            <a:off x="6496848" y="2778987"/>
+            <a:ext cx="727330" cy="699879"/>
+          </a:xfrm>
+          <a:prstGeom prst="line">
+            <a:avLst/>
+          </a:prstGeom>
+          <a:ln>
+            <a:solidFill>
+              <a:schemeClr val="tx1"/>
+            </a:solidFill>
+          </a:ln>
+        </p:spPr>
+        <p:style>
+          <a:lnRef idx="1">
+            <a:schemeClr val="accent1"/>
+          </a:lnRef>
+          <a:fillRef idx="0">
+            <a:schemeClr val="accent1"/>
+          </a:fillRef>
+          <a:effectRef idx="0">
+            <a:schemeClr val="accent1"/>
+          </a:effectRef>
+          <a:fontRef idx="minor">
+            <a:schemeClr val="tx1"/>
+          </a:fontRef>
+        </p:style>
+      </p:cxnSp>
+      <p:cxnSp>
+        <p:nvCxnSpPr>
+          <p:cNvPr id="24" name="直線コネクタ 23">
+            <a:extLst>
+              <a:ext uri="{FF2B5EF4-FFF2-40B4-BE49-F238E27FC236}">
+                <a16:creationId xmlns:a16="http://schemas.microsoft.com/office/drawing/2014/main" id="{F82A930C-F5AB-FBE4-A327-C027ABD864A4}"/>
+              </a:ext>
+            </a:extLst>
+          </p:cNvPr>
+          <p:cNvCxnSpPr>
+            <a:cxnSpLocks/>
+            <a:stCxn id="36" idx="7"/>
+            <a:endCxn id="28" idx="3"/>
+          </p:cNvCxnSpPr>
+          <p:nvPr/>
+        </p:nvCxnSpPr>
+        <p:spPr>
+          <a:xfrm flipV="1">
+            <a:off x="6497837" y="3935890"/>
+            <a:ext cx="726341" cy="592179"/>
+          </a:xfrm>
+          <a:prstGeom prst="line">
+            <a:avLst/>
+          </a:prstGeom>
+          <a:ln>
+            <a:solidFill>
+              <a:schemeClr val="tx1"/>
+            </a:solidFill>
+          </a:ln>
+        </p:spPr>
+        <p:style>
+          <a:lnRef idx="1">
+            <a:schemeClr val="accent1"/>
+          </a:lnRef>
+          <a:fillRef idx="0">
+            <a:schemeClr val="accent1"/>
+          </a:fillRef>
+          <a:effectRef idx="0">
+            <a:schemeClr val="accent1"/>
+          </a:effectRef>
+          <a:fontRef idx="minor">
+            <a:schemeClr val="tx1"/>
+          </a:fontRef>
+        </p:style>
+      </p:cxnSp>
+      <p:cxnSp>
+        <p:nvCxnSpPr>
+          <p:cNvPr id="35" name="直線コネクタ 34">
+            <a:extLst>
+              <a:ext uri="{FF2B5EF4-FFF2-40B4-BE49-F238E27FC236}">
+                <a16:creationId xmlns:a16="http://schemas.microsoft.com/office/drawing/2014/main" id="{3394F000-E77A-B6D4-022D-10AACDA928FB}"/>
+              </a:ext>
+            </a:extLst>
+          </p:cNvPr>
+          <p:cNvCxnSpPr>
+            <a:cxnSpLocks/>
+            <a:stCxn id="58" idx="6"/>
+            <a:endCxn id="50" idx="1"/>
+          </p:cNvCxnSpPr>
+          <p:nvPr/>
+        </p:nvCxnSpPr>
+        <p:spPr>
+          <a:xfrm>
+            <a:off x="5368679" y="2024951"/>
+            <a:ext cx="654568" cy="297012"/>
+          </a:xfrm>
+          <a:prstGeom prst="line">
+            <a:avLst/>
+          </a:prstGeom>
+          <a:ln>
+            <a:solidFill>
+              <a:schemeClr val="tx1"/>
+            </a:solidFill>
+          </a:ln>
+        </p:spPr>
+        <p:style>
+          <a:lnRef idx="1">
+            <a:schemeClr val="accent1"/>
+          </a:lnRef>
+          <a:fillRef idx="0">
+            <a:schemeClr val="accent1"/>
+          </a:fillRef>
+          <a:effectRef idx="0">
+            <a:schemeClr val="accent1"/>
+          </a:effectRef>
+          <a:fontRef idx="minor">
+            <a:schemeClr val="tx1"/>
+          </a:fontRef>
+        </p:style>
+      </p:cxnSp>
+      <p:cxnSp>
+        <p:nvCxnSpPr>
+          <p:cNvPr id="48" name="直線コネクタ 47">
+            <a:extLst>
+              <a:ext uri="{FF2B5EF4-FFF2-40B4-BE49-F238E27FC236}">
+                <a16:creationId xmlns:a16="http://schemas.microsoft.com/office/drawing/2014/main" id="{38153412-84F5-4E64-1F56-01EEB3020D40}"/>
+              </a:ext>
+            </a:extLst>
+          </p:cNvPr>
+          <p:cNvCxnSpPr>
+            <a:cxnSpLocks/>
+            <a:stCxn id="71" idx="7"/>
+          </p:cNvCxnSpPr>
+          <p:nvPr/>
+        </p:nvCxnSpPr>
+        <p:spPr>
+          <a:xfrm flipV="1">
+            <a:off x="5270592" y="2827499"/>
+            <a:ext cx="797105" cy="352320"/>
+          </a:xfrm>
+          <a:prstGeom prst="line">
+            <a:avLst/>
+          </a:prstGeom>
+          <a:ln>
+            <a:solidFill>
+              <a:schemeClr val="tx1"/>
+            </a:solidFill>
+          </a:ln>
+        </p:spPr>
+        <p:style>
+          <a:lnRef idx="1">
+            <a:schemeClr val="accent1"/>
+          </a:lnRef>
+          <a:fillRef idx="0">
+            <a:schemeClr val="accent1"/>
+          </a:fillRef>
+          <a:effectRef idx="0">
+            <a:schemeClr val="accent1"/>
+          </a:effectRef>
+          <a:fontRef idx="minor">
+            <a:schemeClr val="tx1"/>
+          </a:fontRef>
+        </p:style>
+      </p:cxnSp>
+      <p:cxnSp>
+        <p:nvCxnSpPr>
+          <p:cNvPr id="66" name="直線コネクタ 65">
+            <a:extLst>
+              <a:ext uri="{FF2B5EF4-FFF2-40B4-BE49-F238E27FC236}">
+                <a16:creationId xmlns:a16="http://schemas.microsoft.com/office/drawing/2014/main" id="{0D73DC1B-4788-4BEA-BCD5-5A95101381AA}"/>
+              </a:ext>
+            </a:extLst>
+          </p:cNvPr>
+          <p:cNvCxnSpPr>
+            <a:cxnSpLocks/>
+            <a:stCxn id="62" idx="6"/>
+            <a:endCxn id="58" idx="2"/>
+          </p:cNvCxnSpPr>
+          <p:nvPr/>
+        </p:nvCxnSpPr>
+        <p:spPr>
+          <a:xfrm>
+            <a:off x="4145318" y="2024951"/>
+            <a:ext cx="553588" cy="0"/>
+          </a:xfrm>
+          <a:prstGeom prst="line">
+            <a:avLst/>
+          </a:prstGeom>
+          <a:ln>
+            <a:solidFill>
+              <a:schemeClr val="tx1"/>
+            </a:solidFill>
+          </a:ln>
+        </p:spPr>
+        <p:style>
+          <a:lnRef idx="1">
+            <a:schemeClr val="accent1"/>
+          </a:lnRef>
+          <a:fillRef idx="0">
+            <a:schemeClr val="accent1"/>
+          </a:fillRef>
+          <a:effectRef idx="0">
+            <a:schemeClr val="accent1"/>
+          </a:effectRef>
+          <a:fontRef idx="minor">
+            <a:schemeClr val="tx1"/>
+          </a:fontRef>
+        </p:style>
+      </p:cxnSp>
+      <p:cxnSp>
+        <p:nvCxnSpPr>
+          <p:cNvPr id="89" name="直線コネクタ 88">
+            <a:extLst>
+              <a:ext uri="{FF2B5EF4-FFF2-40B4-BE49-F238E27FC236}">
+                <a16:creationId xmlns:a16="http://schemas.microsoft.com/office/drawing/2014/main" id="{219E3501-C614-A6C3-7C21-28CF0F8C4DF5}"/>
+              </a:ext>
+            </a:extLst>
+          </p:cNvPr>
+          <p:cNvCxnSpPr>
+            <a:cxnSpLocks/>
+            <a:stCxn id="64" idx="6"/>
+          </p:cNvCxnSpPr>
+          <p:nvPr/>
+        </p:nvCxnSpPr>
+        <p:spPr>
+          <a:xfrm>
+            <a:off x="2925183" y="2024951"/>
+            <a:ext cx="555341" cy="1705"/>
+          </a:xfrm>
+          <a:prstGeom prst="line">
+            <a:avLst/>
+          </a:prstGeom>
+          <a:ln>
+            <a:solidFill>
+              <a:schemeClr val="tx1"/>
+            </a:solidFill>
+          </a:ln>
+        </p:spPr>
+        <p:style>
+          <a:lnRef idx="1">
+            <a:schemeClr val="accent1"/>
+          </a:lnRef>
+          <a:fillRef idx="0">
+            <a:schemeClr val="accent1"/>
+          </a:fillRef>
+          <a:effectRef idx="0">
+            <a:schemeClr val="accent1"/>
+          </a:effectRef>
+          <a:fontRef idx="minor">
+            <a:schemeClr val="tx1"/>
+          </a:fontRef>
+        </p:style>
+      </p:cxnSp>
+      <p:cxnSp>
+        <p:nvCxnSpPr>
+          <p:cNvPr id="92" name="直線コネクタ 91">
+            <a:extLst>
+              <a:ext uri="{FF2B5EF4-FFF2-40B4-BE49-F238E27FC236}">
+                <a16:creationId xmlns:a16="http://schemas.microsoft.com/office/drawing/2014/main" id="{F0188C79-281A-7EB4-B7A7-0B74E0A01B6C}"/>
+              </a:ext>
+            </a:extLst>
+          </p:cNvPr>
+          <p:cNvCxnSpPr>
+            <a:cxnSpLocks/>
+            <a:stCxn id="75" idx="6"/>
+          </p:cNvCxnSpPr>
+          <p:nvPr/>
+        </p:nvCxnSpPr>
+        <p:spPr>
+          <a:xfrm>
+            <a:off x="4143859" y="3419290"/>
+            <a:ext cx="542175" cy="5386"/>
+          </a:xfrm>
+          <a:prstGeom prst="line">
+            <a:avLst/>
+          </a:prstGeom>
+          <a:ln>
+            <a:solidFill>
+              <a:schemeClr val="tx1"/>
+            </a:solidFill>
+          </a:ln>
+        </p:spPr>
+        <p:style>
+          <a:lnRef idx="1">
+            <a:schemeClr val="accent1"/>
+          </a:lnRef>
+          <a:fillRef idx="0">
+            <a:schemeClr val="accent1"/>
+          </a:fillRef>
+          <a:effectRef idx="0">
+            <a:schemeClr val="accent1"/>
+          </a:effectRef>
+          <a:fontRef idx="minor">
+            <a:schemeClr val="tx1"/>
+          </a:fontRef>
+        </p:style>
+      </p:cxnSp>
+      <p:cxnSp>
+        <p:nvCxnSpPr>
+          <p:cNvPr id="94" name="直線コネクタ 93">
+            <a:extLst>
+              <a:ext uri="{FF2B5EF4-FFF2-40B4-BE49-F238E27FC236}">
+                <a16:creationId xmlns:a16="http://schemas.microsoft.com/office/drawing/2014/main" id="{2A3434F9-101A-C370-87D9-B8A615A1B98C}"/>
+              </a:ext>
+            </a:extLst>
+          </p:cNvPr>
+          <p:cNvCxnSpPr>
+            <a:cxnSpLocks/>
+            <a:stCxn id="78" idx="6"/>
+            <a:endCxn id="75" idx="2"/>
+          </p:cNvCxnSpPr>
+          <p:nvPr/>
+        </p:nvCxnSpPr>
+        <p:spPr>
+          <a:xfrm>
+            <a:off x="2922934" y="3419290"/>
+            <a:ext cx="551152" cy="0"/>
+          </a:xfrm>
+          <a:prstGeom prst="line">
+            <a:avLst/>
+          </a:prstGeom>
+          <a:ln>
+            <a:solidFill>
+              <a:schemeClr val="tx1"/>
+            </a:solidFill>
+          </a:ln>
+        </p:spPr>
+        <p:style>
+          <a:lnRef idx="1">
+            <a:schemeClr val="accent1"/>
+          </a:lnRef>
+          <a:fillRef idx="0">
+            <a:schemeClr val="accent1"/>
+          </a:fillRef>
+          <a:effectRef idx="0">
+            <a:schemeClr val="accent1"/>
+          </a:effectRef>
+          <a:fontRef idx="minor">
+            <a:schemeClr val="tx1"/>
+          </a:fontRef>
+        </p:style>
+      </p:cxnSp>
+      <p:cxnSp>
+        <p:nvCxnSpPr>
+          <p:cNvPr id="101" name="直線コネクタ 100">
+            <a:extLst>
+              <a:ext uri="{FF2B5EF4-FFF2-40B4-BE49-F238E27FC236}">
+                <a16:creationId xmlns:a16="http://schemas.microsoft.com/office/drawing/2014/main" id="{662F5556-2EA0-97A9-8869-4603EFD5B92B}"/>
+              </a:ext>
+            </a:extLst>
+          </p:cNvPr>
+          <p:cNvCxnSpPr>
+            <a:cxnSpLocks/>
+            <a:stCxn id="44" idx="6"/>
+            <a:endCxn id="41" idx="2"/>
+          </p:cNvCxnSpPr>
+          <p:nvPr/>
+        </p:nvCxnSpPr>
+        <p:spPr>
+          <a:xfrm>
+            <a:off x="4178787" y="4756581"/>
+            <a:ext cx="566910" cy="0"/>
+          </a:xfrm>
+          <a:prstGeom prst="line">
+            <a:avLst/>
+          </a:prstGeom>
+          <a:ln>
+            <a:solidFill>
+              <a:schemeClr val="tx1"/>
+            </a:solidFill>
+          </a:ln>
+        </p:spPr>
+        <p:style>
+          <a:lnRef idx="1">
+            <a:schemeClr val="accent1"/>
+          </a:lnRef>
+          <a:fillRef idx="0">
+            <a:schemeClr val="accent1"/>
+          </a:fillRef>
+          <a:effectRef idx="0">
+            <a:schemeClr val="accent1"/>
+          </a:effectRef>
+          <a:fontRef idx="minor">
+            <a:schemeClr val="tx1"/>
+          </a:fontRef>
+        </p:style>
+      </p:cxnSp>
+      <p:cxnSp>
+        <p:nvCxnSpPr>
+          <p:cNvPr id="103" name="直線コネクタ 102">
+            <a:extLst>
+              <a:ext uri="{FF2B5EF4-FFF2-40B4-BE49-F238E27FC236}">
+                <a16:creationId xmlns:a16="http://schemas.microsoft.com/office/drawing/2014/main" id="{69C44B0D-BF3C-6EB1-41C9-F231BD414390}"/>
+              </a:ext>
+            </a:extLst>
+          </p:cNvPr>
+          <p:cNvCxnSpPr>
+            <a:cxnSpLocks/>
+            <a:stCxn id="47" idx="6"/>
+            <a:endCxn id="44" idx="2"/>
+          </p:cNvCxnSpPr>
+          <p:nvPr/>
+        </p:nvCxnSpPr>
+        <p:spPr>
+          <a:xfrm>
+            <a:off x="2958974" y="4756581"/>
+            <a:ext cx="557907" cy="0"/>
+          </a:xfrm>
+          <a:prstGeom prst="line">
+            <a:avLst/>
+          </a:prstGeom>
+          <a:ln>
+            <a:solidFill>
+              <a:schemeClr val="tx1"/>
+            </a:solidFill>
+          </a:ln>
+        </p:spPr>
+        <p:style>
+          <a:lnRef idx="1">
+            <a:schemeClr val="accent1"/>
+          </a:lnRef>
+          <a:fillRef idx="0">
+            <a:schemeClr val="accent1"/>
+          </a:fillRef>
+          <a:effectRef idx="0">
+            <a:schemeClr val="accent1"/>
+          </a:effectRef>
+          <a:fontRef idx="minor">
+            <a:schemeClr val="tx1"/>
+          </a:fontRef>
+        </p:style>
+      </p:cxnSp>
+      <p:cxnSp>
+        <p:nvCxnSpPr>
+          <p:cNvPr id="3" name="直線コネクタ 2">
+            <a:extLst>
+              <a:ext uri="{FF2B5EF4-FFF2-40B4-BE49-F238E27FC236}">
+                <a16:creationId xmlns:a16="http://schemas.microsoft.com/office/drawing/2014/main" id="{77AFF6F8-9CA7-9910-00AE-6EAC8F2AB456}"/>
+              </a:ext>
+            </a:extLst>
+          </p:cNvPr>
+          <p:cNvCxnSpPr>
+            <a:cxnSpLocks/>
+            <a:stCxn id="69" idx="6"/>
+            <a:endCxn id="64" idx="2"/>
+          </p:cNvCxnSpPr>
+          <p:nvPr/>
+        </p:nvCxnSpPr>
+        <p:spPr>
+          <a:xfrm>
+            <a:off x="1698928" y="2024951"/>
+            <a:ext cx="556482" cy="0"/>
+          </a:xfrm>
+          <a:prstGeom prst="line">
+            <a:avLst/>
+          </a:prstGeom>
+          <a:ln>
+            <a:solidFill>
+              <a:schemeClr val="tx1"/>
+            </a:solidFill>
+          </a:ln>
+        </p:spPr>
+        <p:style>
+          <a:lnRef idx="1">
+            <a:schemeClr val="accent1"/>
+          </a:lnRef>
+          <a:fillRef idx="0">
+            <a:schemeClr val="accent1"/>
+          </a:fillRef>
+          <a:effectRef idx="0">
+            <a:schemeClr val="accent1"/>
+          </a:effectRef>
+          <a:fontRef idx="minor">
+            <a:schemeClr val="tx1"/>
+          </a:fontRef>
+        </p:style>
+      </p:cxnSp>
+      <p:cxnSp>
+        <p:nvCxnSpPr>
+          <p:cNvPr id="8" name="直線コネクタ 7">
+            <a:extLst>
+              <a:ext uri="{FF2B5EF4-FFF2-40B4-BE49-F238E27FC236}">
+                <a16:creationId xmlns:a16="http://schemas.microsoft.com/office/drawing/2014/main" id="{580E5ABF-203F-5B48-A798-845CE32C6FD7}"/>
+              </a:ext>
+            </a:extLst>
+          </p:cNvPr>
+          <p:cNvCxnSpPr>
+            <a:cxnSpLocks/>
+            <a:stCxn id="41" idx="6"/>
+            <a:endCxn id="36" idx="2"/>
+          </p:cNvCxnSpPr>
+          <p:nvPr/>
+        </p:nvCxnSpPr>
+        <p:spPr>
+          <a:xfrm>
+            <a:off x="5407603" y="4756581"/>
+            <a:ext cx="518547" cy="0"/>
+          </a:xfrm>
+          <a:prstGeom prst="line">
+            <a:avLst/>
+          </a:prstGeom>
+          <a:ln>
+            <a:solidFill>
+              <a:schemeClr val="tx1"/>
+            </a:solidFill>
+          </a:ln>
+        </p:spPr>
+        <p:style>
+          <a:lnRef idx="1">
+            <a:schemeClr val="accent1"/>
+          </a:lnRef>
+          <a:fillRef idx="0">
+            <a:schemeClr val="accent1"/>
+          </a:fillRef>
+          <a:effectRef idx="0">
+            <a:schemeClr val="accent1"/>
+          </a:effectRef>
+          <a:fontRef idx="minor">
+            <a:schemeClr val="tx1"/>
+          </a:fontRef>
+        </p:style>
+      </p:cxnSp>
+      <p:sp>
+        <p:nvSpPr>
+          <p:cNvPr id="17" name="テキスト ボックス 16">
+            <a:extLst>
+              <a:ext uri="{FF2B5EF4-FFF2-40B4-BE49-F238E27FC236}">
+                <a16:creationId xmlns:a16="http://schemas.microsoft.com/office/drawing/2014/main" id="{77F8248F-EC1B-F5BD-3376-79D13122BF0D}"/>
+              </a:ext>
+            </a:extLst>
+          </p:cNvPr>
+          <p:cNvSpPr txBox="1"/>
+          <p:nvPr/>
+        </p:nvSpPr>
+        <p:spPr>
+          <a:xfrm>
+            <a:off x="1930400" y="296753"/>
+            <a:ext cx="8331200" cy="923330"/>
+          </a:xfrm>
+          <a:prstGeom prst="rect">
+            <a:avLst/>
+          </a:prstGeom>
+          <a:noFill/>
+        </p:spPr>
+        <p:txBody>
+          <a:bodyPr wrap="square" rtlCol="0">
+            <a:spAutoFit/>
+          </a:bodyPr>
+          <a:lstStyle/>
+          <a:p>
+            <a:r>
+              <a:rPr lang="en-US" altLang="ja-JP" b="0" i="0" dirty="0">
+                <a:solidFill>
+                  <a:srgbClr val="212121"/>
+                </a:solidFill>
+                <a:effectLst/>
+                <a:latin typeface="Courier New" panose="02070309020205020404" pitchFamily="49" charset="0"/>
+              </a:rPr>
+              <a:t>High mannose</a:t>
+            </a:r>
+          </a:p>
+          <a:p>
+            <a:r>
+              <a:rPr lang="en-US" altLang="ja-JP" b="0" i="0" dirty="0">
+                <a:solidFill>
+                  <a:srgbClr val="212121"/>
+                </a:solidFill>
+                <a:effectLst/>
+                <a:latin typeface="Courier New" panose="02070309020205020404" pitchFamily="49" charset="0"/>
+              </a:rPr>
+              <a:t>The probability that all labels are outputted along the most likely state transition: -11.704494208726313</a:t>
+            </a:r>
+            <a:r>
+              <a:rPr lang="ja-JP" altLang="en-US" b="0" i="0" dirty="0">
+                <a:solidFill>
+                  <a:srgbClr val="212121"/>
+                </a:solidFill>
+                <a:effectLst/>
+                <a:latin typeface="Courier New" panose="02070309020205020404" pitchFamily="49" charset="0"/>
+              </a:rPr>
+              <a:t>（対数表示）</a:t>
+            </a:r>
+            <a:endParaRPr kumimoji="1" lang="ja-JP" altLang="en-US" dirty="0"/>
+          </a:p>
+        </p:txBody>
+      </p:sp>
+      <p:pic>
+        <p:nvPicPr>
+          <p:cNvPr id="1026" name="Picture 2">
+            <a:extLst>
+              <a:ext uri="{FF2B5EF4-FFF2-40B4-BE49-F238E27FC236}">
+                <a16:creationId xmlns:a16="http://schemas.microsoft.com/office/drawing/2014/main" id="{DA98605D-938E-2862-AD24-EF2570C1E252}"/>
+              </a:ext>
+            </a:extLst>
+          </p:cNvPr>
+          <p:cNvPicPr>
+            <a:picLocks noChangeAspect="1" noChangeArrowheads="1"/>
+          </p:cNvPicPr>
+          <p:nvPr/>
+        </p:nvPicPr>
+        <p:blipFill>
+          <a:blip r:embed="rId2">
+            <a:extLst>
+              <a:ext uri="{28A0092B-C50C-407E-A947-70E740481C1C}">
+                <a14:useLocalDpi xmlns:a14="http://schemas.microsoft.com/office/drawing/2010/main" val="0"/>
+              </a:ext>
+            </a:extLst>
+          </a:blip>
+          <a:srcRect/>
+          <a:stretch>
+            <a:fillRect/>
+          </a:stretch>
+        </p:blipFill>
+        <p:spPr bwMode="auto">
+          <a:xfrm>
+            <a:off x="6971112" y="4539198"/>
+            <a:ext cx="4147083" cy="1840492"/>
+          </a:xfrm>
+          <a:prstGeom prst="rect">
+            <a:avLst/>
+          </a:prstGeom>
+          <a:noFill/>
+          <a:extLst>
+            <a:ext uri="{909E8E84-426E-40DD-AFC4-6F175D3DCCD1}">
+              <a14:hiddenFill xmlns:a14="http://schemas.microsoft.com/office/drawing/2010/main">
+                <a:solidFill>
+                  <a:srgbClr val="FFFFFF"/>
+                </a:solidFill>
+              </a14:hiddenFill>
+            </a:ext>
+          </a:extLst>
+        </p:spPr>
+      </p:pic>
+      <p:sp>
+        <p:nvSpPr>
+          <p:cNvPr id="9" name="テキスト ボックス 8">
+            <a:extLst>
+              <a:ext uri="{FF2B5EF4-FFF2-40B4-BE49-F238E27FC236}">
+                <a16:creationId xmlns:a16="http://schemas.microsoft.com/office/drawing/2014/main" id="{6C1493F6-39E2-FE09-6421-EF8A271869AC}"/>
+              </a:ext>
+            </a:extLst>
+          </p:cNvPr>
+          <p:cNvSpPr txBox="1"/>
+          <p:nvPr/>
+        </p:nvSpPr>
+        <p:spPr>
+          <a:xfrm>
+            <a:off x="8874825" y="6192890"/>
+            <a:ext cx="974889" cy="369332"/>
+          </a:xfrm>
+          <a:prstGeom prst="rect">
+            <a:avLst/>
+          </a:prstGeom>
+          <a:noFill/>
+        </p:spPr>
+        <p:txBody>
+          <a:bodyPr wrap="square">
+            <a:spAutoFit/>
+          </a:bodyPr>
+          <a:lstStyle/>
+          <a:p>
+            <a:pPr algn="l"/>
+            <a:r>
+              <a:rPr lang="en-US" altLang="ja-JP" b="1" i="0" dirty="0">
+                <a:solidFill>
+                  <a:srgbClr val="000000"/>
+                </a:solidFill>
+                <a:effectLst/>
+                <a:latin typeface="arial" panose="020B0604020202020204" pitchFamily="34" charset="0"/>
+              </a:rPr>
+              <a:t>SNFG</a:t>
+            </a:r>
+          </a:p>
+        </p:txBody>
+      </p:sp>
+      <p:sp>
+        <p:nvSpPr>
+          <p:cNvPr id="28" name="楕円 27">
+            <a:extLst>
+              <a:ext uri="{FF2B5EF4-FFF2-40B4-BE49-F238E27FC236}">
+                <a16:creationId xmlns:a16="http://schemas.microsoft.com/office/drawing/2014/main" id="{8F6AE66A-1137-F4D8-41F0-CCD3DB1A5A0B}"/>
+              </a:ext>
+            </a:extLst>
+          </p:cNvPr>
+          <p:cNvSpPr/>
+          <p:nvPr/>
+        </p:nvSpPr>
+        <p:spPr>
+          <a:xfrm>
+            <a:off x="7127244" y="3384213"/>
+            <a:ext cx="661906" cy="646330"/>
+          </a:xfrm>
+          <a:prstGeom prst="ellipse">
+            <a:avLst/>
+          </a:prstGeom>
+          <a:solidFill>
+            <a:srgbClr val="00B050"/>
+          </a:solidFill>
+          <a:ln>
+            <a:solidFill>
+              <a:schemeClr val="tx1"/>
+            </a:solidFill>
+          </a:ln>
+        </p:spPr>
+        <p:style>
+          <a:lnRef idx="2">
+            <a:schemeClr val="accent1">
+              <a:shade val="50000"/>
+            </a:schemeClr>
+          </a:lnRef>
+          <a:fillRef idx="1">
+            <a:schemeClr val="accent1"/>
+          </a:fillRef>
+          <a:effectRef idx="0">
+            <a:schemeClr val="accent1"/>
+          </a:effectRef>
+          <a:fontRef idx="minor">
+            <a:schemeClr val="lt1"/>
+          </a:fontRef>
+        </p:style>
+        <p:txBody>
+          <a:bodyPr rtlCol="0" anchor="ctr"/>
+          <a:lstStyle/>
+          <a:p>
+            <a:pPr algn="ctr"/>
+            <a:r>
+              <a:rPr kumimoji="1" lang="en-US" altLang="ja-JP" b="1" dirty="0">
+                <a:solidFill>
+                  <a:schemeClr val="tx1"/>
+                </a:solidFill>
+              </a:rPr>
+              <a:t>4</a:t>
+            </a:r>
+            <a:endParaRPr kumimoji="1" lang="ja-JP" altLang="en-US" b="1" dirty="0">
+              <a:solidFill>
+                <a:schemeClr val="tx1"/>
+              </a:solidFill>
+            </a:endParaRPr>
+          </a:p>
+        </p:txBody>
+      </p:sp>
+      <p:sp>
+        <p:nvSpPr>
+          <p:cNvPr id="36" name="楕円 35">
+            <a:extLst>
+              <a:ext uri="{FF2B5EF4-FFF2-40B4-BE49-F238E27FC236}">
+                <a16:creationId xmlns:a16="http://schemas.microsoft.com/office/drawing/2014/main" id="{F7921F41-386F-A194-B777-0D3AB36A6177}"/>
+              </a:ext>
+            </a:extLst>
+          </p:cNvPr>
+          <p:cNvSpPr/>
+          <p:nvPr/>
+        </p:nvSpPr>
+        <p:spPr>
+          <a:xfrm>
+            <a:off x="5926150" y="4433416"/>
+            <a:ext cx="669773" cy="646330"/>
+          </a:xfrm>
+          <a:prstGeom prst="ellipse">
+            <a:avLst/>
+          </a:prstGeom>
+          <a:solidFill>
+            <a:schemeClr val="accent5"/>
+          </a:solidFill>
+          <a:ln>
+            <a:solidFill>
+              <a:schemeClr val="tx1"/>
+            </a:solidFill>
+          </a:ln>
+        </p:spPr>
+        <p:style>
+          <a:lnRef idx="2">
+            <a:schemeClr val="accent1">
+              <a:shade val="50000"/>
+            </a:schemeClr>
+          </a:lnRef>
+          <a:fillRef idx="1">
+            <a:schemeClr val="accent1"/>
+          </a:fillRef>
+          <a:effectRef idx="0">
+            <a:schemeClr val="accent1"/>
+          </a:effectRef>
+          <a:fontRef idx="minor">
+            <a:schemeClr val="lt1"/>
+          </a:fontRef>
+        </p:style>
+        <p:txBody>
+          <a:bodyPr rtlCol="0" anchor="ctr"/>
+          <a:lstStyle/>
+          <a:p>
+            <a:pPr algn="ctr"/>
+            <a:r>
+              <a:rPr kumimoji="1" lang="en-US" altLang="ja-JP" b="1" dirty="0">
+                <a:solidFill>
+                  <a:schemeClr val="tx1"/>
+                </a:solidFill>
+              </a:rPr>
+              <a:t>14</a:t>
+            </a:r>
+            <a:endParaRPr kumimoji="1" lang="ja-JP" altLang="en-US" b="1" dirty="0">
+              <a:solidFill>
+                <a:schemeClr val="tx1"/>
+              </a:solidFill>
+            </a:endParaRPr>
+          </a:p>
+        </p:txBody>
+      </p:sp>
+      <p:sp>
+        <p:nvSpPr>
+          <p:cNvPr id="41" name="楕円 40">
+            <a:extLst>
+              <a:ext uri="{FF2B5EF4-FFF2-40B4-BE49-F238E27FC236}">
+                <a16:creationId xmlns:a16="http://schemas.microsoft.com/office/drawing/2014/main" id="{15904443-21F0-6D9F-423A-96759786D309}"/>
+              </a:ext>
+            </a:extLst>
+          </p:cNvPr>
+          <p:cNvSpPr/>
+          <p:nvPr/>
+        </p:nvSpPr>
+        <p:spPr>
+          <a:xfrm>
+            <a:off x="4745697" y="4433416"/>
+            <a:ext cx="661906" cy="646330"/>
+          </a:xfrm>
+          <a:prstGeom prst="ellipse">
+            <a:avLst/>
+          </a:prstGeom>
+          <a:solidFill>
+            <a:schemeClr val="accent2"/>
+          </a:solidFill>
+          <a:ln>
+            <a:solidFill>
+              <a:schemeClr val="tx1"/>
+            </a:solidFill>
+          </a:ln>
+        </p:spPr>
+        <p:style>
+          <a:lnRef idx="2">
+            <a:schemeClr val="accent1">
+              <a:shade val="50000"/>
+            </a:schemeClr>
+          </a:lnRef>
+          <a:fillRef idx="1">
+            <a:schemeClr val="accent1"/>
+          </a:fillRef>
+          <a:effectRef idx="0">
+            <a:schemeClr val="accent1"/>
+          </a:effectRef>
+          <a:fontRef idx="minor">
+            <a:schemeClr val="lt1"/>
+          </a:fontRef>
+        </p:style>
+        <p:txBody>
+          <a:bodyPr rtlCol="0" anchor="ctr"/>
+          <a:lstStyle/>
+          <a:p>
+            <a:pPr algn="ctr"/>
+            <a:r>
+              <a:rPr kumimoji="1" lang="en-US" altLang="ja-JP" b="1" dirty="0">
+                <a:solidFill>
+                  <a:schemeClr val="tx1"/>
+                </a:solidFill>
+              </a:rPr>
+              <a:t>0</a:t>
+            </a:r>
+            <a:endParaRPr kumimoji="1" lang="ja-JP" altLang="en-US" b="1" dirty="0">
+              <a:solidFill>
+                <a:schemeClr val="tx1"/>
+              </a:solidFill>
+            </a:endParaRPr>
+          </a:p>
+        </p:txBody>
+      </p:sp>
+      <p:sp>
+        <p:nvSpPr>
+          <p:cNvPr id="44" name="楕円 43">
+            <a:extLst>
+              <a:ext uri="{FF2B5EF4-FFF2-40B4-BE49-F238E27FC236}">
+                <a16:creationId xmlns:a16="http://schemas.microsoft.com/office/drawing/2014/main" id="{EF9EB1DB-E33B-378F-A089-B957857D60FE}"/>
+              </a:ext>
+            </a:extLst>
+          </p:cNvPr>
+          <p:cNvSpPr/>
+          <p:nvPr/>
+        </p:nvSpPr>
+        <p:spPr>
+          <a:xfrm>
+            <a:off x="3516881" y="4433416"/>
+            <a:ext cx="661906" cy="646330"/>
+          </a:xfrm>
+          <a:prstGeom prst="ellipse">
+            <a:avLst/>
+          </a:prstGeom>
+          <a:solidFill>
+            <a:schemeClr val="accent2"/>
+          </a:solidFill>
+          <a:ln>
+            <a:solidFill>
+              <a:schemeClr val="tx1"/>
+            </a:solidFill>
+          </a:ln>
+        </p:spPr>
+        <p:style>
+          <a:lnRef idx="2">
+            <a:schemeClr val="accent1">
+              <a:shade val="50000"/>
+            </a:schemeClr>
+          </a:lnRef>
+          <a:fillRef idx="1">
+            <a:schemeClr val="accent1"/>
+          </a:fillRef>
+          <a:effectRef idx="0">
+            <a:schemeClr val="accent1"/>
+          </a:effectRef>
+          <a:fontRef idx="minor">
+            <a:schemeClr val="lt1"/>
+          </a:fontRef>
+        </p:style>
+        <p:txBody>
+          <a:bodyPr rtlCol="0" anchor="ctr"/>
+          <a:lstStyle/>
+          <a:p>
+            <a:pPr algn="ctr"/>
+            <a:r>
+              <a:rPr kumimoji="1" lang="en-US" altLang="ja-JP" b="1" dirty="0">
+                <a:solidFill>
+                  <a:schemeClr val="tx1"/>
+                </a:solidFill>
+              </a:rPr>
+              <a:t>0</a:t>
+            </a:r>
+            <a:endParaRPr kumimoji="1" lang="ja-JP" altLang="en-US" b="1" dirty="0">
+              <a:solidFill>
+                <a:schemeClr val="tx1"/>
+              </a:solidFill>
+            </a:endParaRPr>
+          </a:p>
+        </p:txBody>
+      </p:sp>
+      <p:sp>
+        <p:nvSpPr>
+          <p:cNvPr id="47" name="楕円 46">
+            <a:extLst>
+              <a:ext uri="{FF2B5EF4-FFF2-40B4-BE49-F238E27FC236}">
+                <a16:creationId xmlns:a16="http://schemas.microsoft.com/office/drawing/2014/main" id="{A68D361E-A77B-783E-4F73-CE2DD0C8B9A4}"/>
+              </a:ext>
+            </a:extLst>
+          </p:cNvPr>
+          <p:cNvSpPr/>
+          <p:nvPr/>
+        </p:nvSpPr>
+        <p:spPr>
+          <a:xfrm>
+            <a:off x="2297068" y="4433416"/>
+            <a:ext cx="661906" cy="646330"/>
+          </a:xfrm>
+          <a:prstGeom prst="ellipse">
+            <a:avLst/>
+          </a:prstGeom>
+          <a:solidFill>
+            <a:schemeClr val="accent2"/>
+          </a:solidFill>
+          <a:ln>
+            <a:solidFill>
+              <a:schemeClr val="tx1"/>
+            </a:solidFill>
+          </a:ln>
+        </p:spPr>
+        <p:style>
+          <a:lnRef idx="2">
+            <a:schemeClr val="accent1">
+              <a:shade val="50000"/>
+            </a:schemeClr>
+          </a:lnRef>
+          <a:fillRef idx="1">
+            <a:schemeClr val="accent1"/>
+          </a:fillRef>
+          <a:effectRef idx="0">
+            <a:schemeClr val="accent1"/>
+          </a:effectRef>
+          <a:fontRef idx="minor">
+            <a:schemeClr val="lt1"/>
+          </a:fontRef>
+        </p:style>
+        <p:txBody>
+          <a:bodyPr rtlCol="0" anchor="ctr"/>
+          <a:lstStyle/>
+          <a:p>
+            <a:pPr algn="ctr"/>
+            <a:r>
+              <a:rPr kumimoji="1" lang="en-US" altLang="ja-JP" b="1" dirty="0">
+                <a:solidFill>
+                  <a:schemeClr val="tx1"/>
+                </a:solidFill>
+              </a:rPr>
+              <a:t>0</a:t>
+            </a:r>
+            <a:endParaRPr kumimoji="1" lang="ja-JP" altLang="en-US" b="1" dirty="0">
+              <a:solidFill>
+                <a:schemeClr val="tx1"/>
+              </a:solidFill>
+            </a:endParaRPr>
+          </a:p>
+        </p:txBody>
+      </p:sp>
+      <p:sp>
+        <p:nvSpPr>
+          <p:cNvPr id="50" name="楕円 49">
+            <a:extLst>
+              <a:ext uri="{FF2B5EF4-FFF2-40B4-BE49-F238E27FC236}">
+                <a16:creationId xmlns:a16="http://schemas.microsoft.com/office/drawing/2014/main" id="{B086405C-D7CE-C5AA-FF90-701DE10D363B}"/>
+              </a:ext>
+            </a:extLst>
+          </p:cNvPr>
+          <p:cNvSpPr/>
+          <p:nvPr/>
+        </p:nvSpPr>
+        <p:spPr>
+          <a:xfrm>
+            <a:off x="5925161" y="2227310"/>
+            <a:ext cx="669773" cy="646330"/>
+          </a:xfrm>
+          <a:prstGeom prst="ellipse">
+            <a:avLst/>
+          </a:prstGeom>
+          <a:solidFill>
+            <a:srgbClr val="FF0000"/>
+          </a:solidFill>
+          <a:ln>
+            <a:solidFill>
+              <a:schemeClr val="tx1"/>
+            </a:solidFill>
+          </a:ln>
+        </p:spPr>
+        <p:style>
+          <a:lnRef idx="2">
+            <a:schemeClr val="accent1">
+              <a:shade val="50000"/>
+            </a:schemeClr>
+          </a:lnRef>
+          <a:fillRef idx="1">
+            <a:schemeClr val="accent1"/>
+          </a:fillRef>
+          <a:effectRef idx="0">
+            <a:schemeClr val="accent1"/>
+          </a:effectRef>
+          <a:fontRef idx="minor">
+            <a:schemeClr val="lt1"/>
+          </a:fontRef>
+        </p:style>
+        <p:txBody>
+          <a:bodyPr rtlCol="0" anchor="ctr"/>
+          <a:lstStyle/>
+          <a:p>
+            <a:pPr algn="ctr"/>
+            <a:r>
+              <a:rPr kumimoji="1" lang="en-US" altLang="ja-JP" b="1" dirty="0">
+                <a:solidFill>
+                  <a:schemeClr val="tx1"/>
+                </a:solidFill>
+              </a:rPr>
+              <a:t>10</a:t>
+            </a:r>
+            <a:endParaRPr kumimoji="1" lang="ja-JP" altLang="en-US" b="1" dirty="0">
+              <a:solidFill>
+                <a:schemeClr val="tx1"/>
+              </a:solidFill>
+            </a:endParaRPr>
+          </a:p>
+        </p:txBody>
+      </p:sp>
+      <p:sp>
+        <p:nvSpPr>
+          <p:cNvPr id="58" name="楕円 57">
+            <a:extLst>
+              <a:ext uri="{FF2B5EF4-FFF2-40B4-BE49-F238E27FC236}">
+                <a16:creationId xmlns:a16="http://schemas.microsoft.com/office/drawing/2014/main" id="{887D2F27-4B94-49C4-15EF-11D62797B4B9}"/>
+              </a:ext>
+            </a:extLst>
+          </p:cNvPr>
+          <p:cNvSpPr/>
+          <p:nvPr/>
+        </p:nvSpPr>
+        <p:spPr>
+          <a:xfrm>
+            <a:off x="4698906" y="1701786"/>
+            <a:ext cx="669773" cy="646330"/>
+          </a:xfrm>
+          <a:prstGeom prst="ellipse">
+            <a:avLst/>
+          </a:prstGeom>
+          <a:solidFill>
+            <a:srgbClr val="FF0000"/>
+          </a:solidFill>
+          <a:ln>
+            <a:solidFill>
+              <a:schemeClr val="tx1"/>
+            </a:solidFill>
+          </a:ln>
+        </p:spPr>
+        <p:style>
+          <a:lnRef idx="2">
+            <a:schemeClr val="accent1">
+              <a:shade val="50000"/>
+            </a:schemeClr>
+          </a:lnRef>
+          <a:fillRef idx="1">
+            <a:schemeClr val="accent1"/>
+          </a:fillRef>
+          <a:effectRef idx="0">
+            <a:schemeClr val="accent1"/>
+          </a:effectRef>
+          <a:fontRef idx="minor">
+            <a:schemeClr val="lt1"/>
+          </a:fontRef>
+        </p:style>
+        <p:txBody>
+          <a:bodyPr rtlCol="0" anchor="ctr"/>
+          <a:lstStyle/>
+          <a:p>
+            <a:pPr algn="ctr"/>
+            <a:r>
+              <a:rPr lang="en-US" altLang="ja-JP" b="1" dirty="0">
+                <a:solidFill>
+                  <a:schemeClr val="tx1"/>
+                </a:solidFill>
+              </a:rPr>
+              <a:t>13</a:t>
+            </a:r>
+            <a:endParaRPr kumimoji="1" lang="ja-JP" altLang="en-US" b="1" dirty="0">
+              <a:solidFill>
+                <a:schemeClr val="tx1"/>
+              </a:solidFill>
+            </a:endParaRPr>
+          </a:p>
+        </p:txBody>
+      </p:sp>
+      <p:sp>
+        <p:nvSpPr>
+          <p:cNvPr id="62" name="楕円 61">
+            <a:extLst>
+              <a:ext uri="{FF2B5EF4-FFF2-40B4-BE49-F238E27FC236}">
+                <a16:creationId xmlns:a16="http://schemas.microsoft.com/office/drawing/2014/main" id="{DBB22A8C-4A15-E0C2-5655-2DA08609F36B}"/>
+              </a:ext>
+            </a:extLst>
+          </p:cNvPr>
+          <p:cNvSpPr/>
+          <p:nvPr/>
+        </p:nvSpPr>
+        <p:spPr>
+          <a:xfrm>
+            <a:off x="3475545" y="1701786"/>
+            <a:ext cx="669773" cy="646330"/>
+          </a:xfrm>
+          <a:prstGeom prst="ellipse">
+            <a:avLst/>
+          </a:prstGeom>
+          <a:solidFill>
+            <a:schemeClr val="accent2"/>
+          </a:solidFill>
+          <a:ln>
+            <a:solidFill>
+              <a:schemeClr val="tx1"/>
+            </a:solidFill>
+          </a:ln>
+        </p:spPr>
+        <p:style>
+          <a:lnRef idx="2">
+            <a:schemeClr val="accent1">
+              <a:shade val="50000"/>
+            </a:schemeClr>
+          </a:lnRef>
+          <a:fillRef idx="1">
+            <a:schemeClr val="accent1"/>
+          </a:fillRef>
+          <a:effectRef idx="0">
+            <a:schemeClr val="accent1"/>
+          </a:effectRef>
+          <a:fontRef idx="minor">
+            <a:schemeClr val="lt1"/>
+          </a:fontRef>
+        </p:style>
+        <p:txBody>
+          <a:bodyPr rtlCol="0" anchor="ctr"/>
+          <a:lstStyle/>
+          <a:p>
+            <a:pPr algn="ctr"/>
+            <a:r>
+              <a:rPr kumimoji="1" lang="en-US" altLang="ja-JP" b="1" dirty="0">
+                <a:solidFill>
+                  <a:schemeClr val="tx1"/>
+                </a:solidFill>
+              </a:rPr>
+              <a:t>0</a:t>
+            </a:r>
+            <a:endParaRPr kumimoji="1" lang="ja-JP" altLang="en-US" b="1" dirty="0">
+              <a:solidFill>
+                <a:schemeClr val="tx1"/>
+              </a:solidFill>
+            </a:endParaRPr>
+          </a:p>
+        </p:txBody>
+      </p:sp>
+      <p:sp>
+        <p:nvSpPr>
+          <p:cNvPr id="64" name="楕円 63">
+            <a:extLst>
+              <a:ext uri="{FF2B5EF4-FFF2-40B4-BE49-F238E27FC236}">
+                <a16:creationId xmlns:a16="http://schemas.microsoft.com/office/drawing/2014/main" id="{0EF9880D-DB1B-D84C-FE92-02417BFFAE0C}"/>
+              </a:ext>
+            </a:extLst>
+          </p:cNvPr>
+          <p:cNvSpPr/>
+          <p:nvPr/>
+        </p:nvSpPr>
+        <p:spPr>
+          <a:xfrm>
+            <a:off x="2255410" y="1701786"/>
+            <a:ext cx="669773" cy="646330"/>
+          </a:xfrm>
+          <a:prstGeom prst="ellipse">
+            <a:avLst/>
+          </a:prstGeom>
+          <a:solidFill>
+            <a:schemeClr val="accent2"/>
+          </a:solidFill>
+          <a:ln>
+            <a:solidFill>
+              <a:schemeClr val="tx1"/>
+            </a:solidFill>
+          </a:ln>
+        </p:spPr>
+        <p:style>
+          <a:lnRef idx="2">
+            <a:schemeClr val="accent1">
+              <a:shade val="50000"/>
+            </a:schemeClr>
+          </a:lnRef>
+          <a:fillRef idx="1">
+            <a:schemeClr val="accent1"/>
+          </a:fillRef>
+          <a:effectRef idx="0">
+            <a:schemeClr val="accent1"/>
+          </a:effectRef>
+          <a:fontRef idx="minor">
+            <a:schemeClr val="lt1"/>
+          </a:fontRef>
+        </p:style>
+        <p:txBody>
+          <a:bodyPr rtlCol="0" anchor="ctr"/>
+          <a:lstStyle/>
+          <a:p>
+            <a:pPr algn="ctr"/>
+            <a:r>
+              <a:rPr kumimoji="1" lang="en-US" altLang="ja-JP" b="1" dirty="0">
+                <a:solidFill>
+                  <a:schemeClr val="tx1"/>
+                </a:solidFill>
+              </a:rPr>
+              <a:t>0</a:t>
+            </a:r>
+            <a:endParaRPr kumimoji="1" lang="ja-JP" altLang="en-US" b="1" dirty="0">
+              <a:solidFill>
+                <a:schemeClr val="tx1"/>
+              </a:solidFill>
+            </a:endParaRPr>
+          </a:p>
+        </p:txBody>
+      </p:sp>
+      <p:sp>
+        <p:nvSpPr>
+          <p:cNvPr id="69" name="楕円 68">
+            <a:extLst>
+              <a:ext uri="{FF2B5EF4-FFF2-40B4-BE49-F238E27FC236}">
+                <a16:creationId xmlns:a16="http://schemas.microsoft.com/office/drawing/2014/main" id="{7691BD2E-6D40-177A-1175-D5BCC2C4AAA9}"/>
+              </a:ext>
+            </a:extLst>
+          </p:cNvPr>
+          <p:cNvSpPr/>
+          <p:nvPr/>
+        </p:nvSpPr>
+        <p:spPr>
+          <a:xfrm>
+            <a:off x="1029155" y="1701786"/>
+            <a:ext cx="669773" cy="646330"/>
+          </a:xfrm>
+          <a:prstGeom prst="ellipse">
+            <a:avLst/>
+          </a:prstGeom>
+          <a:solidFill>
+            <a:schemeClr val="accent2"/>
+          </a:solidFill>
+          <a:ln>
+            <a:solidFill>
+              <a:schemeClr val="tx1"/>
+            </a:solidFill>
+          </a:ln>
+        </p:spPr>
+        <p:style>
+          <a:lnRef idx="2">
+            <a:schemeClr val="accent1">
+              <a:shade val="50000"/>
+            </a:schemeClr>
+          </a:lnRef>
+          <a:fillRef idx="1">
+            <a:schemeClr val="accent1"/>
+          </a:fillRef>
+          <a:effectRef idx="0">
+            <a:schemeClr val="accent1"/>
+          </a:effectRef>
+          <a:fontRef idx="minor">
+            <a:schemeClr val="lt1"/>
+          </a:fontRef>
+        </p:style>
+        <p:txBody>
+          <a:bodyPr rtlCol="0" anchor="ctr"/>
+          <a:lstStyle/>
+          <a:p>
+            <a:pPr algn="ctr"/>
+            <a:r>
+              <a:rPr kumimoji="1" lang="en-US" altLang="ja-JP" b="1" dirty="0">
+                <a:solidFill>
+                  <a:schemeClr val="tx1"/>
+                </a:solidFill>
+              </a:rPr>
+              <a:t>0</a:t>
+            </a:r>
+            <a:endParaRPr kumimoji="1" lang="ja-JP" altLang="en-US" b="1" dirty="0">
+              <a:solidFill>
+                <a:schemeClr val="tx1"/>
+              </a:solidFill>
+            </a:endParaRPr>
+          </a:p>
+        </p:txBody>
+      </p:sp>
+      <p:sp>
+        <p:nvSpPr>
+          <p:cNvPr id="71" name="楕円 70">
+            <a:extLst>
+              <a:ext uri="{FF2B5EF4-FFF2-40B4-BE49-F238E27FC236}">
+                <a16:creationId xmlns:a16="http://schemas.microsoft.com/office/drawing/2014/main" id="{932F4425-5335-ACE0-940D-30562ACCD9C0}"/>
+              </a:ext>
+            </a:extLst>
+          </p:cNvPr>
+          <p:cNvSpPr/>
+          <p:nvPr/>
+        </p:nvSpPr>
+        <p:spPr>
+          <a:xfrm>
+            <a:off x="4698905" y="3085166"/>
+            <a:ext cx="669773" cy="646330"/>
+          </a:xfrm>
+          <a:prstGeom prst="ellipse">
+            <a:avLst/>
+          </a:prstGeom>
+          <a:solidFill>
+            <a:schemeClr val="accent5"/>
+          </a:solidFill>
+          <a:ln>
+            <a:solidFill>
+              <a:schemeClr val="tx1"/>
+            </a:solidFill>
+          </a:ln>
+        </p:spPr>
+        <p:style>
+          <a:lnRef idx="2">
+            <a:schemeClr val="accent1">
+              <a:shade val="50000"/>
+            </a:schemeClr>
+          </a:lnRef>
+          <a:fillRef idx="1">
+            <a:schemeClr val="accent1"/>
+          </a:fillRef>
+          <a:effectRef idx="0">
+            <a:schemeClr val="accent1"/>
+          </a:effectRef>
+          <a:fontRef idx="minor">
+            <a:schemeClr val="lt1"/>
+          </a:fontRef>
+        </p:style>
+        <p:txBody>
+          <a:bodyPr rtlCol="0" anchor="ctr"/>
+          <a:lstStyle/>
+          <a:p>
+            <a:pPr algn="ctr"/>
+            <a:r>
+              <a:rPr lang="en-US" altLang="ja-JP" b="1" dirty="0">
+                <a:solidFill>
+                  <a:schemeClr val="tx1"/>
+                </a:solidFill>
+              </a:rPr>
+              <a:t>14</a:t>
+            </a:r>
+            <a:endParaRPr kumimoji="1" lang="ja-JP" altLang="en-US" b="1" dirty="0">
+              <a:solidFill>
+                <a:schemeClr val="tx1"/>
+              </a:solidFill>
+            </a:endParaRPr>
+          </a:p>
+        </p:txBody>
+      </p:sp>
+      <p:sp>
+        <p:nvSpPr>
+          <p:cNvPr id="75" name="楕円 74">
+            <a:extLst>
+              <a:ext uri="{FF2B5EF4-FFF2-40B4-BE49-F238E27FC236}">
+                <a16:creationId xmlns:a16="http://schemas.microsoft.com/office/drawing/2014/main" id="{0F9DF357-3BFC-9E23-6E7E-82113AB591DD}"/>
+              </a:ext>
+            </a:extLst>
+          </p:cNvPr>
+          <p:cNvSpPr/>
+          <p:nvPr/>
+        </p:nvSpPr>
+        <p:spPr>
+          <a:xfrm>
+            <a:off x="3474086" y="3096125"/>
+            <a:ext cx="669773" cy="646330"/>
+          </a:xfrm>
+          <a:prstGeom prst="ellipse">
+            <a:avLst/>
+          </a:prstGeom>
+          <a:solidFill>
+            <a:schemeClr val="accent2"/>
+          </a:solidFill>
+          <a:ln>
+            <a:solidFill>
+              <a:schemeClr val="tx1"/>
+            </a:solidFill>
+          </a:ln>
+        </p:spPr>
+        <p:style>
+          <a:lnRef idx="2">
+            <a:schemeClr val="accent1">
+              <a:shade val="50000"/>
+            </a:schemeClr>
+          </a:lnRef>
+          <a:fillRef idx="1">
+            <a:schemeClr val="accent1"/>
+          </a:fillRef>
+          <a:effectRef idx="0">
+            <a:schemeClr val="accent1"/>
+          </a:effectRef>
+          <a:fontRef idx="minor">
+            <a:schemeClr val="lt1"/>
+          </a:fontRef>
+        </p:style>
+        <p:txBody>
+          <a:bodyPr rtlCol="0" anchor="ctr"/>
+          <a:lstStyle/>
+          <a:p>
+            <a:pPr algn="ctr"/>
+            <a:r>
+              <a:rPr kumimoji="1" lang="en-US" altLang="ja-JP" b="1" dirty="0">
+                <a:solidFill>
+                  <a:schemeClr val="tx1"/>
+                </a:solidFill>
+              </a:rPr>
+              <a:t>0</a:t>
+            </a:r>
+            <a:endParaRPr kumimoji="1" lang="ja-JP" altLang="en-US" b="1" dirty="0">
+              <a:solidFill>
+                <a:schemeClr val="tx1"/>
+              </a:solidFill>
+            </a:endParaRPr>
+          </a:p>
+        </p:txBody>
+      </p:sp>
+      <p:sp>
+        <p:nvSpPr>
+          <p:cNvPr id="78" name="楕円 77">
+            <a:extLst>
+              <a:ext uri="{FF2B5EF4-FFF2-40B4-BE49-F238E27FC236}">
+                <a16:creationId xmlns:a16="http://schemas.microsoft.com/office/drawing/2014/main" id="{3EF3B43C-EBCF-1158-4EA7-BF0ACCCA5B60}"/>
+              </a:ext>
+            </a:extLst>
+          </p:cNvPr>
+          <p:cNvSpPr/>
+          <p:nvPr/>
+        </p:nvSpPr>
+        <p:spPr>
+          <a:xfrm>
+            <a:off x="2253161" y="3096125"/>
+            <a:ext cx="669773" cy="646330"/>
+          </a:xfrm>
+          <a:prstGeom prst="ellipse">
+            <a:avLst/>
+          </a:prstGeom>
+          <a:solidFill>
+            <a:schemeClr val="accent2"/>
+          </a:solidFill>
+          <a:ln>
+            <a:solidFill>
+              <a:schemeClr val="tx1"/>
+            </a:solidFill>
+          </a:ln>
+        </p:spPr>
+        <p:style>
+          <a:lnRef idx="2">
+            <a:schemeClr val="accent1">
+              <a:shade val="50000"/>
+            </a:schemeClr>
+          </a:lnRef>
+          <a:fillRef idx="1">
+            <a:schemeClr val="accent1"/>
+          </a:fillRef>
+          <a:effectRef idx="0">
+            <a:schemeClr val="accent1"/>
+          </a:effectRef>
+          <a:fontRef idx="minor">
+            <a:schemeClr val="lt1"/>
+          </a:fontRef>
+        </p:style>
+        <p:txBody>
+          <a:bodyPr rtlCol="0" anchor="ctr"/>
+          <a:lstStyle/>
+          <a:p>
+            <a:pPr algn="ctr"/>
+            <a:r>
+              <a:rPr kumimoji="1" lang="en-US" altLang="ja-JP" b="1" dirty="0">
+                <a:solidFill>
+                  <a:schemeClr val="tx1"/>
+                </a:solidFill>
+              </a:rPr>
+              <a:t>0</a:t>
+            </a:r>
+            <a:endParaRPr kumimoji="1" lang="ja-JP" altLang="en-US" b="1" dirty="0">
+              <a:solidFill>
+                <a:schemeClr val="tx1"/>
+              </a:solidFill>
+            </a:endParaRPr>
+          </a:p>
+        </p:txBody>
+      </p:sp>
+      <p:sp>
+        <p:nvSpPr>
+          <p:cNvPr id="2" name="楕円 1">
+            <a:extLst>
+              <a:ext uri="{FF2B5EF4-FFF2-40B4-BE49-F238E27FC236}">
+                <a16:creationId xmlns:a16="http://schemas.microsoft.com/office/drawing/2014/main" id="{DCC81F2B-AC24-28BD-9213-6701D5DC3611}"/>
+              </a:ext>
+            </a:extLst>
+          </p:cNvPr>
+          <p:cNvSpPr/>
+          <p:nvPr/>
+        </p:nvSpPr>
+        <p:spPr>
+          <a:xfrm>
+            <a:off x="8348169" y="3384213"/>
+            <a:ext cx="661906" cy="646330"/>
+          </a:xfrm>
+          <a:prstGeom prst="ellipse">
+            <a:avLst/>
+          </a:prstGeom>
+          <a:noFill/>
+          <a:ln>
+            <a:solidFill>
+              <a:schemeClr val="tx1"/>
+            </a:solidFill>
+          </a:ln>
+        </p:spPr>
+        <p:style>
+          <a:lnRef idx="2">
+            <a:schemeClr val="accent1">
+              <a:shade val="50000"/>
+            </a:schemeClr>
+          </a:lnRef>
+          <a:fillRef idx="1">
+            <a:schemeClr val="accent1"/>
+          </a:fillRef>
+          <a:effectRef idx="0">
+            <a:schemeClr val="accent1"/>
+          </a:effectRef>
+          <a:fontRef idx="minor">
+            <a:schemeClr val="lt1"/>
+          </a:fontRef>
+        </p:style>
+        <p:txBody>
+          <a:bodyPr rtlCol="0" anchor="ctr"/>
+          <a:lstStyle/>
+          <a:p>
+            <a:pPr algn="ctr"/>
+            <a:r>
+              <a:rPr kumimoji="1" lang="en-US" altLang="ja-JP" b="1" dirty="0">
+                <a:solidFill>
+                  <a:schemeClr val="tx1"/>
+                </a:solidFill>
+              </a:rPr>
+              <a:t>5</a:t>
+            </a:r>
+            <a:endParaRPr kumimoji="1" lang="ja-JP" altLang="en-US" b="1" dirty="0">
+              <a:solidFill>
+                <a:schemeClr val="tx1"/>
+              </a:solidFill>
+            </a:endParaRPr>
+          </a:p>
+        </p:txBody>
+      </p:sp>
+      <p:sp>
+        <p:nvSpPr>
+          <p:cNvPr id="6" name="楕円 5">
+            <a:extLst>
+              <a:ext uri="{FF2B5EF4-FFF2-40B4-BE49-F238E27FC236}">
+                <a16:creationId xmlns:a16="http://schemas.microsoft.com/office/drawing/2014/main" id="{E1213606-D1B6-4866-CA5F-75813DC4D335}"/>
+              </a:ext>
+            </a:extLst>
+          </p:cNvPr>
+          <p:cNvSpPr/>
+          <p:nvPr/>
+        </p:nvSpPr>
+        <p:spPr>
+          <a:xfrm>
+            <a:off x="9529569" y="3384213"/>
+            <a:ext cx="661906" cy="646330"/>
+          </a:xfrm>
+          <a:prstGeom prst="ellipse">
+            <a:avLst/>
+          </a:prstGeom>
+          <a:noFill/>
+          <a:ln>
+            <a:solidFill>
+              <a:schemeClr val="tx1"/>
+            </a:solidFill>
+          </a:ln>
+        </p:spPr>
+        <p:style>
+          <a:lnRef idx="2">
+            <a:schemeClr val="accent1">
+              <a:shade val="50000"/>
+            </a:schemeClr>
+          </a:lnRef>
+          <a:fillRef idx="1">
+            <a:schemeClr val="accent1"/>
+          </a:fillRef>
+          <a:effectRef idx="0">
+            <a:schemeClr val="accent1"/>
+          </a:effectRef>
+          <a:fontRef idx="minor">
+            <a:schemeClr val="lt1"/>
+          </a:fontRef>
+        </p:style>
+        <p:txBody>
+          <a:bodyPr rtlCol="0" anchor="ctr"/>
+          <a:lstStyle/>
+          <a:p>
+            <a:pPr algn="ctr"/>
+            <a:r>
+              <a:rPr lang="en-US" altLang="ja-JP" b="1" dirty="0">
+                <a:solidFill>
+                  <a:schemeClr val="tx1"/>
+                </a:solidFill>
+              </a:rPr>
+              <a:t>8</a:t>
+            </a:r>
+            <a:endParaRPr kumimoji="1" lang="ja-JP" altLang="en-US" b="1" dirty="0">
+              <a:solidFill>
+                <a:schemeClr val="tx1"/>
+              </a:solidFill>
+            </a:endParaRPr>
+          </a:p>
+        </p:txBody>
+      </p:sp>
+    </p:spTree>
+    <p:extLst>
+      <p:ext uri="{BB962C8B-B14F-4D97-AF65-F5344CB8AC3E}">
+        <p14:creationId xmlns:p14="http://schemas.microsoft.com/office/powerpoint/2010/main" val="2739389963"/>
+      </p:ext>
+    </p:extLst>
+  </p:cSld>
+  <p:clrMapOvr>
+    <a:masterClrMapping/>
+  </p:clrMapOvr>
+</p:sld>
+</file>
+
+<file path=ppt/slides/slide7.xml><?xml version="1.0" encoding="utf-8"?>
+<p:sld xmlns:a="http://schemas.openxmlformats.org/drawingml/2006/main" xmlns:r="http://schemas.openxmlformats.org/officeDocument/2006/relationships" xmlns:p="http://schemas.openxmlformats.org/presentationml/2006/main">
+  <p:cSld>
+    <p:spTree>
+      <p:nvGrpSpPr>
+        <p:cNvPr id="1" name=""/>
+        <p:cNvGrpSpPr/>
+        <p:nvPr/>
+      </p:nvGrpSpPr>
+      <p:grpSpPr>
+        <a:xfrm>
+          <a:off x="0" y="0"/>
+          <a:ext cx="0" cy="0"/>
+          <a:chOff x="0" y="0"/>
+          <a:chExt cx="0" cy="0"/>
+        </a:xfrm>
+      </p:grpSpPr>
+      <p:cxnSp>
+        <p:nvCxnSpPr>
+          <p:cNvPr id="24" name="直線コネクタ 23">
+            <a:extLst>
+              <a:ext uri="{FF2B5EF4-FFF2-40B4-BE49-F238E27FC236}">
+                <a16:creationId xmlns:a16="http://schemas.microsoft.com/office/drawing/2014/main" id="{F82A930C-F5AB-FBE4-A327-C027ABD864A4}"/>
+              </a:ext>
+            </a:extLst>
+          </p:cNvPr>
+          <p:cNvCxnSpPr>
+            <a:cxnSpLocks/>
+            <a:stCxn id="57" idx="7"/>
+            <a:endCxn id="10" idx="3"/>
+          </p:cNvCxnSpPr>
+          <p:nvPr/>
+        </p:nvCxnSpPr>
+        <p:spPr>
+          <a:xfrm flipV="1">
+            <a:off x="6374224" y="3654523"/>
+            <a:ext cx="724868" cy="684529"/>
+          </a:xfrm>
+          <a:prstGeom prst="line">
+            <a:avLst/>
+          </a:prstGeom>
+          <a:ln>
+            <a:solidFill>
+              <a:schemeClr val="tx1"/>
+            </a:solidFill>
+          </a:ln>
+        </p:spPr>
+        <p:style>
+          <a:lnRef idx="1">
+            <a:schemeClr val="accent1"/>
+          </a:lnRef>
+          <a:fillRef idx="0">
+            <a:schemeClr val="accent1"/>
+          </a:fillRef>
+          <a:effectRef idx="0">
+            <a:schemeClr val="accent1"/>
+          </a:effectRef>
+          <a:fontRef idx="minor">
+            <a:schemeClr val="tx1"/>
+          </a:fontRef>
+        </p:style>
+      </p:cxnSp>
+      <p:cxnSp>
+        <p:nvCxnSpPr>
+          <p:cNvPr id="35" name="直線コネクタ 34">
+            <a:extLst>
+              <a:ext uri="{FF2B5EF4-FFF2-40B4-BE49-F238E27FC236}">
+                <a16:creationId xmlns:a16="http://schemas.microsoft.com/office/drawing/2014/main" id="{3394F000-E77A-B6D4-022D-10AACDA928FB}"/>
+              </a:ext>
+            </a:extLst>
+          </p:cNvPr>
+          <p:cNvCxnSpPr>
+            <a:cxnSpLocks/>
+            <a:stCxn id="43" idx="6"/>
+            <a:endCxn id="34" idx="1"/>
+          </p:cNvCxnSpPr>
+          <p:nvPr/>
+        </p:nvCxnSpPr>
+        <p:spPr>
+          <a:xfrm>
+            <a:off x="4107359" y="1587071"/>
+            <a:ext cx="608384" cy="280835"/>
+          </a:xfrm>
+          <a:prstGeom prst="line">
+            <a:avLst/>
+          </a:prstGeom>
+          <a:ln>
+            <a:solidFill>
+              <a:schemeClr val="tx1"/>
+            </a:solidFill>
+          </a:ln>
+        </p:spPr>
+        <p:style>
+          <a:lnRef idx="1">
+            <a:schemeClr val="accent1"/>
+          </a:lnRef>
+          <a:fillRef idx="0">
+            <a:schemeClr val="accent1"/>
+          </a:fillRef>
+          <a:effectRef idx="0">
+            <a:schemeClr val="accent1"/>
+          </a:effectRef>
+          <a:fontRef idx="minor">
+            <a:schemeClr val="tx1"/>
+          </a:fontRef>
+        </p:style>
+      </p:cxnSp>
+      <p:cxnSp>
+        <p:nvCxnSpPr>
+          <p:cNvPr id="48" name="直線コネクタ 47">
+            <a:extLst>
+              <a:ext uri="{FF2B5EF4-FFF2-40B4-BE49-F238E27FC236}">
+                <a16:creationId xmlns:a16="http://schemas.microsoft.com/office/drawing/2014/main" id="{38153412-84F5-4E64-1F56-01EEB3020D40}"/>
+              </a:ext>
+            </a:extLst>
+          </p:cNvPr>
+          <p:cNvCxnSpPr>
+            <a:cxnSpLocks/>
+            <a:stCxn id="45" idx="6"/>
+            <a:endCxn id="34" idx="3"/>
+          </p:cNvCxnSpPr>
+          <p:nvPr/>
+        </p:nvCxnSpPr>
+        <p:spPr>
+          <a:xfrm flipV="1">
+            <a:off x="4108247" y="2324930"/>
+            <a:ext cx="607496" cy="266279"/>
+          </a:xfrm>
+          <a:prstGeom prst="line">
+            <a:avLst/>
+          </a:prstGeom>
+          <a:ln>
+            <a:solidFill>
+              <a:schemeClr val="tx1"/>
+            </a:solidFill>
+          </a:ln>
+        </p:spPr>
+        <p:style>
+          <a:lnRef idx="1">
+            <a:schemeClr val="accent1"/>
+          </a:lnRef>
+          <a:fillRef idx="0">
+            <a:schemeClr val="accent1"/>
+          </a:fillRef>
+          <a:effectRef idx="0">
+            <a:schemeClr val="accent1"/>
+          </a:effectRef>
+          <a:fontRef idx="minor">
+            <a:schemeClr val="tx1"/>
+          </a:fontRef>
+        </p:style>
+      </p:cxnSp>
+      <p:cxnSp>
+        <p:nvCxnSpPr>
+          <p:cNvPr id="52" name="直線コネクタ 51">
+            <a:extLst>
+              <a:ext uri="{FF2B5EF4-FFF2-40B4-BE49-F238E27FC236}">
+                <a16:creationId xmlns:a16="http://schemas.microsoft.com/office/drawing/2014/main" id="{8DD6091C-8CAE-5F9A-85A5-E92AFB7942BC}"/>
+              </a:ext>
+            </a:extLst>
+          </p:cNvPr>
+          <p:cNvCxnSpPr>
+            <a:cxnSpLocks/>
+            <a:stCxn id="62" idx="6"/>
+            <a:endCxn id="57" idx="1"/>
+          </p:cNvCxnSpPr>
+          <p:nvPr/>
+        </p:nvCxnSpPr>
+        <p:spPr>
+          <a:xfrm>
+            <a:off x="5279423" y="4032843"/>
+            <a:ext cx="626763" cy="306209"/>
+          </a:xfrm>
+          <a:prstGeom prst="line">
+            <a:avLst/>
+          </a:prstGeom>
+          <a:ln>
+            <a:solidFill>
+              <a:schemeClr val="tx1"/>
+            </a:solidFill>
+          </a:ln>
+        </p:spPr>
+        <p:style>
+          <a:lnRef idx="1">
+            <a:schemeClr val="accent1"/>
+          </a:lnRef>
+          <a:fillRef idx="0">
+            <a:schemeClr val="accent1"/>
+          </a:fillRef>
+          <a:effectRef idx="0">
+            <a:schemeClr val="accent1"/>
+          </a:effectRef>
+          <a:fontRef idx="minor">
+            <a:schemeClr val="tx1"/>
+          </a:fontRef>
+        </p:style>
+      </p:cxnSp>
+      <p:cxnSp>
+        <p:nvCxnSpPr>
+          <p:cNvPr id="56" name="直線コネクタ 55">
+            <a:extLst>
+              <a:ext uri="{FF2B5EF4-FFF2-40B4-BE49-F238E27FC236}">
+                <a16:creationId xmlns:a16="http://schemas.microsoft.com/office/drawing/2014/main" id="{89A31D47-A851-9847-F6C8-F10E9A121381}"/>
+              </a:ext>
+            </a:extLst>
+          </p:cNvPr>
+          <p:cNvCxnSpPr>
+            <a:cxnSpLocks/>
+            <a:stCxn id="86" idx="6"/>
+            <a:endCxn id="57" idx="3"/>
+          </p:cNvCxnSpPr>
+          <p:nvPr/>
+        </p:nvCxnSpPr>
+        <p:spPr>
+          <a:xfrm flipV="1">
+            <a:off x="5286341" y="4796076"/>
+            <a:ext cx="619845" cy="695621"/>
+          </a:xfrm>
+          <a:prstGeom prst="line">
+            <a:avLst/>
+          </a:prstGeom>
+          <a:ln>
+            <a:solidFill>
+              <a:schemeClr val="tx1"/>
+            </a:solidFill>
+          </a:ln>
+        </p:spPr>
+        <p:style>
+          <a:lnRef idx="1">
+            <a:schemeClr val="accent1"/>
+          </a:lnRef>
+          <a:fillRef idx="0">
+            <a:schemeClr val="accent1"/>
+          </a:fillRef>
+          <a:effectRef idx="0">
+            <a:schemeClr val="accent1"/>
+          </a:effectRef>
+          <a:fontRef idx="minor">
+            <a:schemeClr val="tx1"/>
+          </a:fontRef>
+        </p:style>
+      </p:cxnSp>
+      <p:cxnSp>
+        <p:nvCxnSpPr>
+          <p:cNvPr id="92" name="直線コネクタ 91">
+            <a:extLst>
+              <a:ext uri="{FF2B5EF4-FFF2-40B4-BE49-F238E27FC236}">
+                <a16:creationId xmlns:a16="http://schemas.microsoft.com/office/drawing/2014/main" id="{F0188C79-281A-7EB4-B7A7-0B74E0A01B6C}"/>
+              </a:ext>
+            </a:extLst>
+          </p:cNvPr>
+          <p:cNvCxnSpPr>
+            <a:cxnSpLocks/>
+            <a:stCxn id="53" idx="6"/>
+            <a:endCxn id="45" idx="2"/>
+          </p:cNvCxnSpPr>
+          <p:nvPr/>
+        </p:nvCxnSpPr>
+        <p:spPr>
+          <a:xfrm>
+            <a:off x="2912367" y="2586974"/>
+            <a:ext cx="533974" cy="4235"/>
+          </a:xfrm>
+          <a:prstGeom prst="line">
+            <a:avLst/>
+          </a:prstGeom>
+          <a:ln>
+            <a:solidFill>
+              <a:schemeClr val="tx1"/>
+            </a:solidFill>
+          </a:ln>
+        </p:spPr>
+        <p:style>
+          <a:lnRef idx="1">
+            <a:schemeClr val="accent1"/>
+          </a:lnRef>
+          <a:fillRef idx="0">
+            <a:schemeClr val="accent1"/>
+          </a:fillRef>
+          <a:effectRef idx="0">
+            <a:schemeClr val="accent1"/>
+          </a:effectRef>
+          <a:fontRef idx="minor">
+            <a:schemeClr val="tx1"/>
+          </a:fontRef>
+        </p:style>
+      </p:cxnSp>
+      <p:cxnSp>
+        <p:nvCxnSpPr>
+          <p:cNvPr id="101" name="直線コネクタ 100">
+            <a:extLst>
+              <a:ext uri="{FF2B5EF4-FFF2-40B4-BE49-F238E27FC236}">
+                <a16:creationId xmlns:a16="http://schemas.microsoft.com/office/drawing/2014/main" id="{662F5556-2EA0-97A9-8869-4603EFD5B92B}"/>
+              </a:ext>
+            </a:extLst>
+          </p:cNvPr>
+          <p:cNvCxnSpPr>
+            <a:cxnSpLocks/>
+            <a:stCxn id="69" idx="6"/>
+            <a:endCxn id="62" idx="1"/>
+          </p:cNvCxnSpPr>
+          <p:nvPr/>
+        </p:nvCxnSpPr>
+        <p:spPr>
+          <a:xfrm>
+            <a:off x="4109874" y="3553953"/>
+            <a:ext cx="604577" cy="250378"/>
+          </a:xfrm>
+          <a:prstGeom prst="line">
+            <a:avLst/>
+          </a:prstGeom>
+          <a:ln>
+            <a:solidFill>
+              <a:schemeClr val="tx1"/>
+            </a:solidFill>
+          </a:ln>
+        </p:spPr>
+        <p:style>
+          <a:lnRef idx="1">
+            <a:schemeClr val="accent1"/>
+          </a:lnRef>
+          <a:fillRef idx="0">
+            <a:schemeClr val="accent1"/>
+          </a:fillRef>
+          <a:effectRef idx="0">
+            <a:schemeClr val="accent1"/>
+          </a:effectRef>
+          <a:fontRef idx="minor">
+            <a:schemeClr val="tx1"/>
+          </a:fontRef>
+        </p:style>
+      </p:cxnSp>
+      <p:cxnSp>
+        <p:nvCxnSpPr>
+          <p:cNvPr id="106" name="直線コネクタ 105">
+            <a:extLst>
+              <a:ext uri="{FF2B5EF4-FFF2-40B4-BE49-F238E27FC236}">
+                <a16:creationId xmlns:a16="http://schemas.microsoft.com/office/drawing/2014/main" id="{E3CB608E-5C39-734B-C8B5-D334794E6A61}"/>
+              </a:ext>
+            </a:extLst>
+          </p:cNvPr>
+          <p:cNvCxnSpPr>
+            <a:cxnSpLocks/>
+            <a:stCxn id="94" idx="6"/>
+            <a:endCxn id="86" idx="2"/>
+          </p:cNvCxnSpPr>
+          <p:nvPr/>
+        </p:nvCxnSpPr>
+        <p:spPr>
+          <a:xfrm>
+            <a:off x="4108247" y="5489419"/>
+            <a:ext cx="516188" cy="2278"/>
+          </a:xfrm>
+          <a:prstGeom prst="line">
+            <a:avLst/>
+          </a:prstGeom>
+          <a:ln>
+            <a:solidFill>
+              <a:schemeClr val="tx1"/>
+            </a:solidFill>
+          </a:ln>
+        </p:spPr>
+        <p:style>
+          <a:lnRef idx="1">
+            <a:schemeClr val="accent1"/>
+          </a:lnRef>
+          <a:fillRef idx="0">
+            <a:schemeClr val="accent1"/>
+          </a:fillRef>
+          <a:effectRef idx="0">
+            <a:schemeClr val="accent1"/>
+          </a:effectRef>
+          <a:fontRef idx="minor">
+            <a:schemeClr val="tx1"/>
+          </a:fontRef>
+        </p:style>
+      </p:cxnSp>
+      <p:cxnSp>
+        <p:nvCxnSpPr>
+          <p:cNvPr id="108" name="直線コネクタ 107">
+            <a:extLst>
+              <a:ext uri="{FF2B5EF4-FFF2-40B4-BE49-F238E27FC236}">
+                <a16:creationId xmlns:a16="http://schemas.microsoft.com/office/drawing/2014/main" id="{A24966FD-ADF1-811F-5BA4-9D0EBA662358}"/>
+              </a:ext>
+            </a:extLst>
+          </p:cNvPr>
+          <p:cNvCxnSpPr>
+            <a:cxnSpLocks/>
+            <a:stCxn id="100" idx="6"/>
+            <a:endCxn id="94" idx="2"/>
+          </p:cNvCxnSpPr>
+          <p:nvPr/>
+        </p:nvCxnSpPr>
+        <p:spPr>
+          <a:xfrm>
+            <a:off x="2910405" y="5489419"/>
+            <a:ext cx="535936" cy="0"/>
+          </a:xfrm>
+          <a:prstGeom prst="line">
+            <a:avLst/>
+          </a:prstGeom>
+          <a:ln>
+            <a:solidFill>
+              <a:schemeClr val="tx1"/>
+            </a:solidFill>
+          </a:ln>
+        </p:spPr>
+        <p:style>
+          <a:lnRef idx="1">
+            <a:schemeClr val="accent1"/>
+          </a:lnRef>
+          <a:fillRef idx="0">
+            <a:schemeClr val="accent1"/>
+          </a:fillRef>
+          <a:effectRef idx="0">
+            <a:schemeClr val="accent1"/>
+          </a:effectRef>
+          <a:fontRef idx="minor">
+            <a:schemeClr val="tx1"/>
+          </a:fontRef>
+        </p:style>
+      </p:cxnSp>
+      <p:cxnSp>
+        <p:nvCxnSpPr>
+          <p:cNvPr id="14" name="直線コネクタ 13">
+            <a:extLst>
+              <a:ext uri="{FF2B5EF4-FFF2-40B4-BE49-F238E27FC236}">
+                <a16:creationId xmlns:a16="http://schemas.microsoft.com/office/drawing/2014/main" id="{AA6C077F-7B18-6801-9C51-2595478B14D3}"/>
+              </a:ext>
+            </a:extLst>
+          </p:cNvPr>
+          <p:cNvCxnSpPr>
+            <a:cxnSpLocks/>
+            <a:stCxn id="79" idx="6"/>
+            <a:endCxn id="62" idx="3"/>
+          </p:cNvCxnSpPr>
+          <p:nvPr/>
+        </p:nvCxnSpPr>
+        <p:spPr>
+          <a:xfrm flipV="1">
+            <a:off x="4117382" y="4261355"/>
+            <a:ext cx="597069" cy="385520"/>
+          </a:xfrm>
+          <a:prstGeom prst="line">
+            <a:avLst/>
+          </a:prstGeom>
+          <a:ln>
+            <a:solidFill>
+              <a:schemeClr val="tx1"/>
+            </a:solidFill>
+          </a:ln>
+        </p:spPr>
+        <p:style>
+          <a:lnRef idx="1">
+            <a:schemeClr val="accent1"/>
+          </a:lnRef>
+          <a:fillRef idx="0">
+            <a:schemeClr val="accent1"/>
+          </a:fillRef>
+          <a:effectRef idx="0">
+            <a:schemeClr val="accent1"/>
+          </a:effectRef>
+          <a:fontRef idx="minor">
+            <a:schemeClr val="tx1"/>
+          </a:fontRef>
+        </p:style>
+      </p:cxnSp>
+      <p:cxnSp>
+        <p:nvCxnSpPr>
+          <p:cNvPr id="18" name="直線コネクタ 17">
+            <a:extLst>
+              <a:ext uri="{FF2B5EF4-FFF2-40B4-BE49-F238E27FC236}">
+                <a16:creationId xmlns:a16="http://schemas.microsoft.com/office/drawing/2014/main" id="{4839C22C-B442-93A3-29E2-41B9329E62FA}"/>
+              </a:ext>
+            </a:extLst>
+          </p:cNvPr>
+          <p:cNvCxnSpPr>
+            <a:cxnSpLocks/>
+            <a:stCxn id="84" idx="6"/>
+            <a:endCxn id="79" idx="2"/>
+          </p:cNvCxnSpPr>
+          <p:nvPr/>
+        </p:nvCxnSpPr>
+        <p:spPr>
+          <a:xfrm>
+            <a:off x="2917337" y="4646875"/>
+            <a:ext cx="538139" cy="0"/>
+          </a:xfrm>
+          <a:prstGeom prst="line">
+            <a:avLst/>
+          </a:prstGeom>
+          <a:ln>
+            <a:solidFill>
+              <a:schemeClr val="tx1"/>
+            </a:solidFill>
+          </a:ln>
+        </p:spPr>
+        <p:style>
+          <a:lnRef idx="1">
+            <a:schemeClr val="accent1"/>
+          </a:lnRef>
+          <a:fillRef idx="0">
+            <a:schemeClr val="accent1"/>
+          </a:fillRef>
+          <a:effectRef idx="0">
+            <a:schemeClr val="accent1"/>
+          </a:effectRef>
+          <a:fontRef idx="minor">
+            <a:schemeClr val="tx1"/>
+          </a:fontRef>
+        </p:style>
+      </p:cxnSp>
+      <p:cxnSp>
+        <p:nvCxnSpPr>
+          <p:cNvPr id="26" name="直線コネクタ 25">
+            <a:extLst>
+              <a:ext uri="{FF2B5EF4-FFF2-40B4-BE49-F238E27FC236}">
+                <a16:creationId xmlns:a16="http://schemas.microsoft.com/office/drawing/2014/main" id="{C1382C45-FC8F-3688-F963-C24A9C69F75A}"/>
+              </a:ext>
+            </a:extLst>
+          </p:cNvPr>
+          <p:cNvCxnSpPr>
+            <a:cxnSpLocks/>
+            <a:stCxn id="23" idx="5"/>
+            <a:endCxn id="10" idx="1"/>
+          </p:cNvCxnSpPr>
+          <p:nvPr/>
+        </p:nvCxnSpPr>
+        <p:spPr>
+          <a:xfrm>
+            <a:off x="6378170" y="2324930"/>
+            <a:ext cx="720922" cy="872569"/>
+          </a:xfrm>
+          <a:prstGeom prst="line">
+            <a:avLst/>
+          </a:prstGeom>
+          <a:ln>
+            <a:solidFill>
+              <a:schemeClr val="tx1"/>
+            </a:solidFill>
+          </a:ln>
+        </p:spPr>
+        <p:style>
+          <a:lnRef idx="1">
+            <a:schemeClr val="accent1"/>
+          </a:lnRef>
+          <a:fillRef idx="0">
+            <a:schemeClr val="accent1"/>
+          </a:fillRef>
+          <a:effectRef idx="0">
+            <a:schemeClr val="accent1"/>
+          </a:effectRef>
+          <a:fontRef idx="minor">
+            <a:schemeClr val="tx1"/>
+          </a:fontRef>
+        </p:style>
+      </p:cxnSp>
+      <p:cxnSp>
+        <p:nvCxnSpPr>
+          <p:cNvPr id="30" name="直線コネクタ 29">
+            <a:extLst>
+              <a:ext uri="{FF2B5EF4-FFF2-40B4-BE49-F238E27FC236}">
+                <a16:creationId xmlns:a16="http://schemas.microsoft.com/office/drawing/2014/main" id="{3086AA9F-4794-031C-7FE1-18054553DB2B}"/>
+              </a:ext>
+            </a:extLst>
+          </p:cNvPr>
+          <p:cNvCxnSpPr>
+            <a:cxnSpLocks/>
+            <a:stCxn id="34" idx="6"/>
+            <a:endCxn id="23" idx="2"/>
+          </p:cNvCxnSpPr>
+          <p:nvPr/>
+        </p:nvCxnSpPr>
+        <p:spPr>
+          <a:xfrm>
+            <a:off x="5280715" y="2096418"/>
+            <a:ext cx="532483" cy="0"/>
+          </a:xfrm>
+          <a:prstGeom prst="line">
+            <a:avLst/>
+          </a:prstGeom>
+          <a:ln>
+            <a:solidFill>
+              <a:schemeClr val="tx1"/>
+            </a:solidFill>
+          </a:ln>
+        </p:spPr>
+        <p:style>
+          <a:lnRef idx="1">
+            <a:schemeClr val="accent1"/>
+          </a:lnRef>
+          <a:fillRef idx="0">
+            <a:schemeClr val="accent1"/>
+          </a:fillRef>
+          <a:effectRef idx="0">
+            <a:schemeClr val="accent1"/>
+          </a:effectRef>
+          <a:fontRef idx="minor">
+            <a:schemeClr val="tx1"/>
+          </a:fontRef>
+        </p:style>
+      </p:cxnSp>
+      <p:sp>
+        <p:nvSpPr>
+          <p:cNvPr id="40" name="テキスト ボックス 39">
+            <a:extLst>
+              <a:ext uri="{FF2B5EF4-FFF2-40B4-BE49-F238E27FC236}">
+                <a16:creationId xmlns:a16="http://schemas.microsoft.com/office/drawing/2014/main" id="{B09FAD52-A974-AA51-89BB-898D043520AB}"/>
+              </a:ext>
+            </a:extLst>
+          </p:cNvPr>
+          <p:cNvSpPr txBox="1"/>
+          <p:nvPr/>
+        </p:nvSpPr>
+        <p:spPr>
+          <a:xfrm>
+            <a:off x="1643652" y="274783"/>
+            <a:ext cx="8331200" cy="923330"/>
+          </a:xfrm>
+          <a:prstGeom prst="rect">
+            <a:avLst/>
+          </a:prstGeom>
+          <a:noFill/>
+        </p:spPr>
+        <p:txBody>
+          <a:bodyPr wrap="square" rtlCol="0">
+            <a:spAutoFit/>
+          </a:bodyPr>
+          <a:lstStyle/>
+          <a:p>
+            <a:r>
+              <a:rPr lang="en-US" altLang="ja-JP" b="0" i="0" dirty="0">
+                <a:solidFill>
+                  <a:srgbClr val="212121"/>
+                </a:solidFill>
+                <a:effectLst/>
+                <a:latin typeface="Courier New" panose="02070309020205020404" pitchFamily="49" charset="0"/>
+              </a:rPr>
+              <a:t>Complex</a:t>
+            </a:r>
+          </a:p>
+          <a:p>
+            <a:r>
+              <a:rPr lang="en-US" altLang="ja-JP" b="0" i="0" dirty="0">
+                <a:solidFill>
+                  <a:srgbClr val="212121"/>
+                </a:solidFill>
+                <a:effectLst/>
+                <a:latin typeface="Courier New" panose="02070309020205020404" pitchFamily="49" charset="0"/>
+              </a:rPr>
+              <a:t>The probability that all labels are outputted along the most likely state transition: -54.719177733313245</a:t>
+            </a:r>
+          </a:p>
+        </p:txBody>
+      </p:sp>
+      <p:pic>
+        <p:nvPicPr>
+          <p:cNvPr id="3" name="Picture 2">
+            <a:extLst>
+              <a:ext uri="{FF2B5EF4-FFF2-40B4-BE49-F238E27FC236}">
+                <a16:creationId xmlns:a16="http://schemas.microsoft.com/office/drawing/2014/main" id="{F9B4B531-78A2-6506-AF55-16A8712F0380}"/>
+              </a:ext>
+            </a:extLst>
+          </p:cNvPr>
+          <p:cNvPicPr>
+            <a:picLocks noChangeAspect="1" noChangeArrowheads="1"/>
+          </p:cNvPicPr>
+          <p:nvPr/>
+        </p:nvPicPr>
+        <p:blipFill>
+          <a:blip r:embed="rId2">
+            <a:extLst>
+              <a:ext uri="{28A0092B-C50C-407E-A947-70E740481C1C}">
+                <a14:useLocalDpi xmlns:a14="http://schemas.microsoft.com/office/drawing/2010/main" val="0"/>
+              </a:ext>
+            </a:extLst>
+          </a:blip>
+          <a:srcRect/>
+          <a:stretch>
+            <a:fillRect/>
+          </a:stretch>
+        </p:blipFill>
+        <p:spPr bwMode="auto">
+          <a:xfrm>
+            <a:off x="7483005" y="3701399"/>
+            <a:ext cx="4050416" cy="3038907"/>
+          </a:xfrm>
+          <a:prstGeom prst="rect">
+            <a:avLst/>
+          </a:prstGeom>
+          <a:noFill/>
+          <a:extLst>
+            <a:ext uri="{909E8E84-426E-40DD-AFC4-6F175D3DCCD1}">
+              <a14:hiddenFill xmlns:a14="http://schemas.microsoft.com/office/drawing/2010/main">
+                <a:solidFill>
+                  <a:srgbClr val="FFFFFF"/>
+                </a:solidFill>
+              </a14:hiddenFill>
+            </a:ext>
+          </a:extLst>
+        </p:spPr>
+      </p:pic>
+      <p:sp>
+        <p:nvSpPr>
+          <p:cNvPr id="6" name="楕円 5">
+            <a:extLst>
+              <a:ext uri="{FF2B5EF4-FFF2-40B4-BE49-F238E27FC236}">
+                <a16:creationId xmlns:a16="http://schemas.microsoft.com/office/drawing/2014/main" id="{710AAAD2-930D-DE04-39EB-9E759540018D}"/>
+              </a:ext>
+            </a:extLst>
+          </p:cNvPr>
+          <p:cNvSpPr/>
+          <p:nvPr/>
+        </p:nvSpPr>
+        <p:spPr>
+          <a:xfrm>
+            <a:off x="9404483" y="3104838"/>
+            <a:ext cx="661906" cy="646330"/>
+          </a:xfrm>
+          <a:prstGeom prst="ellipse">
+            <a:avLst/>
+          </a:prstGeom>
+          <a:noFill/>
+          <a:ln>
+            <a:solidFill>
+              <a:schemeClr val="tx1"/>
+            </a:solidFill>
+          </a:ln>
+        </p:spPr>
+        <p:style>
+          <a:lnRef idx="2">
+            <a:schemeClr val="accent1">
+              <a:shade val="50000"/>
+            </a:schemeClr>
+          </a:lnRef>
+          <a:fillRef idx="1">
+            <a:schemeClr val="accent1"/>
+          </a:fillRef>
+          <a:effectRef idx="0">
+            <a:schemeClr val="accent1"/>
+          </a:effectRef>
+          <a:fontRef idx="minor">
+            <a:schemeClr val="lt1"/>
+          </a:fontRef>
+        </p:style>
+        <p:txBody>
+          <a:bodyPr rtlCol="0" anchor="ctr"/>
+          <a:lstStyle/>
+          <a:p>
+            <a:pPr algn="ctr"/>
+            <a:r>
+              <a:rPr lang="en-US" altLang="ja-JP" dirty="0">
+                <a:solidFill>
+                  <a:schemeClr val="tx1"/>
+                </a:solidFill>
+              </a:rPr>
+              <a:t>8</a:t>
+            </a:r>
+            <a:endParaRPr kumimoji="1" lang="ja-JP" altLang="en-US" dirty="0">
+              <a:solidFill>
+                <a:schemeClr val="tx1"/>
+              </a:solidFill>
+            </a:endParaRPr>
+          </a:p>
+        </p:txBody>
+      </p:sp>
+      <p:cxnSp>
+        <p:nvCxnSpPr>
+          <p:cNvPr id="7" name="直線コネクタ 6">
+            <a:extLst>
+              <a:ext uri="{FF2B5EF4-FFF2-40B4-BE49-F238E27FC236}">
+                <a16:creationId xmlns:a16="http://schemas.microsoft.com/office/drawing/2014/main" id="{1376B6BF-AFC5-3597-2D11-A011E8DA5BF5}"/>
+              </a:ext>
+            </a:extLst>
+          </p:cNvPr>
+          <p:cNvCxnSpPr>
+            <a:cxnSpLocks/>
+            <a:stCxn id="9" idx="6"/>
+            <a:endCxn id="6" idx="2"/>
+          </p:cNvCxnSpPr>
+          <p:nvPr/>
+        </p:nvCxnSpPr>
+        <p:spPr>
+          <a:xfrm>
+            <a:off x="8872173" y="3428003"/>
+            <a:ext cx="532310" cy="0"/>
+          </a:xfrm>
+          <a:prstGeom prst="line">
+            <a:avLst/>
+          </a:prstGeom>
+          <a:ln>
+            <a:solidFill>
+              <a:schemeClr val="tx1"/>
+            </a:solidFill>
+          </a:ln>
+        </p:spPr>
+        <p:style>
+          <a:lnRef idx="1">
+            <a:schemeClr val="accent1"/>
+          </a:lnRef>
+          <a:fillRef idx="0">
+            <a:schemeClr val="accent1"/>
+          </a:fillRef>
+          <a:effectRef idx="0">
+            <a:schemeClr val="accent1"/>
+          </a:effectRef>
+          <a:fontRef idx="minor">
+            <a:schemeClr val="tx1"/>
+          </a:fontRef>
+        </p:style>
+      </p:cxnSp>
+      <p:cxnSp>
+        <p:nvCxnSpPr>
+          <p:cNvPr id="8" name="直線コネクタ 7">
+            <a:extLst>
+              <a:ext uri="{FF2B5EF4-FFF2-40B4-BE49-F238E27FC236}">
+                <a16:creationId xmlns:a16="http://schemas.microsoft.com/office/drawing/2014/main" id="{5D701514-FF7E-2AF2-0498-4CDEBE397B9C}"/>
+              </a:ext>
+            </a:extLst>
+          </p:cNvPr>
+          <p:cNvCxnSpPr>
+            <a:cxnSpLocks/>
+            <a:stCxn id="10" idx="6"/>
+            <a:endCxn id="9" idx="2"/>
+          </p:cNvCxnSpPr>
+          <p:nvPr/>
+        </p:nvCxnSpPr>
+        <p:spPr>
+          <a:xfrm>
+            <a:off x="7664064" y="3426011"/>
+            <a:ext cx="546203" cy="1992"/>
+          </a:xfrm>
+          <a:prstGeom prst="line">
+            <a:avLst/>
+          </a:prstGeom>
+          <a:ln>
+            <a:solidFill>
+              <a:schemeClr val="tx1"/>
+            </a:solidFill>
+          </a:ln>
+        </p:spPr>
+        <p:style>
+          <a:lnRef idx="1">
+            <a:schemeClr val="accent1"/>
+          </a:lnRef>
+          <a:fillRef idx="0">
+            <a:schemeClr val="accent1"/>
+          </a:fillRef>
+          <a:effectRef idx="0">
+            <a:schemeClr val="accent1"/>
+          </a:effectRef>
+          <a:fontRef idx="minor">
+            <a:schemeClr val="tx1"/>
+          </a:fontRef>
+        </p:style>
+      </p:cxnSp>
+      <p:sp>
+        <p:nvSpPr>
+          <p:cNvPr id="9" name="楕円 8">
+            <a:extLst>
+              <a:ext uri="{FF2B5EF4-FFF2-40B4-BE49-F238E27FC236}">
+                <a16:creationId xmlns:a16="http://schemas.microsoft.com/office/drawing/2014/main" id="{6B181088-21F7-78AC-7F43-A844F842FDCC}"/>
+              </a:ext>
+            </a:extLst>
+          </p:cNvPr>
+          <p:cNvSpPr/>
+          <p:nvPr/>
+        </p:nvSpPr>
+        <p:spPr>
+          <a:xfrm>
+            <a:off x="8210267" y="3104838"/>
+            <a:ext cx="661906" cy="646330"/>
+          </a:xfrm>
+          <a:prstGeom prst="ellipse">
+            <a:avLst/>
+          </a:prstGeom>
+          <a:noFill/>
+          <a:ln>
+            <a:solidFill>
+              <a:schemeClr val="tx1"/>
+            </a:solidFill>
+          </a:ln>
+        </p:spPr>
+        <p:style>
+          <a:lnRef idx="2">
+            <a:schemeClr val="accent1">
+              <a:shade val="50000"/>
+            </a:schemeClr>
+          </a:lnRef>
+          <a:fillRef idx="1">
+            <a:schemeClr val="accent1"/>
+          </a:fillRef>
+          <a:effectRef idx="0">
+            <a:schemeClr val="accent1"/>
+          </a:effectRef>
+          <a:fontRef idx="minor">
+            <a:schemeClr val="lt1"/>
+          </a:fontRef>
+        </p:style>
+        <p:txBody>
+          <a:bodyPr rtlCol="0" anchor="ctr"/>
+          <a:lstStyle/>
+          <a:p>
+            <a:pPr algn="ctr"/>
+            <a:r>
+              <a:rPr kumimoji="1" lang="en-US" altLang="ja-JP" dirty="0">
+                <a:solidFill>
+                  <a:schemeClr val="tx1"/>
+                </a:solidFill>
+              </a:rPr>
+              <a:t>5</a:t>
+            </a:r>
+            <a:endParaRPr kumimoji="1" lang="ja-JP" altLang="en-US" dirty="0">
+              <a:solidFill>
+                <a:schemeClr val="tx1"/>
+              </a:solidFill>
+            </a:endParaRPr>
+          </a:p>
+        </p:txBody>
+      </p:sp>
+      <p:sp>
+        <p:nvSpPr>
+          <p:cNvPr id="10" name="楕円 9">
+            <a:extLst>
+              <a:ext uri="{FF2B5EF4-FFF2-40B4-BE49-F238E27FC236}">
+                <a16:creationId xmlns:a16="http://schemas.microsoft.com/office/drawing/2014/main" id="{68489955-1AEC-CEDD-58D4-C822F3A96F39}"/>
+              </a:ext>
+            </a:extLst>
+          </p:cNvPr>
+          <p:cNvSpPr/>
+          <p:nvPr/>
+        </p:nvSpPr>
+        <p:spPr>
+          <a:xfrm>
+            <a:off x="7002158" y="3102846"/>
+            <a:ext cx="661906" cy="646330"/>
+          </a:xfrm>
+          <a:prstGeom prst="ellipse">
+            <a:avLst/>
+          </a:prstGeom>
+          <a:noFill/>
+          <a:ln>
+            <a:solidFill>
+              <a:schemeClr val="tx1"/>
+            </a:solidFill>
+          </a:ln>
+        </p:spPr>
+        <p:style>
+          <a:lnRef idx="2">
+            <a:schemeClr val="accent1">
+              <a:shade val="50000"/>
+            </a:schemeClr>
+          </a:lnRef>
+          <a:fillRef idx="1">
+            <a:schemeClr val="accent1"/>
+          </a:fillRef>
+          <a:effectRef idx="0">
+            <a:schemeClr val="accent1"/>
+          </a:effectRef>
+          <a:fontRef idx="minor">
+            <a:schemeClr val="lt1"/>
+          </a:fontRef>
+        </p:style>
+        <p:txBody>
+          <a:bodyPr rtlCol="0" anchor="ctr"/>
+          <a:lstStyle/>
+          <a:p>
+            <a:pPr algn="ctr"/>
+            <a:r>
+              <a:rPr kumimoji="1" lang="en-US" altLang="ja-JP" dirty="0">
+                <a:solidFill>
+                  <a:schemeClr val="tx1"/>
+                </a:solidFill>
+              </a:rPr>
+              <a:t>4</a:t>
+            </a:r>
+            <a:endParaRPr kumimoji="1" lang="ja-JP" altLang="en-US" dirty="0">
+              <a:solidFill>
+                <a:schemeClr val="tx1"/>
+              </a:solidFill>
+            </a:endParaRPr>
+          </a:p>
+        </p:txBody>
+      </p:sp>
+      <p:sp>
+        <p:nvSpPr>
+          <p:cNvPr id="23" name="楕円 22">
+            <a:extLst>
+              <a:ext uri="{FF2B5EF4-FFF2-40B4-BE49-F238E27FC236}">
+                <a16:creationId xmlns:a16="http://schemas.microsoft.com/office/drawing/2014/main" id="{8A36D0ED-DF2D-B65F-F35F-2D6455C1FCE6}"/>
+              </a:ext>
+            </a:extLst>
+          </p:cNvPr>
+          <p:cNvSpPr/>
+          <p:nvPr/>
+        </p:nvSpPr>
+        <p:spPr>
+          <a:xfrm>
+            <a:off x="5813198" y="1773253"/>
+            <a:ext cx="661906" cy="646330"/>
+          </a:xfrm>
+          <a:prstGeom prst="ellipse">
+            <a:avLst/>
+          </a:prstGeom>
+          <a:noFill/>
+          <a:ln>
+            <a:solidFill>
+              <a:schemeClr val="tx1"/>
+            </a:solidFill>
+          </a:ln>
+        </p:spPr>
+        <p:style>
+          <a:lnRef idx="2">
+            <a:schemeClr val="accent1">
+              <a:shade val="50000"/>
+            </a:schemeClr>
+          </a:lnRef>
+          <a:fillRef idx="1">
+            <a:schemeClr val="accent1"/>
+          </a:fillRef>
+          <a:effectRef idx="0">
+            <a:schemeClr val="accent1"/>
+          </a:effectRef>
+          <a:fontRef idx="minor">
+            <a:schemeClr val="lt1"/>
+          </a:fontRef>
+        </p:style>
+        <p:txBody>
+          <a:bodyPr rtlCol="0" anchor="ctr"/>
+          <a:lstStyle/>
+          <a:p>
+            <a:pPr algn="ctr"/>
+            <a:r>
+              <a:rPr kumimoji="1" lang="en-US" altLang="ja-JP" dirty="0">
+                <a:solidFill>
+                  <a:schemeClr val="tx1"/>
+                </a:solidFill>
+              </a:rPr>
+              <a:t>10</a:t>
+            </a:r>
+            <a:endParaRPr kumimoji="1" lang="ja-JP" altLang="en-US" dirty="0">
+              <a:solidFill>
+                <a:schemeClr val="tx1"/>
+              </a:solidFill>
+            </a:endParaRPr>
+          </a:p>
+        </p:txBody>
+      </p:sp>
+      <p:sp>
+        <p:nvSpPr>
+          <p:cNvPr id="34" name="楕円 33">
+            <a:extLst>
+              <a:ext uri="{FF2B5EF4-FFF2-40B4-BE49-F238E27FC236}">
+                <a16:creationId xmlns:a16="http://schemas.microsoft.com/office/drawing/2014/main" id="{D207735D-0D38-238E-BD01-09E3A4F96CAD}"/>
+              </a:ext>
+            </a:extLst>
+          </p:cNvPr>
+          <p:cNvSpPr/>
+          <p:nvPr/>
+        </p:nvSpPr>
+        <p:spPr>
+          <a:xfrm>
+            <a:off x="4618809" y="1773253"/>
+            <a:ext cx="661906" cy="646330"/>
+          </a:xfrm>
+          <a:prstGeom prst="ellipse">
+            <a:avLst/>
+          </a:prstGeom>
+          <a:noFill/>
+          <a:ln>
+            <a:solidFill>
+              <a:schemeClr val="tx1"/>
+            </a:solidFill>
+          </a:ln>
+        </p:spPr>
+        <p:style>
+          <a:lnRef idx="2">
+            <a:schemeClr val="accent1">
+              <a:shade val="50000"/>
+            </a:schemeClr>
+          </a:lnRef>
+          <a:fillRef idx="1">
+            <a:schemeClr val="accent1"/>
+          </a:fillRef>
+          <a:effectRef idx="0">
+            <a:schemeClr val="accent1"/>
+          </a:effectRef>
+          <a:fontRef idx="minor">
+            <a:schemeClr val="lt1"/>
+          </a:fontRef>
+        </p:style>
+        <p:txBody>
+          <a:bodyPr rtlCol="0" anchor="ctr"/>
+          <a:lstStyle/>
+          <a:p>
+            <a:pPr algn="ctr"/>
+            <a:r>
+              <a:rPr lang="en-US" altLang="ja-JP" dirty="0">
+                <a:solidFill>
+                  <a:schemeClr val="tx1"/>
+                </a:solidFill>
+              </a:rPr>
+              <a:t>9</a:t>
+            </a:r>
+            <a:endParaRPr lang="ja-JP" altLang="en-US" dirty="0">
+              <a:solidFill>
+                <a:schemeClr val="tx1"/>
+              </a:solidFill>
+            </a:endParaRPr>
+          </a:p>
+        </p:txBody>
+      </p:sp>
+      <p:sp>
+        <p:nvSpPr>
+          <p:cNvPr id="43" name="楕円 42">
+            <a:extLst>
+              <a:ext uri="{FF2B5EF4-FFF2-40B4-BE49-F238E27FC236}">
+                <a16:creationId xmlns:a16="http://schemas.microsoft.com/office/drawing/2014/main" id="{83E409C6-95C2-99A2-9B51-E5EE1896EA0B}"/>
+              </a:ext>
+            </a:extLst>
+          </p:cNvPr>
+          <p:cNvSpPr/>
+          <p:nvPr/>
+        </p:nvSpPr>
+        <p:spPr>
+          <a:xfrm>
+            <a:off x="3445453" y="1263906"/>
+            <a:ext cx="661906" cy="646330"/>
+          </a:xfrm>
+          <a:prstGeom prst="ellipse">
+            <a:avLst/>
+          </a:prstGeom>
+          <a:noFill/>
+          <a:ln>
+            <a:solidFill>
+              <a:schemeClr val="tx1"/>
+            </a:solidFill>
+          </a:ln>
+        </p:spPr>
+        <p:style>
+          <a:lnRef idx="2">
+            <a:schemeClr val="accent1">
+              <a:shade val="50000"/>
+            </a:schemeClr>
+          </a:lnRef>
+          <a:fillRef idx="1">
+            <a:schemeClr val="accent1"/>
+          </a:fillRef>
+          <a:effectRef idx="0">
+            <a:schemeClr val="accent1"/>
+          </a:effectRef>
+          <a:fontRef idx="minor">
+            <a:schemeClr val="lt1"/>
+          </a:fontRef>
+        </p:style>
+        <p:txBody>
+          <a:bodyPr rtlCol="0" anchor="ctr"/>
+          <a:lstStyle/>
+          <a:p>
+            <a:pPr algn="ctr"/>
+            <a:r>
+              <a:rPr kumimoji="1" lang="en-US" altLang="ja-JP" dirty="0">
+                <a:solidFill>
+                  <a:schemeClr val="tx1"/>
+                </a:solidFill>
+              </a:rPr>
+              <a:t>1</a:t>
+            </a:r>
+            <a:endParaRPr kumimoji="1" lang="ja-JP" altLang="en-US" dirty="0">
+              <a:solidFill>
+                <a:schemeClr val="tx1"/>
+              </a:solidFill>
+            </a:endParaRPr>
+          </a:p>
+        </p:txBody>
+      </p:sp>
+      <p:sp>
+        <p:nvSpPr>
+          <p:cNvPr id="45" name="楕円 44">
+            <a:extLst>
+              <a:ext uri="{FF2B5EF4-FFF2-40B4-BE49-F238E27FC236}">
+                <a16:creationId xmlns:a16="http://schemas.microsoft.com/office/drawing/2014/main" id="{76089734-F09E-331B-C763-608F719E409A}"/>
+              </a:ext>
+            </a:extLst>
+          </p:cNvPr>
+          <p:cNvSpPr/>
+          <p:nvPr/>
+        </p:nvSpPr>
+        <p:spPr>
+          <a:xfrm>
+            <a:off x="3446341" y="2268044"/>
+            <a:ext cx="661906" cy="646330"/>
+          </a:xfrm>
+          <a:prstGeom prst="ellipse">
+            <a:avLst/>
+          </a:prstGeom>
+          <a:noFill/>
+          <a:ln>
+            <a:solidFill>
+              <a:schemeClr val="tx1"/>
+            </a:solidFill>
+          </a:ln>
+        </p:spPr>
+        <p:style>
+          <a:lnRef idx="2">
+            <a:schemeClr val="accent1">
+              <a:shade val="50000"/>
+            </a:schemeClr>
+          </a:lnRef>
+          <a:fillRef idx="1">
+            <a:schemeClr val="accent1"/>
+          </a:fillRef>
+          <a:effectRef idx="0">
+            <a:schemeClr val="accent1"/>
+          </a:effectRef>
+          <a:fontRef idx="minor">
+            <a:schemeClr val="lt1"/>
+          </a:fontRef>
+        </p:style>
+        <p:txBody>
+          <a:bodyPr rtlCol="0" anchor="ctr"/>
+          <a:lstStyle/>
+          <a:p>
+            <a:pPr algn="ctr"/>
+            <a:r>
+              <a:rPr kumimoji="1" lang="en-US" altLang="ja-JP" dirty="0">
+                <a:solidFill>
+                  <a:schemeClr val="tx1"/>
+                </a:solidFill>
+              </a:rPr>
+              <a:t>6</a:t>
+            </a:r>
+            <a:endParaRPr kumimoji="1" lang="ja-JP" altLang="en-US" dirty="0">
+              <a:solidFill>
+                <a:schemeClr val="tx1"/>
+              </a:solidFill>
+            </a:endParaRPr>
+          </a:p>
+        </p:txBody>
+      </p:sp>
+      <p:sp>
+        <p:nvSpPr>
+          <p:cNvPr id="53" name="楕円 52">
+            <a:extLst>
+              <a:ext uri="{FF2B5EF4-FFF2-40B4-BE49-F238E27FC236}">
+                <a16:creationId xmlns:a16="http://schemas.microsoft.com/office/drawing/2014/main" id="{C545EA2B-5BFB-6616-3FE1-0C366A97BDE7}"/>
+              </a:ext>
+            </a:extLst>
+          </p:cNvPr>
+          <p:cNvSpPr/>
+          <p:nvPr/>
+        </p:nvSpPr>
+        <p:spPr>
+          <a:xfrm>
+            <a:off x="2250461" y="2263809"/>
+            <a:ext cx="661906" cy="646330"/>
+          </a:xfrm>
+          <a:prstGeom prst="ellipse">
+            <a:avLst/>
+          </a:prstGeom>
+          <a:noFill/>
+          <a:ln>
+            <a:solidFill>
+              <a:schemeClr val="tx1"/>
+            </a:solidFill>
+          </a:ln>
+        </p:spPr>
+        <p:style>
+          <a:lnRef idx="2">
+            <a:schemeClr val="accent1">
+              <a:shade val="50000"/>
+            </a:schemeClr>
+          </a:lnRef>
+          <a:fillRef idx="1">
+            <a:schemeClr val="accent1"/>
+          </a:fillRef>
+          <a:effectRef idx="0">
+            <a:schemeClr val="accent1"/>
+          </a:effectRef>
+          <a:fontRef idx="minor">
+            <a:schemeClr val="lt1"/>
+          </a:fontRef>
+        </p:style>
+        <p:txBody>
+          <a:bodyPr rtlCol="0" anchor="ctr"/>
+          <a:lstStyle/>
+          <a:p>
+            <a:pPr algn="ctr"/>
+            <a:r>
+              <a:rPr lang="en-US" altLang="ja-JP" dirty="0">
+                <a:solidFill>
+                  <a:schemeClr val="tx1"/>
+                </a:solidFill>
+              </a:rPr>
+              <a:t>1</a:t>
+            </a:r>
+            <a:endParaRPr kumimoji="1" lang="ja-JP" altLang="en-US" dirty="0">
+              <a:solidFill>
+                <a:schemeClr val="tx1"/>
+              </a:solidFill>
+            </a:endParaRPr>
+          </a:p>
+        </p:txBody>
+      </p:sp>
+      <p:sp>
+        <p:nvSpPr>
+          <p:cNvPr id="57" name="楕円 56">
+            <a:extLst>
+              <a:ext uri="{FF2B5EF4-FFF2-40B4-BE49-F238E27FC236}">
+                <a16:creationId xmlns:a16="http://schemas.microsoft.com/office/drawing/2014/main" id="{1E349E6B-F07E-D696-A57E-093AFC74F88C}"/>
+              </a:ext>
+            </a:extLst>
+          </p:cNvPr>
+          <p:cNvSpPr/>
+          <p:nvPr/>
+        </p:nvSpPr>
+        <p:spPr>
+          <a:xfrm>
+            <a:off x="5809252" y="4244399"/>
+            <a:ext cx="661906" cy="646330"/>
+          </a:xfrm>
+          <a:prstGeom prst="ellipse">
+            <a:avLst/>
+          </a:prstGeom>
+          <a:noFill/>
+          <a:ln>
+            <a:solidFill>
+              <a:schemeClr val="tx1"/>
+            </a:solidFill>
+          </a:ln>
+        </p:spPr>
+        <p:style>
+          <a:lnRef idx="2">
+            <a:schemeClr val="accent1">
+              <a:shade val="50000"/>
+            </a:schemeClr>
+          </a:lnRef>
+          <a:fillRef idx="1">
+            <a:schemeClr val="accent1"/>
+          </a:fillRef>
+          <a:effectRef idx="0">
+            <a:schemeClr val="accent1"/>
+          </a:effectRef>
+          <a:fontRef idx="minor">
+            <a:schemeClr val="lt1"/>
+          </a:fontRef>
+        </p:style>
+        <p:txBody>
+          <a:bodyPr rtlCol="0" anchor="ctr"/>
+          <a:lstStyle/>
+          <a:p>
+            <a:pPr algn="ctr"/>
+            <a:r>
+              <a:rPr kumimoji="1" lang="en-US" altLang="ja-JP" dirty="0">
+                <a:solidFill>
+                  <a:schemeClr val="tx1"/>
+                </a:solidFill>
+              </a:rPr>
+              <a:t>14</a:t>
+            </a:r>
+            <a:endParaRPr kumimoji="1" lang="ja-JP" altLang="en-US" dirty="0">
+              <a:solidFill>
+                <a:schemeClr val="tx1"/>
+              </a:solidFill>
+            </a:endParaRPr>
+          </a:p>
+        </p:txBody>
+      </p:sp>
+      <p:sp>
+        <p:nvSpPr>
+          <p:cNvPr id="62" name="楕円 61">
+            <a:extLst>
+              <a:ext uri="{FF2B5EF4-FFF2-40B4-BE49-F238E27FC236}">
+                <a16:creationId xmlns:a16="http://schemas.microsoft.com/office/drawing/2014/main" id="{0D379461-A325-B743-ABD8-0179499F3CF0}"/>
+              </a:ext>
+            </a:extLst>
+          </p:cNvPr>
+          <p:cNvSpPr/>
+          <p:nvPr/>
+        </p:nvSpPr>
+        <p:spPr>
+          <a:xfrm>
+            <a:off x="4617517" y="3709678"/>
+            <a:ext cx="661906" cy="646330"/>
+          </a:xfrm>
+          <a:prstGeom prst="ellipse">
+            <a:avLst/>
+          </a:prstGeom>
+          <a:noFill/>
+          <a:ln>
+            <a:solidFill>
+              <a:schemeClr val="tx1"/>
+            </a:solidFill>
+          </a:ln>
+        </p:spPr>
+        <p:style>
+          <a:lnRef idx="2">
+            <a:schemeClr val="accent1">
+              <a:shade val="50000"/>
+            </a:schemeClr>
+          </a:lnRef>
+          <a:fillRef idx="1">
+            <a:schemeClr val="accent1"/>
+          </a:fillRef>
+          <a:effectRef idx="0">
+            <a:schemeClr val="accent1"/>
+          </a:effectRef>
+          <a:fontRef idx="minor">
+            <a:schemeClr val="lt1"/>
+          </a:fontRef>
+        </p:style>
+        <p:txBody>
+          <a:bodyPr rtlCol="0" anchor="ctr"/>
+          <a:lstStyle/>
+          <a:p>
+            <a:pPr algn="ctr"/>
+            <a:r>
+              <a:rPr kumimoji="1" lang="en-US" altLang="ja-JP" dirty="0">
+                <a:solidFill>
+                  <a:schemeClr val="tx1"/>
+                </a:solidFill>
+              </a:rPr>
+              <a:t>7</a:t>
+            </a:r>
+            <a:endParaRPr kumimoji="1" lang="ja-JP" altLang="en-US" dirty="0">
+              <a:solidFill>
+                <a:schemeClr val="tx1"/>
+              </a:solidFill>
+            </a:endParaRPr>
+          </a:p>
+        </p:txBody>
+      </p:sp>
+      <p:sp>
+        <p:nvSpPr>
+          <p:cNvPr id="69" name="楕円 68">
+            <a:extLst>
+              <a:ext uri="{FF2B5EF4-FFF2-40B4-BE49-F238E27FC236}">
+                <a16:creationId xmlns:a16="http://schemas.microsoft.com/office/drawing/2014/main" id="{0620465B-7235-616A-24B9-FC6C0822ED97}"/>
+              </a:ext>
+            </a:extLst>
+          </p:cNvPr>
+          <p:cNvSpPr/>
+          <p:nvPr/>
+        </p:nvSpPr>
+        <p:spPr>
+          <a:xfrm>
+            <a:off x="3447968" y="3230788"/>
+            <a:ext cx="661906" cy="646330"/>
+          </a:xfrm>
+          <a:prstGeom prst="ellipse">
+            <a:avLst/>
+          </a:prstGeom>
+          <a:noFill/>
+          <a:ln>
+            <a:solidFill>
+              <a:schemeClr val="tx1"/>
+            </a:solidFill>
+          </a:ln>
+        </p:spPr>
+        <p:style>
+          <a:lnRef idx="2">
+            <a:schemeClr val="accent1">
+              <a:shade val="50000"/>
+            </a:schemeClr>
+          </a:lnRef>
+          <a:fillRef idx="1">
+            <a:schemeClr val="accent1"/>
+          </a:fillRef>
+          <a:effectRef idx="0">
+            <a:schemeClr val="accent1"/>
+          </a:effectRef>
+          <a:fontRef idx="minor">
+            <a:schemeClr val="lt1"/>
+          </a:fontRef>
+        </p:style>
+        <p:txBody>
+          <a:bodyPr rtlCol="0" anchor="ctr"/>
+          <a:lstStyle/>
+          <a:p>
+            <a:pPr algn="ctr"/>
+            <a:r>
+              <a:rPr kumimoji="1" lang="en-US" altLang="ja-JP" dirty="0">
+                <a:solidFill>
+                  <a:schemeClr val="tx1"/>
+                </a:solidFill>
+              </a:rPr>
+              <a:t>1</a:t>
+            </a:r>
+            <a:endParaRPr kumimoji="1" lang="ja-JP" altLang="en-US" dirty="0">
+              <a:solidFill>
+                <a:schemeClr val="tx1"/>
+              </a:solidFill>
+            </a:endParaRPr>
+          </a:p>
+        </p:txBody>
+      </p:sp>
+      <p:sp>
+        <p:nvSpPr>
+          <p:cNvPr id="79" name="楕円 78">
+            <a:extLst>
+              <a:ext uri="{FF2B5EF4-FFF2-40B4-BE49-F238E27FC236}">
+                <a16:creationId xmlns:a16="http://schemas.microsoft.com/office/drawing/2014/main" id="{1FCB90BA-1072-9C5D-0606-B326C850A9BF}"/>
+              </a:ext>
+            </a:extLst>
+          </p:cNvPr>
+          <p:cNvSpPr/>
+          <p:nvPr/>
+        </p:nvSpPr>
+        <p:spPr>
+          <a:xfrm>
+            <a:off x="3455476" y="4323710"/>
+            <a:ext cx="661906" cy="646330"/>
+          </a:xfrm>
+          <a:prstGeom prst="ellipse">
+            <a:avLst/>
+          </a:prstGeom>
+          <a:noFill/>
+          <a:ln>
+            <a:solidFill>
+              <a:schemeClr val="tx1"/>
+            </a:solidFill>
+          </a:ln>
+        </p:spPr>
+        <p:style>
+          <a:lnRef idx="2">
+            <a:schemeClr val="accent1">
+              <a:shade val="50000"/>
+            </a:schemeClr>
+          </a:lnRef>
+          <a:fillRef idx="1">
+            <a:schemeClr val="accent1"/>
+          </a:fillRef>
+          <a:effectRef idx="0">
+            <a:schemeClr val="accent1"/>
+          </a:effectRef>
+          <a:fontRef idx="minor">
+            <a:schemeClr val="lt1"/>
+          </a:fontRef>
+        </p:style>
+        <p:txBody>
+          <a:bodyPr rtlCol="0" anchor="ctr"/>
+          <a:lstStyle/>
+          <a:p>
+            <a:pPr algn="ctr"/>
+            <a:r>
+              <a:rPr kumimoji="1" lang="en-US" altLang="ja-JP" dirty="0">
+                <a:solidFill>
+                  <a:schemeClr val="tx1"/>
+                </a:solidFill>
+              </a:rPr>
+              <a:t>3</a:t>
+            </a:r>
+            <a:endParaRPr kumimoji="1" lang="ja-JP" altLang="en-US" dirty="0">
+              <a:solidFill>
+                <a:schemeClr val="tx1"/>
+              </a:solidFill>
+            </a:endParaRPr>
+          </a:p>
+        </p:txBody>
+      </p:sp>
+      <p:sp>
+        <p:nvSpPr>
+          <p:cNvPr id="84" name="楕円 83">
+            <a:extLst>
+              <a:ext uri="{FF2B5EF4-FFF2-40B4-BE49-F238E27FC236}">
+                <a16:creationId xmlns:a16="http://schemas.microsoft.com/office/drawing/2014/main" id="{D83C28CC-EB4C-9091-2B7B-E91E4DB7258D}"/>
+              </a:ext>
+            </a:extLst>
+          </p:cNvPr>
+          <p:cNvSpPr/>
+          <p:nvPr/>
+        </p:nvSpPr>
+        <p:spPr>
+          <a:xfrm>
+            <a:off x="2255431" y="4323710"/>
+            <a:ext cx="661906" cy="646330"/>
+          </a:xfrm>
+          <a:prstGeom prst="ellipse">
+            <a:avLst/>
+          </a:prstGeom>
+          <a:noFill/>
+          <a:ln>
+            <a:solidFill>
+              <a:schemeClr val="tx1"/>
+            </a:solidFill>
+          </a:ln>
+        </p:spPr>
+        <p:style>
+          <a:lnRef idx="2">
+            <a:schemeClr val="accent1">
+              <a:shade val="50000"/>
+            </a:schemeClr>
+          </a:lnRef>
+          <a:fillRef idx="1">
+            <a:schemeClr val="accent1"/>
+          </a:fillRef>
+          <a:effectRef idx="0">
+            <a:schemeClr val="accent1"/>
+          </a:effectRef>
+          <a:fontRef idx="minor">
+            <a:schemeClr val="lt1"/>
+          </a:fontRef>
+        </p:style>
+        <p:txBody>
+          <a:bodyPr rtlCol="0" anchor="ctr"/>
+          <a:lstStyle/>
+          <a:p>
+            <a:pPr algn="ctr"/>
+            <a:r>
+              <a:rPr kumimoji="1" lang="en-US" altLang="ja-JP" dirty="0">
+                <a:solidFill>
+                  <a:schemeClr val="tx1"/>
+                </a:solidFill>
+              </a:rPr>
+              <a:t>6</a:t>
+            </a:r>
+            <a:endParaRPr kumimoji="1" lang="ja-JP" altLang="en-US" dirty="0">
+              <a:solidFill>
+                <a:schemeClr val="tx1"/>
+              </a:solidFill>
+            </a:endParaRPr>
+          </a:p>
+        </p:txBody>
+      </p:sp>
+      <p:sp>
+        <p:nvSpPr>
+          <p:cNvPr id="86" name="楕円 85">
+            <a:extLst>
+              <a:ext uri="{FF2B5EF4-FFF2-40B4-BE49-F238E27FC236}">
+                <a16:creationId xmlns:a16="http://schemas.microsoft.com/office/drawing/2014/main" id="{1F93333A-5210-B9FB-8E2E-9A8198EC4D57}"/>
+              </a:ext>
+            </a:extLst>
+          </p:cNvPr>
+          <p:cNvSpPr/>
+          <p:nvPr/>
+        </p:nvSpPr>
+        <p:spPr>
+          <a:xfrm>
+            <a:off x="4624435" y="5168532"/>
+            <a:ext cx="661906" cy="646330"/>
+          </a:xfrm>
+          <a:prstGeom prst="ellipse">
+            <a:avLst/>
+          </a:prstGeom>
+          <a:noFill/>
+          <a:ln>
+            <a:solidFill>
+              <a:schemeClr val="tx1"/>
+            </a:solidFill>
+          </a:ln>
+        </p:spPr>
+        <p:style>
+          <a:lnRef idx="2">
+            <a:schemeClr val="accent1">
+              <a:shade val="50000"/>
+            </a:schemeClr>
+          </a:lnRef>
+          <a:fillRef idx="1">
+            <a:schemeClr val="accent1"/>
+          </a:fillRef>
+          <a:effectRef idx="0">
+            <a:schemeClr val="accent1"/>
+          </a:effectRef>
+          <a:fontRef idx="minor">
+            <a:schemeClr val="lt1"/>
+          </a:fontRef>
+        </p:style>
+        <p:txBody>
+          <a:bodyPr rtlCol="0" anchor="ctr"/>
+          <a:lstStyle/>
+          <a:p>
+            <a:pPr algn="ctr"/>
+            <a:r>
+              <a:rPr lang="en-US" altLang="ja-JP" dirty="0">
+                <a:solidFill>
+                  <a:srgbClr val="FF0000"/>
+                </a:solidFill>
+              </a:rPr>
+              <a:t>2</a:t>
+            </a:r>
+            <a:endParaRPr kumimoji="1" lang="ja-JP" altLang="en-US" dirty="0">
+              <a:solidFill>
+                <a:srgbClr val="FF0000"/>
+              </a:solidFill>
+            </a:endParaRPr>
+          </a:p>
+        </p:txBody>
+      </p:sp>
+      <p:sp>
+        <p:nvSpPr>
+          <p:cNvPr id="94" name="楕円 93">
+            <a:extLst>
+              <a:ext uri="{FF2B5EF4-FFF2-40B4-BE49-F238E27FC236}">
+                <a16:creationId xmlns:a16="http://schemas.microsoft.com/office/drawing/2014/main" id="{429C9C27-D290-178A-22ED-5B8FDC2D574D}"/>
+              </a:ext>
+            </a:extLst>
+          </p:cNvPr>
+          <p:cNvSpPr/>
+          <p:nvPr/>
+        </p:nvSpPr>
+        <p:spPr>
+          <a:xfrm>
+            <a:off x="3446341" y="5166254"/>
+            <a:ext cx="661906" cy="646330"/>
+          </a:xfrm>
+          <a:prstGeom prst="ellipse">
+            <a:avLst/>
+          </a:prstGeom>
+          <a:noFill/>
+          <a:ln>
+            <a:solidFill>
+              <a:schemeClr val="tx1"/>
+            </a:solidFill>
+          </a:ln>
+        </p:spPr>
+        <p:style>
+          <a:lnRef idx="2">
+            <a:schemeClr val="accent1">
+              <a:shade val="50000"/>
+            </a:schemeClr>
+          </a:lnRef>
+          <a:fillRef idx="1">
+            <a:schemeClr val="accent1"/>
+          </a:fillRef>
+          <a:effectRef idx="0">
+            <a:schemeClr val="accent1"/>
+          </a:effectRef>
+          <a:fontRef idx="minor">
+            <a:schemeClr val="lt1"/>
+          </a:fontRef>
+        </p:style>
+        <p:txBody>
+          <a:bodyPr rtlCol="0" anchor="ctr"/>
+          <a:lstStyle/>
+          <a:p>
+            <a:pPr algn="ctr"/>
+            <a:r>
+              <a:rPr lang="en-US" altLang="ja-JP" dirty="0">
+                <a:solidFill>
+                  <a:srgbClr val="FF0000"/>
+                </a:solidFill>
+              </a:rPr>
+              <a:t>1</a:t>
+            </a:r>
+            <a:endParaRPr kumimoji="1" lang="ja-JP" altLang="en-US" dirty="0">
+              <a:solidFill>
+                <a:srgbClr val="FF0000"/>
+              </a:solidFill>
+            </a:endParaRPr>
+          </a:p>
+        </p:txBody>
+      </p:sp>
+      <p:sp>
+        <p:nvSpPr>
+          <p:cNvPr id="100" name="楕円 99">
+            <a:extLst>
+              <a:ext uri="{FF2B5EF4-FFF2-40B4-BE49-F238E27FC236}">
+                <a16:creationId xmlns:a16="http://schemas.microsoft.com/office/drawing/2014/main" id="{D2A13E32-FBD7-C6C0-B75F-FC811F5CB45F}"/>
+              </a:ext>
+            </a:extLst>
+          </p:cNvPr>
+          <p:cNvSpPr/>
+          <p:nvPr/>
+        </p:nvSpPr>
+        <p:spPr>
+          <a:xfrm>
+            <a:off x="2248499" y="5166254"/>
+            <a:ext cx="661906" cy="646330"/>
+          </a:xfrm>
+          <a:prstGeom prst="ellipse">
+            <a:avLst/>
+          </a:prstGeom>
+          <a:noFill/>
+          <a:ln>
+            <a:solidFill>
+              <a:schemeClr val="tx1"/>
+            </a:solidFill>
+          </a:ln>
+        </p:spPr>
+        <p:style>
+          <a:lnRef idx="2">
+            <a:schemeClr val="accent1">
+              <a:shade val="50000"/>
+            </a:schemeClr>
+          </a:lnRef>
+          <a:fillRef idx="1">
+            <a:schemeClr val="accent1"/>
+          </a:fillRef>
+          <a:effectRef idx="0">
+            <a:schemeClr val="accent1"/>
+          </a:effectRef>
+          <a:fontRef idx="minor">
+            <a:schemeClr val="lt1"/>
+          </a:fontRef>
+        </p:style>
+        <p:txBody>
+          <a:bodyPr rtlCol="0" anchor="ctr"/>
+          <a:lstStyle/>
+          <a:p>
+            <a:pPr algn="ctr"/>
+            <a:r>
+              <a:rPr kumimoji="1" lang="en-US" altLang="ja-JP" dirty="0">
+                <a:solidFill>
+                  <a:srgbClr val="FF0000"/>
+                </a:solidFill>
+              </a:rPr>
+              <a:t>6</a:t>
+            </a:r>
+            <a:endParaRPr kumimoji="1" lang="ja-JP" altLang="en-US" dirty="0">
+              <a:solidFill>
+                <a:srgbClr val="FF0000"/>
+              </a:solidFill>
+            </a:endParaRPr>
+          </a:p>
+        </p:txBody>
+      </p:sp>
+      <p:sp>
+        <p:nvSpPr>
+          <p:cNvPr id="2" name="楕円 1">
+            <a:extLst>
+              <a:ext uri="{FF2B5EF4-FFF2-40B4-BE49-F238E27FC236}">
+                <a16:creationId xmlns:a16="http://schemas.microsoft.com/office/drawing/2014/main" id="{52888777-0572-0807-CAC5-41272FD64DC0}"/>
+              </a:ext>
+            </a:extLst>
+          </p:cNvPr>
+          <p:cNvSpPr/>
+          <p:nvPr/>
+        </p:nvSpPr>
+        <p:spPr>
+          <a:xfrm>
+            <a:off x="3136453" y="1091943"/>
+            <a:ext cx="2198748" cy="2008950"/>
+          </a:xfrm>
+          <a:prstGeom prst="ellipse">
+            <a:avLst/>
+          </a:prstGeom>
+          <a:noFill/>
+        </p:spPr>
+        <p:style>
+          <a:lnRef idx="2">
+            <a:schemeClr val="accent1">
+              <a:shade val="50000"/>
+            </a:schemeClr>
+          </a:lnRef>
+          <a:fillRef idx="1">
+            <a:schemeClr val="accent1"/>
+          </a:fillRef>
+          <a:effectRef idx="0">
+            <a:schemeClr val="accent1"/>
+          </a:effectRef>
+          <a:fontRef idx="minor">
+            <a:schemeClr val="lt1"/>
+          </a:fontRef>
+        </p:style>
+        <p:txBody>
+          <a:bodyPr rtlCol="0" anchor="ctr"/>
+          <a:lstStyle/>
+          <a:p>
+            <a:pPr algn="ctr"/>
+            <a:endParaRPr kumimoji="1" lang="ja-JP" altLang="en-US"/>
+          </a:p>
+        </p:txBody>
+      </p:sp>
+      <p:sp>
+        <p:nvSpPr>
+          <p:cNvPr id="4" name="楕円 3">
+            <a:extLst>
+              <a:ext uri="{FF2B5EF4-FFF2-40B4-BE49-F238E27FC236}">
+                <a16:creationId xmlns:a16="http://schemas.microsoft.com/office/drawing/2014/main" id="{D7831431-5A23-8312-FD43-0576E3A08342}"/>
+              </a:ext>
+            </a:extLst>
+          </p:cNvPr>
+          <p:cNvSpPr/>
+          <p:nvPr/>
+        </p:nvSpPr>
+        <p:spPr>
+          <a:xfrm>
+            <a:off x="3119412" y="3101077"/>
+            <a:ext cx="2198748" cy="2008950"/>
+          </a:xfrm>
+          <a:prstGeom prst="ellipse">
+            <a:avLst/>
+          </a:prstGeom>
+          <a:noFill/>
+          <a:ln>
+            <a:solidFill>
+              <a:schemeClr val="accent2"/>
+            </a:solidFill>
+            <a:prstDash val="sysDash"/>
+          </a:ln>
+        </p:spPr>
+        <p:style>
+          <a:lnRef idx="2">
+            <a:schemeClr val="accent1">
+              <a:shade val="50000"/>
+            </a:schemeClr>
+          </a:lnRef>
+          <a:fillRef idx="1">
+            <a:schemeClr val="accent1"/>
+          </a:fillRef>
+          <a:effectRef idx="0">
+            <a:schemeClr val="accent1"/>
+          </a:effectRef>
+          <a:fontRef idx="minor">
+            <a:schemeClr val="lt1"/>
+          </a:fontRef>
+        </p:style>
+        <p:txBody>
+          <a:bodyPr rtlCol="0" anchor="ctr"/>
+          <a:lstStyle/>
+          <a:p>
+            <a:pPr algn="ctr"/>
+            <a:endParaRPr kumimoji="1" lang="ja-JP" altLang="en-US"/>
+          </a:p>
+        </p:txBody>
+      </p:sp>
+      <p:sp>
+        <p:nvSpPr>
+          <p:cNvPr id="12" name="テキスト ボックス 11">
+            <a:extLst>
+              <a:ext uri="{FF2B5EF4-FFF2-40B4-BE49-F238E27FC236}">
+                <a16:creationId xmlns:a16="http://schemas.microsoft.com/office/drawing/2014/main" id="{E86BBF49-2976-476A-5018-1D31AF295973}"/>
+              </a:ext>
+            </a:extLst>
+          </p:cNvPr>
+          <p:cNvSpPr txBox="1"/>
+          <p:nvPr/>
+        </p:nvSpPr>
+        <p:spPr>
+          <a:xfrm>
+            <a:off x="3278553" y="1984522"/>
+            <a:ext cx="1015752" cy="307777"/>
+          </a:xfrm>
+          <a:prstGeom prst="rect">
+            <a:avLst/>
+          </a:prstGeom>
+          <a:noFill/>
+        </p:spPr>
+        <p:txBody>
+          <a:bodyPr wrap="square" rtlCol="0">
+            <a:spAutoFit/>
+          </a:bodyPr>
+          <a:lstStyle/>
+          <a:p>
+            <a:r>
+              <a:rPr lang="en-US" altLang="ja-JP" sz="1400" b="1" dirty="0"/>
+              <a:t>Gal(b1-4)</a:t>
+            </a:r>
+          </a:p>
+        </p:txBody>
+      </p:sp>
+      <p:sp>
+        <p:nvSpPr>
+          <p:cNvPr id="15" name="テキスト ボックス 14">
+            <a:extLst>
+              <a:ext uri="{FF2B5EF4-FFF2-40B4-BE49-F238E27FC236}">
+                <a16:creationId xmlns:a16="http://schemas.microsoft.com/office/drawing/2014/main" id="{4B641BE6-9CEC-8F1F-12A4-47277E48479B}"/>
+              </a:ext>
+            </a:extLst>
+          </p:cNvPr>
+          <p:cNvSpPr txBox="1"/>
+          <p:nvPr/>
+        </p:nvSpPr>
+        <p:spPr>
+          <a:xfrm>
+            <a:off x="3268381" y="4040188"/>
+            <a:ext cx="1036095" cy="307777"/>
+          </a:xfrm>
+          <a:prstGeom prst="rect">
+            <a:avLst/>
+          </a:prstGeom>
+          <a:noFill/>
+        </p:spPr>
+        <p:txBody>
+          <a:bodyPr wrap="square" rtlCol="0">
+            <a:spAutoFit/>
+          </a:bodyPr>
+          <a:lstStyle/>
+          <a:p>
+            <a:r>
+              <a:rPr lang="en-US" altLang="ja-JP" sz="1400" b="1" dirty="0"/>
+              <a:t>Gal(b1-3)</a:t>
+            </a:r>
+          </a:p>
+        </p:txBody>
+      </p:sp>
+      <p:sp>
+        <p:nvSpPr>
+          <p:cNvPr id="19" name="テキスト ボックス 18">
+            <a:extLst>
+              <a:ext uri="{FF2B5EF4-FFF2-40B4-BE49-F238E27FC236}">
+                <a16:creationId xmlns:a16="http://schemas.microsoft.com/office/drawing/2014/main" id="{02E8CFE9-08BF-5AD6-FB2F-1E8F41CE7135}"/>
+              </a:ext>
+            </a:extLst>
+          </p:cNvPr>
+          <p:cNvSpPr txBox="1"/>
+          <p:nvPr/>
+        </p:nvSpPr>
+        <p:spPr>
+          <a:xfrm>
+            <a:off x="4311457" y="1513675"/>
+            <a:ext cx="1433195" cy="307777"/>
+          </a:xfrm>
+          <a:prstGeom prst="rect">
+            <a:avLst/>
+          </a:prstGeom>
+          <a:noFill/>
+        </p:spPr>
+        <p:txBody>
+          <a:bodyPr wrap="square" rtlCol="0">
+            <a:spAutoFit/>
+          </a:bodyPr>
+          <a:lstStyle/>
+          <a:p>
+            <a:r>
+              <a:rPr lang="en-US" altLang="ja-JP" sz="1400" b="1" dirty="0" err="1"/>
+              <a:t>GlcNAc</a:t>
+            </a:r>
+            <a:r>
+              <a:rPr lang="en-US" altLang="ja-JP" sz="1400" b="1" dirty="0"/>
+              <a:t>(b1-2)</a:t>
+            </a:r>
+          </a:p>
+        </p:txBody>
+      </p:sp>
+      <p:sp>
+        <p:nvSpPr>
+          <p:cNvPr id="20" name="テキスト ボックス 19">
+            <a:extLst>
+              <a:ext uri="{FF2B5EF4-FFF2-40B4-BE49-F238E27FC236}">
+                <a16:creationId xmlns:a16="http://schemas.microsoft.com/office/drawing/2014/main" id="{76B51350-B9B8-3776-526F-5914DFCB5D4F}"/>
+              </a:ext>
+            </a:extLst>
+          </p:cNvPr>
+          <p:cNvSpPr txBox="1"/>
+          <p:nvPr/>
+        </p:nvSpPr>
+        <p:spPr>
+          <a:xfrm>
+            <a:off x="4269917" y="3449241"/>
+            <a:ext cx="1384901" cy="307777"/>
+          </a:xfrm>
+          <a:prstGeom prst="rect">
+            <a:avLst/>
+          </a:prstGeom>
+          <a:noFill/>
+        </p:spPr>
+        <p:txBody>
+          <a:bodyPr wrap="square" rtlCol="0">
+            <a:spAutoFit/>
+          </a:bodyPr>
+          <a:lstStyle/>
+          <a:p>
+            <a:r>
+              <a:rPr lang="en-US" altLang="ja-JP" sz="1400" b="1" dirty="0" err="1"/>
+              <a:t>GlcNAc</a:t>
+            </a:r>
+            <a:r>
+              <a:rPr lang="en-US" altLang="ja-JP" sz="1400" b="1" dirty="0"/>
+              <a:t>(b1-4)</a:t>
+            </a:r>
+          </a:p>
+        </p:txBody>
+      </p:sp>
+    </p:spTree>
+    <p:extLst>
+      <p:ext uri="{BB962C8B-B14F-4D97-AF65-F5344CB8AC3E}">
+        <p14:creationId xmlns:p14="http://schemas.microsoft.com/office/powerpoint/2010/main" val="3183433674"/>
+      </p:ext>
+    </p:extLst>
+  </p:cSld>
+  <p:clrMapOvr>
+    <a:masterClrMapping/>
+  </p:clrMapOvr>
+</p:sld>
+</file>
+
+<file path=ppt/slides/slide8.xml><?xml version="1.0" encoding="utf-8"?>
+<p:sld xmlns:a="http://schemas.openxmlformats.org/drawingml/2006/main" xmlns:r="http://schemas.openxmlformats.org/officeDocument/2006/relationships" xmlns:p="http://schemas.openxmlformats.org/presentationml/2006/main">
+  <p:cSld>
+    <p:spTree>
+      <p:nvGrpSpPr>
+        <p:cNvPr id="1" name=""/>
+        <p:cNvGrpSpPr/>
+        <p:nvPr/>
+      </p:nvGrpSpPr>
+      <p:grpSpPr>
+        <a:xfrm>
+          <a:off x="0" y="0"/>
+          <a:ext cx="0" cy="0"/>
+          <a:chOff x="0" y="0"/>
+          <a:chExt cx="0" cy="0"/>
+        </a:xfrm>
+      </p:grpSpPr>
+      <p:cxnSp>
+        <p:nvCxnSpPr>
           <p:cNvPr id="24" name="直線コネクタ 23">
             <a:extLst>
               <a:ext uri="{FF2B5EF4-FFF2-40B4-BE49-F238E27FC236}">
@@ -19266,7 +24981,7 @@
 </p:sld>
 </file>
 
-<file path=ppt/slides/slide6.xml><?xml version="1.0" encoding="utf-8"?>
+<file path=ppt/slides/slide9.xml><?xml version="1.0" encoding="utf-8"?>
 <p:sld xmlns:a="http://schemas.openxmlformats.org/drawingml/2006/main" xmlns:r="http://schemas.openxmlformats.org/officeDocument/2006/relationships" xmlns:p="http://schemas.openxmlformats.org/presentationml/2006/main">
   <p:cSld>
     <p:spTree>
